--- a/PPT_Presentation_v2.pptx
+++ b/PPT_Presentation_v2.pptx
@@ -3573,7 +3573,15 @@
             </a:pPr>
             <a:r>
               <a:rPr lang="en-US" sz="1400" dirty="0" smtClean="0"/>
-              <a:t>Chen Fan, Ellie …, </a:t>
+              <a:t>Chen Fan, </a:t>
+            </a:r>
+            <a:r>
+              <a:rPr lang="en-US" sz="1400" smtClean="0"/>
+              <a:t>Ellie </a:t>
+            </a:r>
+            <a:r>
+              <a:rPr lang="en-US" sz="1400" smtClean="0"/>
+              <a:t>Liu, </a:t>
             </a:r>
             <a:r>
               <a:rPr lang="en-US" sz="1400" dirty="0" err="1" smtClean="0"/>
@@ -3581,7 +3589,15 @@
             </a:r>
             <a:r>
               <a:rPr lang="en-US" sz="1400" dirty="0" smtClean="0"/>
-              <a:t> …, Jonathan Martinez, Rachel Chen, Viktor Hermann</a:t>
+              <a:t> </a:t>
+            </a:r>
+            <a:r>
+              <a:rPr lang="en-US" sz="1400" dirty="0" smtClean="0"/>
+              <a:t>Tang, </a:t>
+            </a:r>
+            <a:r>
+              <a:rPr lang="en-US" sz="1400" dirty="0" smtClean="0"/>
+              <a:t>Jonathan Martinez, Rachel Chen, Viktor Hermann</a:t>
             </a:r>
           </a:p>
           <a:p>
@@ -4773,6 +4789,400 @@
             </a:fontRef>
           </p:style>
         </p:cxnSp>
+      </p:grpSp>
+      <p:sp>
+        <p:nvSpPr>
+          <p:cNvPr id="3" name="Rectangle 2"/>
+          <p:cNvSpPr/>
+          <p:nvPr/>
+        </p:nvSpPr>
+        <p:spPr>
+          <a:xfrm>
+            <a:off x="342900" y="2198310"/>
+            <a:ext cx="5035216" cy="4027865"/>
+          </a:xfrm>
+          <a:prstGeom prst="rect">
+            <a:avLst/>
+          </a:prstGeom>
+        </p:spPr>
+        <p:style>
+          <a:lnRef idx="1">
+            <a:schemeClr val="accent1"/>
+          </a:lnRef>
+          <a:fillRef idx="3">
+            <a:schemeClr val="accent1"/>
+          </a:fillRef>
+          <a:effectRef idx="2">
+            <a:schemeClr val="accent1"/>
+          </a:effectRef>
+          <a:fontRef idx="minor">
+            <a:schemeClr val="lt1"/>
+          </a:fontRef>
+        </p:style>
+        <p:txBody>
+          <a:bodyPr rtlCol="0" anchor="ctr"/>
+          <a:lstStyle/>
+          <a:p>
+            <a:pPr algn="ctr"/>
+            <a:r>
+              <a:rPr lang="en-US" dirty="0" smtClean="0">
+                <a:solidFill>
+                  <a:srgbClr val="FFFFFF"/>
+                </a:solidFill>
+              </a:rPr>
+              <a:t>Here comes a picture/table with the drawdown</a:t>
+            </a:r>
+            <a:endParaRPr lang="en-US" dirty="0">
+              <a:solidFill>
+                <a:srgbClr val="FFFFFF"/>
+              </a:solidFill>
+            </a:endParaRPr>
+          </a:p>
+        </p:txBody>
+      </p:sp>
+      <p:grpSp>
+        <p:nvGrpSpPr>
+          <p:cNvPr id="15" name="Group 14"/>
+          <p:cNvGrpSpPr/>
+          <p:nvPr/>
+        </p:nvGrpSpPr>
+        <p:grpSpPr>
+          <a:xfrm>
+            <a:off x="5364400" y="2210342"/>
+            <a:ext cx="3422984" cy="1907084"/>
+            <a:chOff x="5364400" y="2210342"/>
+            <a:chExt cx="3422984" cy="1907084"/>
+          </a:xfrm>
+        </p:grpSpPr>
+        <p:sp>
+          <p:nvSpPr>
+            <p:cNvPr id="12" name="TextBox 11"/>
+            <p:cNvSpPr txBox="1"/>
+            <p:nvPr/>
+          </p:nvSpPr>
+          <p:spPr>
+            <a:xfrm>
+              <a:off x="5364400" y="2210342"/>
+              <a:ext cx="3422984" cy="307777"/>
+            </a:xfrm>
+            <a:prstGeom prst="rect">
+              <a:avLst/>
+            </a:prstGeom>
+            <a:noFill/>
+          </p:spPr>
+          <p:txBody>
+            <a:bodyPr wrap="square" rtlCol="0">
+              <a:spAutoFit/>
+            </a:bodyPr>
+            <a:lstStyle/>
+            <a:p>
+              <a:r>
+                <a:rPr lang="en-US" sz="1400" dirty="0" smtClean="0">
+                  <a:solidFill>
+                    <a:srgbClr val="323C47"/>
+                  </a:solidFill>
+                  <a:latin typeface="Arial" charset="0"/>
+                </a:rPr>
+                <a:t>Assumptions:</a:t>
+              </a:r>
+              <a:endParaRPr lang="en-US" sz="1400" dirty="0" smtClean="0">
+                <a:solidFill>
+                  <a:srgbClr val="323C47"/>
+                </a:solidFill>
+                <a:latin typeface="Arial" charset="0"/>
+              </a:endParaRPr>
+            </a:p>
+          </p:txBody>
+        </p:sp>
+        <p:sp>
+          <p:nvSpPr>
+            <p:cNvPr id="14" name="TextBox 13"/>
+            <p:cNvSpPr txBox="1"/>
+            <p:nvPr/>
+          </p:nvSpPr>
+          <p:spPr>
+            <a:xfrm>
+              <a:off x="5364400" y="2409266"/>
+              <a:ext cx="3422984" cy="1708160"/>
+            </a:xfrm>
+            <a:prstGeom prst="rect">
+              <a:avLst/>
+            </a:prstGeom>
+            <a:noFill/>
+          </p:spPr>
+          <p:txBody>
+            <a:bodyPr wrap="square" rtlCol="0">
+              <a:spAutoFit/>
+            </a:bodyPr>
+            <a:lstStyle/>
+            <a:p>
+              <a:pPr marL="285750" indent="-285750">
+                <a:lnSpc>
+                  <a:spcPct val="150000"/>
+                </a:lnSpc>
+                <a:buFont typeface="Arial" charset="0"/>
+                <a:buChar char="•"/>
+              </a:pPr>
+              <a:r>
+                <a:rPr lang="en-US" sz="1400" dirty="0" smtClean="0">
+                  <a:solidFill>
+                    <a:srgbClr val="323C47"/>
+                  </a:solidFill>
+                  <a:latin typeface="Arial" charset="0"/>
+                </a:rPr>
+                <a:t>Returns are same in </a:t>
+              </a:r>
+              <a:r>
+                <a:rPr lang="en-US" sz="1400" dirty="0" err="1" smtClean="0">
+                  <a:solidFill>
+                    <a:srgbClr val="323C47"/>
+                  </a:solidFill>
+                  <a:latin typeface="Arial" charset="0"/>
+                </a:rPr>
+                <a:t>allscenarios</a:t>
+              </a:r>
+              <a:endParaRPr lang="en-US" sz="1400" dirty="0" smtClean="0">
+                <a:solidFill>
+                  <a:srgbClr val="323C47"/>
+                </a:solidFill>
+                <a:latin typeface="Arial" charset="0"/>
+              </a:endParaRPr>
+            </a:p>
+            <a:p>
+              <a:pPr marL="285750" indent="-285750">
+                <a:lnSpc>
+                  <a:spcPct val="150000"/>
+                </a:lnSpc>
+                <a:buFont typeface="Arial" charset="0"/>
+                <a:buChar char="•"/>
+              </a:pPr>
+              <a:r>
+                <a:rPr lang="en-US" sz="1400" dirty="0" smtClean="0">
+                  <a:solidFill>
+                    <a:srgbClr val="323C47"/>
+                  </a:solidFill>
+                  <a:latin typeface="Arial" charset="0"/>
+                </a:rPr>
+                <a:t>Withdrawal is a fixed $ amount, not percentage of remaining balance</a:t>
+              </a:r>
+            </a:p>
+            <a:p>
+              <a:pPr marL="285750" indent="-285750">
+                <a:lnSpc>
+                  <a:spcPct val="150000"/>
+                </a:lnSpc>
+                <a:buFont typeface="Arial" charset="0"/>
+                <a:buChar char="•"/>
+              </a:pPr>
+              <a:r>
+                <a:rPr lang="en-US" sz="1400" dirty="0" smtClean="0">
+                  <a:solidFill>
+                    <a:srgbClr val="323C47"/>
+                  </a:solidFill>
+                  <a:latin typeface="Arial" charset="0"/>
+                </a:rPr>
+                <a:t>Distribution of wealth:</a:t>
+              </a:r>
+            </a:p>
+            <a:p>
+              <a:pPr>
+                <a:lnSpc>
+                  <a:spcPct val="150000"/>
+                </a:lnSpc>
+                <a:tabLst>
+                  <a:tab pos="395288" algn="l"/>
+                </a:tabLst>
+              </a:pPr>
+              <a:r>
+                <a:rPr lang="en-US" sz="1400" dirty="0" smtClean="0">
+                  <a:solidFill>
+                    <a:srgbClr val="323C47"/>
+                  </a:solidFill>
+                  <a:latin typeface="Arial" charset="0"/>
+                </a:rPr>
+                <a:t>	30% equity / 70% fixed income</a:t>
+              </a:r>
+              <a:endParaRPr lang="en-US" sz="1400" dirty="0" smtClean="0">
+                <a:solidFill>
+                  <a:srgbClr val="323C47"/>
+                </a:solidFill>
+                <a:latin typeface="Arial" charset="0"/>
+              </a:endParaRPr>
+            </a:p>
+          </p:txBody>
+        </p:sp>
+      </p:grpSp>
+      <p:grpSp>
+        <p:nvGrpSpPr>
+          <p:cNvPr id="16" name="Group 15"/>
+          <p:cNvGrpSpPr/>
+          <p:nvPr/>
+        </p:nvGrpSpPr>
+        <p:grpSpPr>
+          <a:xfrm>
+            <a:off x="5364400" y="4198772"/>
+            <a:ext cx="3422984" cy="1907084"/>
+            <a:chOff x="5364400" y="2210342"/>
+            <a:chExt cx="3422984" cy="1907084"/>
+          </a:xfrm>
+        </p:grpSpPr>
+        <p:sp>
+          <p:nvSpPr>
+            <p:cNvPr id="17" name="TextBox 16"/>
+            <p:cNvSpPr txBox="1"/>
+            <p:nvPr/>
+          </p:nvSpPr>
+          <p:spPr>
+            <a:xfrm>
+              <a:off x="5364400" y="2210342"/>
+              <a:ext cx="3422984" cy="307777"/>
+            </a:xfrm>
+            <a:prstGeom prst="rect">
+              <a:avLst/>
+            </a:prstGeom>
+            <a:noFill/>
+          </p:spPr>
+          <p:txBody>
+            <a:bodyPr wrap="square" rtlCol="0">
+              <a:spAutoFit/>
+            </a:bodyPr>
+            <a:lstStyle/>
+            <a:p>
+              <a:r>
+                <a:rPr lang="en-US" sz="1400" dirty="0" smtClean="0">
+                  <a:solidFill>
+                    <a:srgbClr val="323C47"/>
+                  </a:solidFill>
+                  <a:latin typeface="Arial" charset="0"/>
+                </a:rPr>
+                <a:t>Conclusion:</a:t>
+              </a:r>
+              <a:endParaRPr lang="en-US" sz="1400" dirty="0" smtClean="0">
+                <a:solidFill>
+                  <a:srgbClr val="323C47"/>
+                </a:solidFill>
+                <a:latin typeface="Arial" charset="0"/>
+              </a:endParaRPr>
+            </a:p>
+          </p:txBody>
+        </p:sp>
+        <p:sp>
+          <p:nvSpPr>
+            <p:cNvPr id="18" name="TextBox 17"/>
+            <p:cNvSpPr txBox="1"/>
+            <p:nvPr/>
+          </p:nvSpPr>
+          <p:spPr>
+            <a:xfrm>
+              <a:off x="5364400" y="2409266"/>
+              <a:ext cx="3422984" cy="1708160"/>
+            </a:xfrm>
+            <a:prstGeom prst="rect">
+              <a:avLst/>
+            </a:prstGeom>
+            <a:noFill/>
+          </p:spPr>
+          <p:txBody>
+            <a:bodyPr wrap="square" rtlCol="0">
+              <a:spAutoFit/>
+            </a:bodyPr>
+            <a:lstStyle/>
+            <a:p>
+              <a:pPr marL="285750" indent="-285750">
+                <a:lnSpc>
+                  <a:spcPct val="150000"/>
+                </a:lnSpc>
+                <a:buFont typeface="Arial" charset="0"/>
+                <a:buChar char="•"/>
+              </a:pPr>
+              <a:r>
+                <a:rPr lang="en-US" sz="1400" dirty="0" smtClean="0">
+                  <a:solidFill>
+                    <a:srgbClr val="323C47"/>
+                  </a:solidFill>
+                  <a:latin typeface="Arial" charset="0"/>
+                </a:rPr>
+                <a:t>Returns are same in </a:t>
+              </a:r>
+              <a:r>
+                <a:rPr lang="en-US" sz="1400" dirty="0" err="1" smtClean="0">
+                  <a:solidFill>
+                    <a:srgbClr val="323C47"/>
+                  </a:solidFill>
+                  <a:latin typeface="Arial" charset="0"/>
+                </a:rPr>
+                <a:t>allscenarios</a:t>
+              </a:r>
+              <a:endParaRPr lang="en-US" sz="1400" dirty="0" smtClean="0">
+                <a:solidFill>
+                  <a:srgbClr val="323C47"/>
+                </a:solidFill>
+                <a:latin typeface="Arial" charset="0"/>
+              </a:endParaRPr>
+            </a:p>
+            <a:p>
+              <a:pPr marL="285750" indent="-285750">
+                <a:lnSpc>
+                  <a:spcPct val="150000"/>
+                </a:lnSpc>
+                <a:buFont typeface="Arial" charset="0"/>
+                <a:buChar char="•"/>
+              </a:pPr>
+              <a:r>
+                <a:rPr lang="en-US" sz="1400" dirty="0" smtClean="0">
+                  <a:solidFill>
+                    <a:srgbClr val="323C47"/>
+                  </a:solidFill>
+                  <a:latin typeface="Arial" charset="0"/>
+                </a:rPr>
+                <a:t>Withdrawal is a fixed $ amount, not percentage of remaining balance</a:t>
+              </a:r>
+            </a:p>
+            <a:p>
+              <a:pPr marL="285750" indent="-285750">
+                <a:lnSpc>
+                  <a:spcPct val="150000"/>
+                </a:lnSpc>
+                <a:buFont typeface="Arial" charset="0"/>
+                <a:buChar char="•"/>
+              </a:pPr>
+              <a:r>
+                <a:rPr lang="en-US" sz="1400" dirty="0" smtClean="0">
+                  <a:solidFill>
+                    <a:srgbClr val="323C47"/>
+                  </a:solidFill>
+                  <a:latin typeface="Arial" charset="0"/>
+                </a:rPr>
+                <a:t>Distribution of wealth:</a:t>
+              </a:r>
+            </a:p>
+            <a:p>
+              <a:pPr>
+                <a:lnSpc>
+                  <a:spcPct val="150000"/>
+                </a:lnSpc>
+                <a:tabLst>
+                  <a:tab pos="395288" algn="l"/>
+                </a:tabLst>
+              </a:pPr>
+              <a:r>
+                <a:rPr lang="en-US" sz="1400" dirty="0" smtClean="0">
+                  <a:solidFill>
+                    <a:srgbClr val="323C47"/>
+                  </a:solidFill>
+                  <a:latin typeface="Arial" charset="0"/>
+                </a:rPr>
+                <a:t>	30% equity / 70% fixed income</a:t>
+              </a:r>
+              <a:endParaRPr lang="en-US" sz="1400" dirty="0" smtClean="0">
+                <a:solidFill>
+                  <a:srgbClr val="323C47"/>
+                </a:solidFill>
+                <a:latin typeface="Arial" charset="0"/>
+              </a:endParaRPr>
+            </a:p>
+          </p:txBody>
+        </p:sp>
       </p:grpSp>
     </p:spTree>
     <p:extLst>

--- a/PPT_Presentation_v2.pptx
+++ b/PPT_Presentation_v2.pptx
@@ -3573,23 +3573,15 @@
             </a:pPr>
             <a:r>
               <a:rPr lang="en-US" sz="1400" dirty="0" smtClean="0"/>
-              <a:t>Chen Fan, </a:t>
+              <a:t>Chen Fan, Ellie </a:t>
+            </a:r>
+            <a:r>
+              <a:rPr lang="en-US" sz="1400" dirty="0" smtClean="0"/>
+              <a:t>Liu</a:t>
             </a:r>
             <a:r>
               <a:rPr lang="en-US" sz="1400" smtClean="0"/>
-              <a:t>Ellie </a:t>
-            </a:r>
-            <a:r>
-              <a:rPr lang="en-US" sz="1400" smtClean="0"/>
-              <a:t>Liu, </a:t>
-            </a:r>
-            <a:r>
-              <a:rPr lang="en-US" sz="1400" dirty="0" err="1" smtClean="0"/>
-              <a:t>Haochen</a:t>
-            </a:r>
-            <a:r>
-              <a:rPr lang="en-US" sz="1400" dirty="0" smtClean="0"/>
-              <a:t> </a:t>
+              <a:t>, Haocheng </a:t>
             </a:r>
             <a:r>
               <a:rPr lang="en-US" sz="1400" dirty="0" smtClean="0"/>

--- a/PPT_Presentation_v2.pptx
+++ b/PPT_Presentation_v2.pptx
@@ -5,7 +5,7 @@
     <p:sldMasterId id="2147483648" r:id="rId1"/>
   </p:sldMasterIdLst>
   <p:notesMasterIdLst>
-    <p:notesMasterId r:id="rId13"/>
+    <p:notesMasterId r:id="rId16"/>
   </p:notesMasterIdLst>
   <p:sldIdLst>
     <p:sldId id="261" r:id="rId2"/>
@@ -14,11 +14,14 @@
     <p:sldId id="302" r:id="rId5"/>
     <p:sldId id="303" r:id="rId6"/>
     <p:sldId id="298" r:id="rId7"/>
-    <p:sldId id="299" r:id="rId8"/>
-    <p:sldId id="300" r:id="rId9"/>
-    <p:sldId id="301" r:id="rId10"/>
-    <p:sldId id="269" r:id="rId11"/>
-    <p:sldId id="295" r:id="rId12"/>
+    <p:sldId id="304" r:id="rId8"/>
+    <p:sldId id="305" r:id="rId9"/>
+    <p:sldId id="306" r:id="rId10"/>
+    <p:sldId id="299" r:id="rId11"/>
+    <p:sldId id="300" r:id="rId12"/>
+    <p:sldId id="301" r:id="rId13"/>
+    <p:sldId id="269" r:id="rId14"/>
+    <p:sldId id="295" r:id="rId15"/>
   </p:sldIdLst>
   <p:sldSz cx="9144000" cy="6858000" type="screen4x3"/>
   <p:notesSz cx="6858000" cy="9144000"/>
@@ -120,7 +123,7 @@
   <p:extLst>
     <p:ext uri="{EFAFB233-063F-42B5-8137-9DF3F51BA10A}">
       <p15:sldGuideLst xmlns:p15="http://schemas.microsoft.com/office/powerpoint/2012/main">
-        <p15:guide id="4" pos="5544" userDrawn="1">
+        <p15:guide id="4" pos="5534" userDrawn="1">
           <p15:clr>
             <a:srgbClr val="A4A3A4"/>
           </p15:clr>
@@ -231,7 +234,7 @@
           <a:p>
             <a:fld id="{A101805D-765B-42FA-8DF4-D1E5F93D4D56}" type="datetimeFigureOut">
               <a:rPr lang="en-US" smtClean="0"/>
-              <a:t>11/18/18</a:t>
+              <a:t>11/25/18</a:t>
             </a:fld>
             <a:endParaRPr lang="en-US"/>
           </a:p>
@@ -3573,11 +3576,7 @@
             </a:pPr>
             <a:r>
               <a:rPr lang="en-US" sz="1400" dirty="0" smtClean="0"/>
-              <a:t>Chen Fan, Ellie </a:t>
-            </a:r>
-            <a:r>
-              <a:rPr lang="en-US" sz="1400" dirty="0" smtClean="0"/>
-              <a:t>Liu</a:t>
+              <a:t>Chen Fan, Ellie Liu</a:t>
             </a:r>
             <a:r>
               <a:rPr lang="en-US" sz="1400" smtClean="0"/>
@@ -3585,11 +3584,7 @@
             </a:r>
             <a:r>
               <a:rPr lang="en-US" sz="1400" dirty="0" smtClean="0"/>
-              <a:t>Tang, </a:t>
-            </a:r>
-            <a:r>
-              <a:rPr lang="en-US" sz="1400" dirty="0" smtClean="0"/>
-              <a:t>Jonathan Martinez, Rachel Chen, Viktor Hermann</a:t>
+              <a:t>Tang, Jonathan Martinez, Rachel Chen, Viktor Hermann</a:t>
             </a:r>
           </a:p>
           <a:p>
@@ -3642,7 +3637,7 @@
       </p:grpSpPr>
       <p:sp>
         <p:nvSpPr>
-          <p:cNvPr id="2" name="标题 1"/>
+          <p:cNvPr id="2" name="Title 1"/>
           <p:cNvSpPr>
             <a:spLocks noGrp="1"/>
           </p:cNvSpPr>
@@ -3650,27 +3645,37 @@
             <p:ph type="title"/>
           </p:nvPr>
         </p:nvSpPr>
-        <p:spPr>
-          <a:xfrm>
-            <a:off x="342900" y="0"/>
-            <a:ext cx="8444484" cy="1584960"/>
-          </a:xfrm>
-        </p:spPr>
+        <p:spPr/>
         <p:txBody>
           <a:bodyPr/>
           <a:lstStyle/>
           <a:p>
-            <a:r>
-              <a:rPr lang="en-US" altLang="zh-CN" dirty="0" smtClean="0"/>
-              <a:t>conclusion</a:t>
-            </a:r>
-            <a:endParaRPr lang="zh-CN" altLang="en-US" dirty="0"/>
+            <a:pPr algn="ctr"/>
+            <a:r>
+              <a:rPr lang="en-US" dirty="0" smtClean="0"/>
+              <a:t/>
+            </a:r>
+            <a:br>
+              <a:rPr lang="en-US" dirty="0" smtClean="0"/>
+            </a:br>
+            <a:r>
+              <a:rPr lang="en-US" dirty="0" smtClean="0"/>
+              <a:t/>
+            </a:r>
+            <a:br>
+              <a:rPr lang="en-US" dirty="0" smtClean="0"/>
+            </a:br>
+            <a:endParaRPr lang="en-US" b="0" i="1" cap="none" dirty="0">
+              <a:solidFill>
+                <a:schemeClr val="tx1"/>
+              </a:solidFill>
+            </a:endParaRPr>
           </a:p>
         </p:txBody>
       </p:sp>
       <p:sp>
         <p:nvSpPr>
-          <p:cNvPr id="4" name="灯片编号占位符 3"/>
+          <p:cNvPr id="4" name="Slide Number Placeholder 3"/>
           <p:cNvSpPr>
             <a:spLocks noGrp="1"/>
           </p:cNvSpPr>
@@ -3692,16 +3697,213 @@
           </a:p>
         </p:txBody>
       </p:sp>
+      <p:sp>
+        <p:nvSpPr>
+          <p:cNvPr id="6" name="Rectangle 5"/>
+          <p:cNvSpPr/>
+          <p:nvPr/>
+        </p:nvSpPr>
+        <p:spPr>
+          <a:xfrm>
+            <a:off x="381000" y="1852863"/>
+            <a:ext cx="8420100" cy="4150895"/>
+          </a:xfrm>
+          <a:prstGeom prst="rect">
+            <a:avLst/>
+          </a:prstGeom>
+          <a:noFill/>
+          <a:ln>
+            <a:noFill/>
+          </a:ln>
+        </p:spPr>
+        <p:style>
+          <a:lnRef idx="2">
+            <a:schemeClr val="accent1">
+              <a:shade val="50000"/>
+            </a:schemeClr>
+          </a:lnRef>
+          <a:fillRef idx="1">
+            <a:schemeClr val="accent1"/>
+          </a:fillRef>
+          <a:effectRef idx="0">
+            <a:schemeClr val="accent1"/>
+          </a:effectRef>
+          <a:fontRef idx="minor">
+            <a:schemeClr val="lt1"/>
+          </a:fontRef>
+        </p:style>
+        <p:txBody>
+          <a:bodyPr rtlCol="0" anchor="ctr"/>
+          <a:lstStyle/>
+          <a:p>
+            <a:pPr>
+              <a:lnSpc>
+                <a:spcPct val="200000"/>
+              </a:lnSpc>
+            </a:pPr>
+            <a:r>
+              <a:rPr lang="de-DE" sz="2400" b="1" dirty="0" smtClean="0">
+                <a:solidFill>
+                  <a:srgbClr val="CAC8C8"/>
+                </a:solidFill>
+              </a:rPr>
+              <a:t>SORR – A Short Introduction</a:t>
+            </a:r>
+          </a:p>
+          <a:p>
+            <a:pPr>
+              <a:lnSpc>
+                <a:spcPct val="200000"/>
+              </a:lnSpc>
+            </a:pPr>
+            <a:r>
+              <a:rPr lang="de-DE" sz="2400" b="1" dirty="0" smtClean="0">
+                <a:solidFill>
+                  <a:srgbClr val="CAC8C8"/>
+                </a:solidFill>
+              </a:rPr>
+              <a:t>Methodology</a:t>
+            </a:r>
+          </a:p>
+          <a:p>
+            <a:pPr>
+              <a:lnSpc>
+                <a:spcPct val="200000"/>
+              </a:lnSpc>
+            </a:pPr>
+            <a:r>
+              <a:rPr lang="de-DE" sz="2400" b="1" dirty="0">
+                <a:solidFill>
+                  <a:srgbClr val="A42036"/>
+                </a:solidFill>
+              </a:rPr>
+              <a:t>Utility </a:t>
+            </a:r>
+            <a:r>
+              <a:rPr lang="de-DE" sz="2400" b="1" dirty="0" err="1">
+                <a:solidFill>
+                  <a:srgbClr val="A42036"/>
+                </a:solidFill>
+              </a:rPr>
+              <a:t>Maximization</a:t>
+            </a:r>
+            <a:r>
+              <a:rPr lang="de-DE" sz="2400" b="1" dirty="0">
+                <a:solidFill>
+                  <a:srgbClr val="A42036"/>
+                </a:solidFill>
+              </a:rPr>
+              <a:t> </a:t>
+            </a:r>
+            <a:r>
+              <a:rPr lang="de-DE" sz="2400" b="1" dirty="0" err="1">
+                <a:solidFill>
+                  <a:srgbClr val="A42036"/>
+                </a:solidFill>
+              </a:rPr>
+              <a:t>with</a:t>
+            </a:r>
+            <a:r>
+              <a:rPr lang="de-DE" sz="2400" b="1" dirty="0">
+                <a:solidFill>
+                  <a:srgbClr val="A42036"/>
+                </a:solidFill>
+              </a:rPr>
+              <a:t> </a:t>
+            </a:r>
+            <a:r>
+              <a:rPr lang="de-DE" sz="2400" b="1" dirty="0" err="1">
+                <a:solidFill>
+                  <a:srgbClr val="A42036"/>
+                </a:solidFill>
+              </a:rPr>
+              <a:t>Static</a:t>
+            </a:r>
+            <a:r>
+              <a:rPr lang="de-DE" sz="2400" b="1" dirty="0">
+                <a:solidFill>
+                  <a:srgbClr val="A42036"/>
+                </a:solidFill>
+              </a:rPr>
+              <a:t> </a:t>
+            </a:r>
+            <a:r>
+              <a:rPr lang="de-DE" sz="2400" b="1" dirty="0" err="1">
+                <a:solidFill>
+                  <a:srgbClr val="A42036"/>
+                </a:solidFill>
+              </a:rPr>
+              <a:t>Glidepaths</a:t>
+            </a:r>
+            <a:endParaRPr lang="de-DE" sz="2400" b="1" dirty="0">
+              <a:solidFill>
+                <a:srgbClr val="A42036"/>
+              </a:solidFill>
+            </a:endParaRPr>
+          </a:p>
+          <a:p>
+            <a:pPr>
+              <a:lnSpc>
+                <a:spcPct val="200000"/>
+              </a:lnSpc>
+            </a:pPr>
+            <a:r>
+              <a:rPr lang="de-DE" sz="2400" b="1" dirty="0" smtClean="0">
+                <a:solidFill>
+                  <a:srgbClr val="CAC8C8"/>
+                </a:solidFill>
+              </a:rPr>
+              <a:t>Chapter </a:t>
+            </a:r>
+            <a:r>
+              <a:rPr lang="de-DE" sz="2400" b="1" dirty="0" smtClean="0">
+                <a:solidFill>
+                  <a:srgbClr val="CAC8C8"/>
+                </a:solidFill>
+              </a:rPr>
+              <a:t>4</a:t>
+            </a:r>
+          </a:p>
+          <a:p>
+            <a:pPr>
+              <a:lnSpc>
+                <a:spcPct val="200000"/>
+              </a:lnSpc>
+            </a:pPr>
+            <a:r>
+              <a:rPr lang="de-DE" sz="2400" b="1" dirty="0" smtClean="0">
+                <a:solidFill>
+                  <a:srgbClr val="CAC8C8"/>
+                </a:solidFill>
+              </a:rPr>
+              <a:t>Conclusion</a:t>
+            </a:r>
+            <a:endParaRPr lang="en-US" sz="2400" b="1" dirty="0">
+              <a:solidFill>
+                <a:srgbClr val="CAC8C8"/>
+              </a:solidFill>
+            </a:endParaRPr>
+          </a:p>
+        </p:txBody>
+      </p:sp>
     </p:spTree>
     <p:extLst>
       <p:ext uri="{BB962C8B-B14F-4D97-AF65-F5344CB8AC3E}">
-        <p14:creationId xmlns:p14="http://schemas.microsoft.com/office/powerpoint/2010/main" val="1000679071"/>
+        <p14:creationId xmlns:p14="http://schemas.microsoft.com/office/powerpoint/2010/main" val="1971217218"/>
       </p:ext>
     </p:extLst>
   </p:cSld>
   <p:clrMapOvr>
     <a:masterClrMapping/>
   </p:clrMapOvr>
+  <mc:AlternateContent xmlns:mc="http://schemas.openxmlformats.org/markup-compatibility/2006" xmlns:p14="http://schemas.microsoft.com/office/powerpoint/2010/main">
+    <mc:Choice Requires="p14">
+      <p:transition spd="slow" p14:dur="2000"/>
+    </mc:Choice>
+    <mc:Fallback xmlns="">
+      <p:transition spd="slow"/>
+    </mc:Fallback>
+  </mc:AlternateContent>
   <p:timing>
     <p:tnLst>
       <p:par>
@@ -3713,6 +3915,529 @@
 </file>
 
 <file path=ppt/slides/slide11.xml><?xml version="1.0" encoding="utf-8"?>
+<p:sld xmlns:a="http://schemas.openxmlformats.org/drawingml/2006/main" xmlns:r="http://schemas.openxmlformats.org/officeDocument/2006/relationships" xmlns:p="http://schemas.openxmlformats.org/presentationml/2006/main">
+  <p:cSld>
+    <p:spTree>
+      <p:nvGrpSpPr>
+        <p:cNvPr id="1" name=""/>
+        <p:cNvGrpSpPr/>
+        <p:nvPr/>
+      </p:nvGrpSpPr>
+      <p:grpSpPr>
+        <a:xfrm>
+          <a:off x="0" y="0"/>
+          <a:ext cx="0" cy="0"/>
+          <a:chOff x="0" y="0"/>
+          <a:chExt cx="0" cy="0"/>
+        </a:xfrm>
+      </p:grpSpPr>
+      <p:sp>
+        <p:nvSpPr>
+          <p:cNvPr id="2" name="Title 1"/>
+          <p:cNvSpPr>
+            <a:spLocks noGrp="1"/>
+          </p:cNvSpPr>
+          <p:nvPr>
+            <p:ph type="title"/>
+          </p:nvPr>
+        </p:nvSpPr>
+        <p:spPr/>
+        <p:txBody>
+          <a:bodyPr/>
+          <a:lstStyle/>
+          <a:p>
+            <a:pPr algn="ctr"/>
+            <a:r>
+              <a:rPr lang="en-US" dirty="0" smtClean="0"/>
+              <a:t/>
+            </a:r>
+            <a:br>
+              <a:rPr lang="en-US" dirty="0" smtClean="0"/>
+            </a:br>
+            <a:r>
+              <a:rPr lang="en-US" dirty="0" smtClean="0"/>
+              <a:t/>
+            </a:r>
+            <a:br>
+              <a:rPr lang="en-US" dirty="0" smtClean="0"/>
+            </a:br>
+            <a:endParaRPr lang="en-US" b="0" i="1" cap="none" dirty="0">
+              <a:solidFill>
+                <a:schemeClr val="tx1"/>
+              </a:solidFill>
+            </a:endParaRPr>
+          </a:p>
+        </p:txBody>
+      </p:sp>
+      <p:sp>
+        <p:nvSpPr>
+          <p:cNvPr id="4" name="Slide Number Placeholder 3"/>
+          <p:cNvSpPr>
+            <a:spLocks noGrp="1"/>
+          </p:cNvSpPr>
+          <p:nvPr>
+            <p:ph type="sldNum" sz="quarter" idx="10"/>
+          </p:nvPr>
+        </p:nvSpPr>
+        <p:spPr/>
+        <p:txBody>
+          <a:bodyPr/>
+          <a:lstStyle/>
+          <a:p>
+            <a:fld id="{026A839D-8BA3-EB44-8091-71BB10A77D74}" type="slidenum">
+              <a:rPr lang="en-US" smtClean="0"/>
+              <a:pPr/>
+              <a:t>11</a:t>
+            </a:fld>
+            <a:endParaRPr lang="en-US" dirty="0"/>
+          </a:p>
+        </p:txBody>
+      </p:sp>
+      <p:sp>
+        <p:nvSpPr>
+          <p:cNvPr id="6" name="Rectangle 5"/>
+          <p:cNvSpPr/>
+          <p:nvPr/>
+        </p:nvSpPr>
+        <p:spPr>
+          <a:xfrm>
+            <a:off x="381000" y="1852863"/>
+            <a:ext cx="8420100" cy="4150895"/>
+          </a:xfrm>
+          <a:prstGeom prst="rect">
+            <a:avLst/>
+          </a:prstGeom>
+          <a:noFill/>
+          <a:ln>
+            <a:noFill/>
+          </a:ln>
+        </p:spPr>
+        <p:style>
+          <a:lnRef idx="2">
+            <a:schemeClr val="accent1">
+              <a:shade val="50000"/>
+            </a:schemeClr>
+          </a:lnRef>
+          <a:fillRef idx="1">
+            <a:schemeClr val="accent1"/>
+          </a:fillRef>
+          <a:effectRef idx="0">
+            <a:schemeClr val="accent1"/>
+          </a:effectRef>
+          <a:fontRef idx="minor">
+            <a:schemeClr val="lt1"/>
+          </a:fontRef>
+        </p:style>
+        <p:txBody>
+          <a:bodyPr rtlCol="0" anchor="ctr"/>
+          <a:lstStyle/>
+          <a:p>
+            <a:pPr>
+              <a:lnSpc>
+                <a:spcPct val="200000"/>
+              </a:lnSpc>
+            </a:pPr>
+            <a:r>
+              <a:rPr lang="de-DE" sz="2400" b="1" dirty="0" smtClean="0">
+                <a:solidFill>
+                  <a:srgbClr val="CAC8C8"/>
+                </a:solidFill>
+              </a:rPr>
+              <a:t>SORR – A Short Introduction</a:t>
+            </a:r>
+          </a:p>
+          <a:p>
+            <a:pPr>
+              <a:lnSpc>
+                <a:spcPct val="200000"/>
+              </a:lnSpc>
+            </a:pPr>
+            <a:r>
+              <a:rPr lang="de-DE" sz="2400" b="1" dirty="0" smtClean="0">
+                <a:solidFill>
+                  <a:srgbClr val="CAC8C8"/>
+                </a:solidFill>
+              </a:rPr>
+              <a:t>Methodology</a:t>
+            </a:r>
+          </a:p>
+          <a:p>
+            <a:pPr>
+              <a:lnSpc>
+                <a:spcPct val="200000"/>
+              </a:lnSpc>
+            </a:pPr>
+            <a:r>
+              <a:rPr lang="de-DE" sz="2400" b="1" dirty="0">
+                <a:solidFill>
+                  <a:srgbClr val="CAC8C8"/>
+                </a:solidFill>
+              </a:rPr>
+              <a:t>Utility </a:t>
+            </a:r>
+            <a:r>
+              <a:rPr lang="de-DE" sz="2400" b="1" dirty="0" err="1">
+                <a:solidFill>
+                  <a:srgbClr val="CAC8C8"/>
+                </a:solidFill>
+              </a:rPr>
+              <a:t>Maximization</a:t>
+            </a:r>
+            <a:r>
+              <a:rPr lang="de-DE" sz="2400" b="1" dirty="0">
+                <a:solidFill>
+                  <a:srgbClr val="CAC8C8"/>
+                </a:solidFill>
+              </a:rPr>
+              <a:t> </a:t>
+            </a:r>
+            <a:r>
+              <a:rPr lang="de-DE" sz="2400" b="1" dirty="0" err="1">
+                <a:solidFill>
+                  <a:srgbClr val="CAC8C8"/>
+                </a:solidFill>
+              </a:rPr>
+              <a:t>with</a:t>
+            </a:r>
+            <a:r>
+              <a:rPr lang="de-DE" sz="2400" b="1" dirty="0">
+                <a:solidFill>
+                  <a:srgbClr val="CAC8C8"/>
+                </a:solidFill>
+              </a:rPr>
+              <a:t> </a:t>
+            </a:r>
+            <a:r>
+              <a:rPr lang="de-DE" sz="2400" b="1" dirty="0" err="1">
+                <a:solidFill>
+                  <a:srgbClr val="CAC8C8"/>
+                </a:solidFill>
+              </a:rPr>
+              <a:t>Static</a:t>
+            </a:r>
+            <a:r>
+              <a:rPr lang="de-DE" sz="2400" b="1" dirty="0">
+                <a:solidFill>
+                  <a:srgbClr val="CAC8C8"/>
+                </a:solidFill>
+              </a:rPr>
+              <a:t> </a:t>
+            </a:r>
+            <a:r>
+              <a:rPr lang="de-DE" sz="2400" b="1" dirty="0" err="1">
+                <a:solidFill>
+                  <a:srgbClr val="CAC8C8"/>
+                </a:solidFill>
+              </a:rPr>
+              <a:t>Glidepaths</a:t>
+            </a:r>
+            <a:endParaRPr lang="de-DE" sz="2400" b="1" dirty="0">
+              <a:solidFill>
+                <a:srgbClr val="CAC8C8"/>
+              </a:solidFill>
+            </a:endParaRPr>
+          </a:p>
+          <a:p>
+            <a:pPr>
+              <a:lnSpc>
+                <a:spcPct val="200000"/>
+              </a:lnSpc>
+            </a:pPr>
+            <a:r>
+              <a:rPr lang="de-DE" sz="2400" b="1" dirty="0" smtClean="0">
+                <a:solidFill>
+                  <a:srgbClr val="A42036"/>
+                </a:solidFill>
+              </a:rPr>
+              <a:t>Chapter </a:t>
+            </a:r>
+            <a:r>
+              <a:rPr lang="de-DE" sz="2400" b="1" dirty="0" smtClean="0">
+                <a:solidFill>
+                  <a:srgbClr val="A42036"/>
+                </a:solidFill>
+              </a:rPr>
+              <a:t>4</a:t>
+            </a:r>
+          </a:p>
+          <a:p>
+            <a:pPr>
+              <a:lnSpc>
+                <a:spcPct val="200000"/>
+              </a:lnSpc>
+            </a:pPr>
+            <a:r>
+              <a:rPr lang="de-DE" sz="2400" b="1" dirty="0" smtClean="0">
+                <a:solidFill>
+                  <a:srgbClr val="CAC8C8"/>
+                </a:solidFill>
+              </a:rPr>
+              <a:t>Conclusion</a:t>
+            </a:r>
+            <a:endParaRPr lang="en-US" sz="2400" b="1" dirty="0">
+              <a:solidFill>
+                <a:srgbClr val="CAC8C8"/>
+              </a:solidFill>
+            </a:endParaRPr>
+          </a:p>
+        </p:txBody>
+      </p:sp>
+    </p:spTree>
+    <p:extLst>
+      <p:ext uri="{BB962C8B-B14F-4D97-AF65-F5344CB8AC3E}">
+        <p14:creationId xmlns:p14="http://schemas.microsoft.com/office/powerpoint/2010/main" val="3564373228"/>
+      </p:ext>
+    </p:extLst>
+  </p:cSld>
+  <p:clrMapOvr>
+    <a:masterClrMapping/>
+  </p:clrMapOvr>
+  <mc:AlternateContent xmlns:mc="http://schemas.openxmlformats.org/markup-compatibility/2006" xmlns:p14="http://schemas.microsoft.com/office/powerpoint/2010/main">
+    <mc:Choice Requires="p14">
+      <p:transition spd="slow" p14:dur="2000"/>
+    </mc:Choice>
+    <mc:Fallback xmlns="">
+      <p:transition spd="slow"/>
+    </mc:Fallback>
+  </mc:AlternateContent>
+  <p:timing>
+    <p:tnLst>
+      <p:par>
+        <p:cTn id="1" dur="indefinite" restart="never" nodeType="tmRoot"/>
+      </p:par>
+    </p:tnLst>
+  </p:timing>
+</p:sld>
+</file>
+
+<file path=ppt/slides/slide12.xml><?xml version="1.0" encoding="utf-8"?>
+<p:sld xmlns:a="http://schemas.openxmlformats.org/drawingml/2006/main" xmlns:r="http://schemas.openxmlformats.org/officeDocument/2006/relationships" xmlns:p="http://schemas.openxmlformats.org/presentationml/2006/main">
+  <p:cSld>
+    <p:spTree>
+      <p:nvGrpSpPr>
+        <p:cNvPr id="1" name=""/>
+        <p:cNvGrpSpPr/>
+        <p:nvPr/>
+      </p:nvGrpSpPr>
+      <p:grpSpPr>
+        <a:xfrm>
+          <a:off x="0" y="0"/>
+          <a:ext cx="0" cy="0"/>
+          <a:chOff x="0" y="0"/>
+          <a:chExt cx="0" cy="0"/>
+        </a:xfrm>
+      </p:grpSpPr>
+      <p:sp>
+        <p:nvSpPr>
+          <p:cNvPr id="2" name="Title 1"/>
+          <p:cNvSpPr>
+            <a:spLocks noGrp="1"/>
+          </p:cNvSpPr>
+          <p:nvPr>
+            <p:ph type="title"/>
+          </p:nvPr>
+        </p:nvSpPr>
+        <p:spPr/>
+        <p:txBody>
+          <a:bodyPr/>
+          <a:lstStyle/>
+          <a:p>
+            <a:pPr algn="ctr"/>
+            <a:r>
+              <a:rPr lang="en-US" dirty="0" smtClean="0"/>
+              <a:t/>
+            </a:r>
+            <a:br>
+              <a:rPr lang="en-US" dirty="0" smtClean="0"/>
+            </a:br>
+            <a:r>
+              <a:rPr lang="en-US" dirty="0" smtClean="0"/>
+              <a:t/>
+            </a:r>
+            <a:br>
+              <a:rPr lang="en-US" dirty="0" smtClean="0"/>
+            </a:br>
+            <a:endParaRPr lang="en-US" b="0" i="1" cap="none" dirty="0">
+              <a:solidFill>
+                <a:schemeClr val="tx1"/>
+              </a:solidFill>
+            </a:endParaRPr>
+          </a:p>
+        </p:txBody>
+      </p:sp>
+      <p:sp>
+        <p:nvSpPr>
+          <p:cNvPr id="4" name="Slide Number Placeholder 3"/>
+          <p:cNvSpPr>
+            <a:spLocks noGrp="1"/>
+          </p:cNvSpPr>
+          <p:nvPr>
+            <p:ph type="sldNum" sz="quarter" idx="10"/>
+          </p:nvPr>
+        </p:nvSpPr>
+        <p:spPr/>
+        <p:txBody>
+          <a:bodyPr/>
+          <a:lstStyle/>
+          <a:p>
+            <a:fld id="{026A839D-8BA3-EB44-8091-71BB10A77D74}" type="slidenum">
+              <a:rPr lang="en-US" smtClean="0"/>
+              <a:pPr/>
+              <a:t>12</a:t>
+            </a:fld>
+            <a:endParaRPr lang="en-US" dirty="0"/>
+          </a:p>
+        </p:txBody>
+      </p:sp>
+      <p:sp>
+        <p:nvSpPr>
+          <p:cNvPr id="6" name="Rectangle 5"/>
+          <p:cNvSpPr/>
+          <p:nvPr/>
+        </p:nvSpPr>
+        <p:spPr>
+          <a:xfrm>
+            <a:off x="381000" y="1852863"/>
+            <a:ext cx="8420100" cy="4150895"/>
+          </a:xfrm>
+          <a:prstGeom prst="rect">
+            <a:avLst/>
+          </a:prstGeom>
+          <a:noFill/>
+          <a:ln>
+            <a:noFill/>
+          </a:ln>
+        </p:spPr>
+        <p:style>
+          <a:lnRef idx="2">
+            <a:schemeClr val="accent1">
+              <a:shade val="50000"/>
+            </a:schemeClr>
+          </a:lnRef>
+          <a:fillRef idx="1">
+            <a:schemeClr val="accent1"/>
+          </a:fillRef>
+          <a:effectRef idx="0">
+            <a:schemeClr val="accent1"/>
+          </a:effectRef>
+          <a:fontRef idx="minor">
+            <a:schemeClr val="lt1"/>
+          </a:fontRef>
+        </p:style>
+        <p:txBody>
+          <a:bodyPr rtlCol="0" anchor="ctr"/>
+          <a:lstStyle/>
+          <a:p>
+            <a:pPr>
+              <a:lnSpc>
+                <a:spcPct val="200000"/>
+              </a:lnSpc>
+            </a:pPr>
+            <a:r>
+              <a:rPr lang="de-DE" sz="2400" b="1" dirty="0" smtClean="0">
+                <a:solidFill>
+                  <a:srgbClr val="CAC8C8"/>
+                </a:solidFill>
+              </a:rPr>
+              <a:t>SORR – A Short Introduction</a:t>
+            </a:r>
+          </a:p>
+          <a:p>
+            <a:pPr>
+              <a:lnSpc>
+                <a:spcPct val="200000"/>
+              </a:lnSpc>
+            </a:pPr>
+            <a:r>
+              <a:rPr lang="de-DE" sz="2400" b="1" dirty="0" smtClean="0">
+                <a:solidFill>
+                  <a:srgbClr val="CAC8C8"/>
+                </a:solidFill>
+              </a:rPr>
+              <a:t>Methodology</a:t>
+            </a:r>
+          </a:p>
+          <a:p>
+            <a:pPr>
+              <a:lnSpc>
+                <a:spcPct val="200000"/>
+              </a:lnSpc>
+            </a:pPr>
+            <a:r>
+              <a:rPr lang="de-DE" sz="2400" b="1" dirty="0" smtClean="0">
+                <a:solidFill>
+                  <a:srgbClr val="CAC8C8"/>
+                </a:solidFill>
+              </a:rPr>
+              <a:t>Chapter 3</a:t>
+            </a:r>
+          </a:p>
+          <a:p>
+            <a:pPr>
+              <a:lnSpc>
+                <a:spcPct val="200000"/>
+              </a:lnSpc>
+            </a:pPr>
+            <a:r>
+              <a:rPr lang="de-DE" sz="2400" b="1" dirty="0" smtClean="0">
+                <a:solidFill>
+                  <a:srgbClr val="CAC8C8"/>
+                </a:solidFill>
+              </a:rPr>
+              <a:t>Chapter 4</a:t>
+            </a:r>
+          </a:p>
+          <a:p>
+            <a:pPr>
+              <a:lnSpc>
+                <a:spcPct val="200000"/>
+              </a:lnSpc>
+            </a:pPr>
+            <a:r>
+              <a:rPr lang="de-DE" sz="2400" b="1" dirty="0" smtClean="0">
+                <a:solidFill>
+                  <a:srgbClr val="A42036"/>
+                </a:solidFill>
+              </a:rPr>
+              <a:t>Conclusion</a:t>
+            </a:r>
+            <a:endParaRPr lang="en-US" sz="2400" b="1" dirty="0">
+              <a:solidFill>
+                <a:srgbClr val="A42036"/>
+              </a:solidFill>
+            </a:endParaRPr>
+          </a:p>
+        </p:txBody>
+      </p:sp>
+    </p:spTree>
+    <p:extLst>
+      <p:ext uri="{BB962C8B-B14F-4D97-AF65-F5344CB8AC3E}">
+        <p14:creationId xmlns:p14="http://schemas.microsoft.com/office/powerpoint/2010/main" val="3524795404"/>
+      </p:ext>
+    </p:extLst>
+  </p:cSld>
+  <p:clrMapOvr>
+    <a:masterClrMapping/>
+  </p:clrMapOvr>
+  <mc:AlternateContent xmlns:mc="http://schemas.openxmlformats.org/markup-compatibility/2006" xmlns:p14="http://schemas.microsoft.com/office/powerpoint/2010/main">
+    <mc:Choice Requires="p14">
+      <p:transition spd="slow" p14:dur="2000"/>
+    </mc:Choice>
+    <mc:Fallback xmlns="">
+      <p:transition spd="slow"/>
+    </mc:Fallback>
+  </mc:AlternateContent>
+  <p:timing>
+    <p:tnLst>
+      <p:par>
+        <p:cTn id="1" dur="indefinite" restart="never" nodeType="tmRoot"/>
+      </p:par>
+    </p:tnLst>
+  </p:timing>
+</p:sld>
+</file>
+
+<file path=ppt/slides/slide13.xml><?xml version="1.0" encoding="utf-8"?>
 <p:sld xmlns:a="http://schemas.openxmlformats.org/drawingml/2006/main" xmlns:r="http://schemas.openxmlformats.org/officeDocument/2006/relationships" xmlns:p="http://schemas.openxmlformats.org/presentationml/2006/main">
   <p:cSld>
     <p:spTree>
@@ -3749,10 +4474,9 @@
           <a:bodyPr/>
           <a:lstStyle/>
           <a:p>
-            <a:pPr algn="ctr"/>
             <a:r>
               <a:rPr lang="en-US" altLang="zh-CN" dirty="0" smtClean="0"/>
-              <a:t>Thank you </a:t>
+              <a:t>conclusion</a:t>
             </a:r>
             <a:endParaRPr lang="zh-CN" altLang="en-US" dirty="0"/>
           </a:p>
@@ -3776,7 +4500,97 @@
             <a:fld id="{026A839D-8BA3-EB44-8091-71BB10A77D74}" type="slidenum">
               <a:rPr lang="en-US" smtClean="0"/>
               <a:pPr/>
-              <a:t>11</a:t>
+              <a:t>13</a:t>
+            </a:fld>
+            <a:endParaRPr lang="en-US" dirty="0"/>
+          </a:p>
+        </p:txBody>
+      </p:sp>
+    </p:spTree>
+    <p:extLst>
+      <p:ext uri="{BB962C8B-B14F-4D97-AF65-F5344CB8AC3E}">
+        <p14:creationId xmlns:p14="http://schemas.microsoft.com/office/powerpoint/2010/main" val="1000679071"/>
+      </p:ext>
+    </p:extLst>
+  </p:cSld>
+  <p:clrMapOvr>
+    <a:masterClrMapping/>
+  </p:clrMapOvr>
+  <p:timing>
+    <p:tnLst>
+      <p:par>
+        <p:cTn id="1" dur="indefinite" restart="never" nodeType="tmRoot"/>
+      </p:par>
+    </p:tnLst>
+  </p:timing>
+</p:sld>
+</file>
+
+<file path=ppt/slides/slide14.xml><?xml version="1.0" encoding="utf-8"?>
+<p:sld xmlns:a="http://schemas.openxmlformats.org/drawingml/2006/main" xmlns:r="http://schemas.openxmlformats.org/officeDocument/2006/relationships" xmlns:p="http://schemas.openxmlformats.org/presentationml/2006/main">
+  <p:cSld>
+    <p:spTree>
+      <p:nvGrpSpPr>
+        <p:cNvPr id="1" name=""/>
+        <p:cNvGrpSpPr/>
+        <p:nvPr/>
+      </p:nvGrpSpPr>
+      <p:grpSpPr>
+        <a:xfrm>
+          <a:off x="0" y="0"/>
+          <a:ext cx="0" cy="0"/>
+          <a:chOff x="0" y="0"/>
+          <a:chExt cx="0" cy="0"/>
+        </a:xfrm>
+      </p:grpSpPr>
+      <p:sp>
+        <p:nvSpPr>
+          <p:cNvPr id="2" name="标题 1"/>
+          <p:cNvSpPr>
+            <a:spLocks noGrp="1"/>
+          </p:cNvSpPr>
+          <p:nvPr>
+            <p:ph type="title"/>
+          </p:nvPr>
+        </p:nvSpPr>
+        <p:spPr>
+          <a:xfrm>
+            <a:off x="342900" y="0"/>
+            <a:ext cx="8444484" cy="1584960"/>
+          </a:xfrm>
+        </p:spPr>
+        <p:txBody>
+          <a:bodyPr/>
+          <a:lstStyle/>
+          <a:p>
+            <a:pPr algn="ctr"/>
+            <a:r>
+              <a:rPr lang="en-US" altLang="zh-CN" dirty="0" smtClean="0"/>
+              <a:t>Thank you </a:t>
+            </a:r>
+            <a:endParaRPr lang="zh-CN" altLang="en-US" dirty="0"/>
+          </a:p>
+        </p:txBody>
+      </p:sp>
+      <p:sp>
+        <p:nvSpPr>
+          <p:cNvPr id="4" name="灯片编号占位符 3"/>
+          <p:cNvSpPr>
+            <a:spLocks noGrp="1"/>
+          </p:cNvSpPr>
+          <p:nvPr>
+            <p:ph type="sldNum" sz="quarter" idx="10"/>
+          </p:nvPr>
+        </p:nvSpPr>
+        <p:spPr/>
+        <p:txBody>
+          <a:bodyPr/>
+          <a:lstStyle/>
+          <a:p>
+            <a:fld id="{026A839D-8BA3-EB44-8091-71BB10A77D74}" type="slidenum">
+              <a:rPr lang="en-US" smtClean="0"/>
+              <a:pPr/>
+              <a:t>14</a:t>
             </a:fld>
             <a:endParaRPr lang="en-US" dirty="0"/>
           </a:p>
@@ -3960,13 +4774,74 @@
               </a:lnSpc>
             </a:pPr>
             <a:r>
-              <a:rPr lang="de-DE" sz="2400" b="1" dirty="0" smtClean="0">
+              <a:rPr lang="de-DE" sz="2400" b="1" dirty="0">
                 <a:solidFill>
                   <a:srgbClr val="323C47"/>
                 </a:solidFill>
               </a:rPr>
-              <a:t>Chapter 3</a:t>
-            </a:r>
+              <a:t>Utility </a:t>
+            </a:r>
+            <a:r>
+              <a:rPr lang="de-DE" sz="2400" b="1" dirty="0" err="1">
+                <a:solidFill>
+                  <a:srgbClr val="323C47"/>
+                </a:solidFill>
+              </a:rPr>
+              <a:t>Maximization</a:t>
+            </a:r>
+            <a:r>
+              <a:rPr lang="de-DE" sz="2400" b="1" dirty="0">
+                <a:solidFill>
+                  <a:srgbClr val="323C47"/>
+                </a:solidFill>
+              </a:rPr>
+              <a:t> </a:t>
+            </a:r>
+            <a:r>
+              <a:rPr lang="de-DE" sz="2400" b="1" dirty="0" err="1">
+                <a:solidFill>
+                  <a:srgbClr val="323C47"/>
+                </a:solidFill>
+              </a:rPr>
+              <a:t>with</a:t>
+            </a:r>
+            <a:r>
+              <a:rPr lang="de-DE" sz="2400" b="1" dirty="0">
+                <a:solidFill>
+                  <a:srgbClr val="323C47"/>
+                </a:solidFill>
+              </a:rPr>
+              <a:t> </a:t>
+            </a:r>
+            <a:r>
+              <a:rPr lang="de-DE" sz="2400" b="1" dirty="0" err="1">
+                <a:solidFill>
+                  <a:srgbClr val="323C47"/>
+                </a:solidFill>
+              </a:rPr>
+              <a:t>Static</a:t>
+            </a:r>
+            <a:r>
+              <a:rPr lang="de-DE" sz="2400" b="1" dirty="0">
+                <a:solidFill>
+                  <a:srgbClr val="323C47"/>
+                </a:solidFill>
+              </a:rPr>
+              <a:t> </a:t>
+            </a:r>
+            <a:r>
+              <a:rPr lang="de-DE" sz="2400" b="1" dirty="0" err="1">
+                <a:solidFill>
+                  <a:srgbClr val="323C47"/>
+                </a:solidFill>
+              </a:rPr>
+              <a:t>Glidepaths</a:t>
+            </a:r>
+            <a:endParaRPr lang="de-DE" sz="2400" b="1" dirty="0">
+              <a:solidFill>
+                <a:srgbClr val="323C47"/>
+              </a:solidFill>
+            </a:endParaRPr>
           </a:p>
           <a:p>
             <a:pPr>
@@ -3980,7 +4855,15 @@
                   <a:srgbClr val="323C47"/>
                 </a:solidFill>
               </a:rPr>
-              <a:t>Chapter 4</a:t>
+              <a:t>Chapter </a:t>
+            </a:r>
+            <a:r>
+              <a:rPr lang="de-DE" sz="2400" b="1" dirty="0" smtClean="0">
+                <a:solidFill>
+                  <a:srgbClr val="323C47"/>
+                </a:solidFill>
+              </a:rPr>
+              <a:t>4</a:t>
             </a:r>
           </a:p>
           <a:p>
@@ -4187,13 +5070,74 @@
               </a:lnSpc>
             </a:pPr>
             <a:r>
-              <a:rPr lang="de-DE" sz="2400" b="1" dirty="0" smtClean="0">
+              <a:rPr lang="de-DE" sz="2400" b="1" dirty="0">
                 <a:solidFill>
                   <a:srgbClr val="CAC8C8"/>
                 </a:solidFill>
               </a:rPr>
-              <a:t>Chapter 3</a:t>
-            </a:r>
+              <a:t>Utility </a:t>
+            </a:r>
+            <a:r>
+              <a:rPr lang="de-DE" sz="2400" b="1" dirty="0" err="1">
+                <a:solidFill>
+                  <a:srgbClr val="CAC8C8"/>
+                </a:solidFill>
+              </a:rPr>
+              <a:t>Maximization</a:t>
+            </a:r>
+            <a:r>
+              <a:rPr lang="de-DE" sz="2400" b="1" dirty="0">
+                <a:solidFill>
+                  <a:srgbClr val="CAC8C8"/>
+                </a:solidFill>
+              </a:rPr>
+              <a:t> </a:t>
+            </a:r>
+            <a:r>
+              <a:rPr lang="de-DE" sz="2400" b="1" dirty="0" err="1">
+                <a:solidFill>
+                  <a:srgbClr val="CAC8C8"/>
+                </a:solidFill>
+              </a:rPr>
+              <a:t>with</a:t>
+            </a:r>
+            <a:r>
+              <a:rPr lang="de-DE" sz="2400" b="1" dirty="0">
+                <a:solidFill>
+                  <a:srgbClr val="CAC8C8"/>
+                </a:solidFill>
+              </a:rPr>
+              <a:t> </a:t>
+            </a:r>
+            <a:r>
+              <a:rPr lang="de-DE" sz="2400" b="1" dirty="0" err="1">
+                <a:solidFill>
+                  <a:srgbClr val="CAC8C8"/>
+                </a:solidFill>
+              </a:rPr>
+              <a:t>Static</a:t>
+            </a:r>
+            <a:r>
+              <a:rPr lang="de-DE" sz="2400" b="1" dirty="0">
+                <a:solidFill>
+                  <a:srgbClr val="CAC8C8"/>
+                </a:solidFill>
+              </a:rPr>
+              <a:t> </a:t>
+            </a:r>
+            <a:r>
+              <a:rPr lang="de-DE" sz="2400" b="1" dirty="0" err="1">
+                <a:solidFill>
+                  <a:srgbClr val="CAC8C8"/>
+                </a:solidFill>
+              </a:rPr>
+              <a:t>Glidepaths</a:t>
+            </a:r>
+            <a:endParaRPr lang="de-DE" sz="2400" b="1" dirty="0">
+              <a:solidFill>
+                <a:srgbClr val="CAC8C8"/>
+              </a:solidFill>
+            </a:endParaRPr>
           </a:p>
           <a:p>
             <a:pPr>
@@ -4207,7 +5151,15 @@
                   <a:srgbClr val="CAC8C8"/>
                 </a:solidFill>
               </a:rPr>
-              <a:t>Chapter 4</a:t>
+              <a:t>Chapter </a:t>
+            </a:r>
+            <a:r>
+              <a:rPr lang="de-DE" sz="2400" b="1" dirty="0" smtClean="0">
+                <a:solidFill>
+                  <a:srgbClr val="CAC8C8"/>
+                </a:solidFill>
+              </a:rPr>
+              <a:t>4</a:t>
             </a:r>
           </a:p>
           <a:p>
@@ -4408,7 +5360,7 @@
         <p:spPr>
           <a:xfrm>
             <a:off x="342900" y="1846997"/>
-            <a:ext cx="8458200" cy="4247317"/>
+            <a:ext cx="8458200" cy="2862322"/>
           </a:xfrm>
           <a:prstGeom prst="rect">
             <a:avLst/>
@@ -4423,7 +5375,7 @@
           <a:p>
             <a:pPr algn="just">
               <a:lnSpc>
-                <a:spcPct val="150000"/>
+                <a:spcPts val="2400"/>
               </a:lnSpc>
             </a:pPr>
             <a:r>
@@ -4670,7 +5622,7 @@
             </a:br>
             <a:r>
               <a:rPr lang="en-US" dirty="0" smtClean="0"/>
-              <a:t>Definition of SORR</a:t>
+              <a:t>Impact of SORR</a:t>
             </a:r>
             <a:br>
               <a:rPr lang="en-US" dirty="0" smtClean="0"/>
@@ -4877,12 +5829,6 @@
                 </a:rPr>
                 <a:t>Assumptions:</a:t>
               </a:r>
-              <a:endParaRPr lang="en-US" sz="1400" dirty="0" smtClean="0">
-                <a:solidFill>
-                  <a:srgbClr val="323C47"/>
-                </a:solidFill>
-                <a:latin typeface="Arial" charset="0"/>
-              </a:endParaRPr>
             </a:p>
           </p:txBody>
         </p:sp>
@@ -4994,12 +5940,6 @@
                 </a:rPr>
                 <a:t>	30% equity / 70% fixed income</a:t>
               </a:r>
-              <a:endParaRPr lang="en-US" sz="1400" dirty="0" smtClean="0">
-                <a:solidFill>
-                  <a:srgbClr val="323C47"/>
-                </a:solidFill>
-                <a:latin typeface="Arial" charset="0"/>
-              </a:endParaRPr>
             </a:p>
           </p:txBody>
         </p:sp>
@@ -5049,12 +5989,6 @@
                 </a:rPr>
                 <a:t>Conclusion:</a:t>
               </a:r>
-              <a:endParaRPr lang="en-US" sz="1400" dirty="0" smtClean="0">
-                <a:solidFill>
-                  <a:srgbClr val="323C47"/>
-                </a:solidFill>
-                <a:latin typeface="Arial" charset="0"/>
-              </a:endParaRPr>
             </a:p>
           </p:txBody>
         </p:sp>
@@ -5166,12 +6100,6 @@
                 </a:rPr>
                 <a:t>	30% equity / 70% fixed income</a:t>
               </a:r>
-              <a:endParaRPr lang="en-US" sz="1400" dirty="0" smtClean="0">
-                <a:solidFill>
-                  <a:srgbClr val="323C47"/>
-                </a:solidFill>
-                <a:latin typeface="Arial" charset="0"/>
-              </a:endParaRPr>
             </a:p>
           </p:txBody>
         </p:sp>
@@ -5363,8 +6291,69 @@
                   <a:srgbClr val="CAC8C8"/>
                 </a:solidFill>
               </a:rPr>
-              <a:t>Chapter 3</a:t>
-            </a:r>
+              <a:t>Utility </a:t>
+            </a:r>
+            <a:r>
+              <a:rPr lang="de-DE" sz="2400" b="1" dirty="0" err="1" smtClean="0">
+                <a:solidFill>
+                  <a:srgbClr val="CAC8C8"/>
+                </a:solidFill>
+              </a:rPr>
+              <a:t>Maximization</a:t>
+            </a:r>
+            <a:r>
+              <a:rPr lang="de-DE" sz="2400" b="1" dirty="0" smtClean="0">
+                <a:solidFill>
+                  <a:srgbClr val="CAC8C8"/>
+                </a:solidFill>
+              </a:rPr>
+              <a:t> </a:t>
+            </a:r>
+            <a:r>
+              <a:rPr lang="de-DE" sz="2400" b="1" dirty="0" err="1" smtClean="0">
+                <a:solidFill>
+                  <a:srgbClr val="CAC8C8"/>
+                </a:solidFill>
+              </a:rPr>
+              <a:t>with</a:t>
+            </a:r>
+            <a:r>
+              <a:rPr lang="de-DE" sz="2400" b="1" dirty="0" smtClean="0">
+                <a:solidFill>
+                  <a:srgbClr val="CAC8C8"/>
+                </a:solidFill>
+              </a:rPr>
+              <a:t> </a:t>
+            </a:r>
+            <a:r>
+              <a:rPr lang="de-DE" sz="2400" b="1" dirty="0" err="1" smtClean="0">
+                <a:solidFill>
+                  <a:srgbClr val="CAC8C8"/>
+                </a:solidFill>
+              </a:rPr>
+              <a:t>Static</a:t>
+            </a:r>
+            <a:r>
+              <a:rPr lang="de-DE" sz="2400" b="1" dirty="0" smtClean="0">
+                <a:solidFill>
+                  <a:srgbClr val="CAC8C8"/>
+                </a:solidFill>
+              </a:rPr>
+              <a:t> </a:t>
+            </a:r>
+            <a:r>
+              <a:rPr lang="de-DE" sz="2400" b="1" dirty="0" err="1" smtClean="0">
+                <a:solidFill>
+                  <a:srgbClr val="CAC8C8"/>
+                </a:solidFill>
+              </a:rPr>
+              <a:t>Glidepaths</a:t>
+            </a:r>
+            <a:endParaRPr lang="de-DE" sz="2400" b="1" dirty="0" smtClean="0">
+              <a:solidFill>
+                <a:srgbClr val="CAC8C8"/>
+              </a:solidFill>
+            </a:endParaRPr>
           </a:p>
           <a:p>
             <a:pPr>
@@ -5512,33 +6501,210 @@
       </p:sp>
       <p:sp>
         <p:nvSpPr>
-          <p:cNvPr id="6" name="Rectangle 5"/>
+          <p:cNvPr id="5" name="Title 1"/>
+          <p:cNvSpPr txBox="1">
+            <a:spLocks/>
+          </p:cNvSpPr>
+          <p:nvPr/>
+        </p:nvSpPr>
+        <p:spPr>
+          <a:xfrm>
+            <a:off x="342900" y="0"/>
+            <a:ext cx="8444484" cy="1584960"/>
+          </a:xfrm>
+          <a:prstGeom prst="rect">
+            <a:avLst/>
+          </a:prstGeom>
+        </p:spPr>
+        <p:txBody>
+          <a:bodyPr vert="horz" lIns="91440" tIns="45720" rIns="91440" bIns="45720" rtlCol="0" anchor="ctr" anchorCtr="0">
+            <a:noAutofit/>
+          </a:bodyPr>
+          <a:lstStyle>
+            <a:lvl1pPr algn="l" defTabSz="457200" rtl="0" eaLnBrk="1" latinLnBrk="0" hangingPunct="1">
+              <a:spcBef>
+                <a:spcPct val="0"/>
+              </a:spcBef>
+              <a:buNone/>
+              <a:defRPr sz="3800" b="1" i="0" kern="1200" cap="all" spc="100" baseline="0">
+                <a:solidFill>
+                  <a:srgbClr val="FFFFFF"/>
+                </a:solidFill>
+                <a:latin typeface="Arial"/>
+                <a:ea typeface="+mj-ea"/>
+                <a:cs typeface="Arial"/>
+              </a:defRPr>
+            </a:lvl1pPr>
+          </a:lstStyle>
+          <a:p>
+            <a:r>
+              <a:rPr lang="en-US" dirty="0" smtClean="0"/>
+              <a:t/>
+            </a:r>
+            <a:br>
+              <a:rPr lang="en-US" dirty="0" smtClean="0"/>
+            </a:br>
+            <a:r>
+              <a:rPr lang="en-US" dirty="0" smtClean="0"/>
+              <a:t>steps to follow</a:t>
+            </a:r>
+            <a:br>
+              <a:rPr lang="en-US" dirty="0" smtClean="0"/>
+            </a:br>
+            <a:endParaRPr lang="en-US" b="0" i="1" cap="none" dirty="0">
+              <a:solidFill>
+                <a:schemeClr val="tx1"/>
+              </a:solidFill>
+            </a:endParaRPr>
+          </a:p>
+        </p:txBody>
+      </p:sp>
+      <p:grpSp>
+        <p:nvGrpSpPr>
+          <p:cNvPr id="10" name="Group 9"/>
+          <p:cNvGrpSpPr/>
+          <p:nvPr/>
+        </p:nvGrpSpPr>
+        <p:grpSpPr>
+          <a:xfrm>
+            <a:off x="419100" y="2121366"/>
+            <a:ext cx="8382000" cy="406400"/>
+            <a:chOff x="419100" y="2121366"/>
+            <a:chExt cx="8382000" cy="406400"/>
+          </a:xfrm>
+        </p:grpSpPr>
+        <p:sp>
+          <p:nvSpPr>
+            <p:cNvPr id="7" name="TextBox 6"/>
+            <p:cNvSpPr txBox="1"/>
+            <p:nvPr/>
+          </p:nvSpPr>
+          <p:spPr>
+            <a:xfrm>
+              <a:off x="939800" y="2121366"/>
+              <a:ext cx="7861300" cy="400110"/>
+            </a:xfrm>
+            <a:prstGeom prst="rect">
+              <a:avLst/>
+            </a:prstGeom>
+            <a:solidFill>
+              <a:srgbClr val="A42036"/>
+            </a:solidFill>
+          </p:spPr>
+          <p:txBody>
+            <a:bodyPr wrap="square" rtlCol="0">
+              <a:spAutoFit/>
+            </a:bodyPr>
+            <a:lstStyle/>
+            <a:p>
+              <a:r>
+                <a:rPr lang="de-DE" sz="2000" dirty="0" smtClean="0">
+                  <a:solidFill>
+                    <a:srgbClr val="FFFFFF"/>
+                  </a:solidFill>
+                  <a:latin typeface="Arial" charset="0"/>
+                </a:rPr>
+                <a:t>Definition of SORR</a:t>
+              </a:r>
+              <a:endParaRPr lang="en-US" sz="2000" dirty="0" smtClean="0">
+                <a:solidFill>
+                  <a:srgbClr val="FFFFFF"/>
+                </a:solidFill>
+                <a:latin typeface="Arial" charset="0"/>
+              </a:endParaRPr>
+            </a:p>
+          </p:txBody>
+        </p:sp>
+        <p:sp>
+          <p:nvSpPr>
+            <p:cNvPr id="9" name="Oval 8"/>
+            <p:cNvSpPr/>
+            <p:nvPr/>
+          </p:nvSpPr>
+          <p:spPr>
+            <a:xfrm>
+              <a:off x="419100" y="2121366"/>
+              <a:ext cx="406400" cy="406400"/>
+            </a:xfrm>
+            <a:prstGeom prst="ellipse">
+              <a:avLst/>
+            </a:prstGeom>
+            <a:solidFill>
+              <a:srgbClr val="A42036"/>
+            </a:solidFill>
+            <a:ln>
+              <a:solidFill>
+                <a:srgbClr val="A42036"/>
+              </a:solidFill>
+            </a:ln>
+          </p:spPr>
+          <p:style>
+            <a:lnRef idx="1">
+              <a:schemeClr val="accent1"/>
+            </a:lnRef>
+            <a:fillRef idx="3">
+              <a:schemeClr val="accent1"/>
+            </a:fillRef>
+            <a:effectRef idx="2">
+              <a:schemeClr val="accent1"/>
+            </a:effectRef>
+            <a:fontRef idx="minor">
+              <a:schemeClr val="lt1"/>
+            </a:fontRef>
+          </p:style>
+          <p:txBody>
+            <a:bodyPr rtlCol="0" anchor="ctr"/>
+            <a:lstStyle/>
+            <a:p>
+              <a:pPr algn="ctr"/>
+              <a:r>
+                <a:rPr lang="de-DE" b="1" dirty="0" smtClean="0">
+                  <a:solidFill>
+                    <a:srgbClr val="FFFFFF"/>
+                  </a:solidFill>
+                </a:rPr>
+                <a:t>1</a:t>
+              </a:r>
+              <a:endParaRPr lang="en-US" b="1" dirty="0">
+                <a:solidFill>
+                  <a:srgbClr val="FFFFFF"/>
+                </a:solidFill>
+              </a:endParaRPr>
+            </a:p>
+          </p:txBody>
+        </p:sp>
+      </p:grpSp>
+      <p:sp>
+        <p:nvSpPr>
+          <p:cNvPr id="11" name="Down Arrow 10"/>
           <p:cNvSpPr/>
           <p:nvPr/>
         </p:nvSpPr>
         <p:spPr>
           <a:xfrm>
-            <a:off x="381000" y="1852863"/>
-            <a:ext cx="8420100" cy="4150895"/>
+            <a:off x="4296029" y="2573850"/>
+            <a:ext cx="628142" cy="673100"/>
           </a:xfrm>
-          <a:prstGeom prst="rect">
+          <a:prstGeom prst="downArrow">
             <a:avLst/>
           </a:prstGeom>
-          <a:noFill/>
+          <a:solidFill>
+            <a:srgbClr val="A42036"/>
+          </a:solidFill>
           <a:ln>
-            <a:noFill/>
+            <a:solidFill>
+              <a:srgbClr val="A42036"/>
+            </a:solidFill>
           </a:ln>
         </p:spPr>
         <p:style>
-          <a:lnRef idx="2">
-            <a:schemeClr val="accent1">
-              <a:shade val="50000"/>
-            </a:schemeClr>
+          <a:lnRef idx="1">
+            <a:schemeClr val="accent1"/>
           </a:lnRef>
-          <a:fillRef idx="1">
+          <a:fillRef idx="3">
             <a:schemeClr val="accent1"/>
           </a:fillRef>
-          <a:effectRef idx="0">
+          <a:effectRef idx="2">
             <a:schemeClr val="accent1"/>
           </a:effectRef>
           <a:fontRef idx="minor">
@@ -5549,91 +6715,585 @@
           <a:bodyPr rtlCol="0" anchor="ctr"/>
           <a:lstStyle/>
           <a:p>
-            <a:pPr>
-              <a:lnSpc>
-                <a:spcPct val="200000"/>
-              </a:lnSpc>
-            </a:pPr>
-            <a:r>
-              <a:rPr lang="de-DE" sz="2400" b="1" dirty="0" smtClean="0">
-                <a:solidFill>
-                  <a:srgbClr val="CAC8C8"/>
-                </a:solidFill>
-              </a:rPr>
-              <a:t>SORR – A Short Introduction</a:t>
-            </a:r>
-          </a:p>
-          <a:p>
-            <a:pPr>
-              <a:lnSpc>
-                <a:spcPct val="200000"/>
-              </a:lnSpc>
-            </a:pPr>
-            <a:r>
-              <a:rPr lang="de-DE" sz="2400" b="1" dirty="0" smtClean="0">
-                <a:solidFill>
-                  <a:srgbClr val="CAC8C8"/>
-                </a:solidFill>
-              </a:rPr>
-              <a:t>Methodology</a:t>
-            </a:r>
-          </a:p>
-          <a:p>
-            <a:pPr>
-              <a:lnSpc>
-                <a:spcPct val="200000"/>
-              </a:lnSpc>
-            </a:pPr>
-            <a:r>
-              <a:rPr lang="de-DE" sz="2400" b="1" dirty="0" smtClean="0">
-                <a:solidFill>
-                  <a:srgbClr val="A42036"/>
-                </a:solidFill>
-              </a:rPr>
-              <a:t>Chapter 3</a:t>
-            </a:r>
-          </a:p>
-          <a:p>
-            <a:pPr>
-              <a:lnSpc>
-                <a:spcPct val="200000"/>
-              </a:lnSpc>
-            </a:pPr>
-            <a:r>
-              <a:rPr lang="de-DE" sz="2400" b="1" dirty="0" smtClean="0">
-                <a:solidFill>
-                  <a:srgbClr val="CAC8C8"/>
-                </a:solidFill>
-              </a:rPr>
-              <a:t>Chapter 4</a:t>
-            </a:r>
-          </a:p>
-          <a:p>
-            <a:pPr>
-              <a:lnSpc>
-                <a:spcPct val="200000"/>
-              </a:lnSpc>
-            </a:pPr>
-            <a:r>
-              <a:rPr lang="de-DE" sz="2400" b="1" dirty="0" smtClean="0">
-                <a:solidFill>
-                  <a:srgbClr val="CAC8C8"/>
-                </a:solidFill>
-              </a:rPr>
-              <a:t>Conclusion</a:t>
-            </a:r>
-            <a:endParaRPr lang="en-US" sz="2400" b="1" dirty="0">
+            <a:pPr algn="ctr"/>
+            <a:endParaRPr lang="en-US"/>
+          </a:p>
+        </p:txBody>
+      </p:sp>
+      <p:grpSp>
+        <p:nvGrpSpPr>
+          <p:cNvPr id="15" name="Group 14"/>
+          <p:cNvGrpSpPr/>
+          <p:nvPr/>
+        </p:nvGrpSpPr>
+        <p:grpSpPr>
+          <a:xfrm>
+            <a:off x="419100" y="3293035"/>
+            <a:ext cx="8382000" cy="406400"/>
+            <a:chOff x="419100" y="2121366"/>
+            <a:chExt cx="8382000" cy="406400"/>
+          </a:xfrm>
+        </p:grpSpPr>
+        <p:sp>
+          <p:nvSpPr>
+            <p:cNvPr id="16" name="TextBox 15"/>
+            <p:cNvSpPr txBox="1"/>
+            <p:nvPr/>
+          </p:nvSpPr>
+          <p:spPr>
+            <a:xfrm>
+              <a:off x="939800" y="2121366"/>
+              <a:ext cx="7861300" cy="400110"/>
+            </a:xfrm>
+            <a:prstGeom prst="rect">
+              <a:avLst/>
+            </a:prstGeom>
+            <a:solidFill>
+              <a:srgbClr val="A42036"/>
+            </a:solidFill>
+          </p:spPr>
+          <p:txBody>
+            <a:bodyPr wrap="square" rtlCol="0">
+              <a:spAutoFit/>
+            </a:bodyPr>
+            <a:lstStyle/>
+            <a:p>
+              <a:r>
+                <a:rPr lang="de-DE" sz="2000" dirty="0" smtClean="0">
+                  <a:solidFill>
+                    <a:srgbClr val="FFFFFF"/>
+                  </a:solidFill>
+                  <a:latin typeface="Arial" charset="0"/>
+                </a:rPr>
+                <a:t>Simulate Return Paths</a:t>
+              </a:r>
+              <a:endParaRPr lang="en-US" sz="2000" dirty="0" smtClean="0">
+                <a:solidFill>
+                  <a:srgbClr val="FFFFFF"/>
+                </a:solidFill>
+                <a:latin typeface="Arial" charset="0"/>
+              </a:endParaRPr>
+            </a:p>
+          </p:txBody>
+        </p:sp>
+        <p:sp>
+          <p:nvSpPr>
+            <p:cNvPr id="17" name="Oval 16"/>
+            <p:cNvSpPr/>
+            <p:nvPr/>
+          </p:nvSpPr>
+          <p:spPr>
+            <a:xfrm>
+              <a:off x="419100" y="2121366"/>
+              <a:ext cx="406400" cy="406400"/>
+            </a:xfrm>
+            <a:prstGeom prst="ellipse">
+              <a:avLst/>
+            </a:prstGeom>
+            <a:solidFill>
+              <a:srgbClr val="A42036"/>
+            </a:solidFill>
+            <a:ln>
               <a:solidFill>
-                <a:srgbClr val="CAC8C8"/>
+                <a:srgbClr val="A42036"/>
               </a:solidFill>
-            </a:endParaRPr>
+            </a:ln>
+          </p:spPr>
+          <p:style>
+            <a:lnRef idx="1">
+              <a:schemeClr val="accent1"/>
+            </a:lnRef>
+            <a:fillRef idx="3">
+              <a:schemeClr val="accent1"/>
+            </a:fillRef>
+            <a:effectRef idx="2">
+              <a:schemeClr val="accent1"/>
+            </a:effectRef>
+            <a:fontRef idx="minor">
+              <a:schemeClr val="lt1"/>
+            </a:fontRef>
+          </p:style>
+          <p:txBody>
+            <a:bodyPr rtlCol="0" anchor="ctr"/>
+            <a:lstStyle/>
+            <a:p>
+              <a:pPr algn="ctr"/>
+              <a:r>
+                <a:rPr lang="de-DE" b="1" dirty="0" smtClean="0">
+                  <a:solidFill>
+                    <a:srgbClr val="FFFFFF"/>
+                  </a:solidFill>
+                </a:rPr>
+                <a:t>2</a:t>
+              </a:r>
+              <a:endParaRPr lang="en-US" b="1" dirty="0">
+                <a:solidFill>
+                  <a:srgbClr val="FFFFFF"/>
+                </a:solidFill>
+              </a:endParaRPr>
+            </a:p>
+          </p:txBody>
+        </p:sp>
+      </p:grpSp>
+      <p:sp>
+        <p:nvSpPr>
+          <p:cNvPr id="18" name="Down Arrow 17"/>
+          <p:cNvSpPr/>
+          <p:nvPr/>
+        </p:nvSpPr>
+        <p:spPr>
+          <a:xfrm>
+            <a:off x="2422779" y="3745520"/>
+            <a:ext cx="628142" cy="673100"/>
+          </a:xfrm>
+          <a:prstGeom prst="downArrow">
+            <a:avLst/>
+          </a:prstGeom>
+          <a:solidFill>
+            <a:srgbClr val="A42036"/>
+          </a:solidFill>
+          <a:ln>
+            <a:solidFill>
+              <a:srgbClr val="A42036"/>
+            </a:solidFill>
+          </a:ln>
+        </p:spPr>
+        <p:style>
+          <a:lnRef idx="1">
+            <a:schemeClr val="accent1"/>
+          </a:lnRef>
+          <a:fillRef idx="3">
+            <a:schemeClr val="accent1"/>
+          </a:fillRef>
+          <a:effectRef idx="2">
+            <a:schemeClr val="accent1"/>
+          </a:effectRef>
+          <a:fontRef idx="minor">
+            <a:schemeClr val="lt1"/>
+          </a:fontRef>
+        </p:style>
+        <p:txBody>
+          <a:bodyPr rtlCol="0" anchor="ctr"/>
+          <a:lstStyle/>
+          <a:p>
+            <a:pPr algn="ctr"/>
+            <a:endParaRPr lang="en-US"/>
+          </a:p>
+        </p:txBody>
+      </p:sp>
+      <p:grpSp>
+        <p:nvGrpSpPr>
+          <p:cNvPr id="31" name="Group 30"/>
+          <p:cNvGrpSpPr/>
+          <p:nvPr/>
+        </p:nvGrpSpPr>
+        <p:grpSpPr>
+          <a:xfrm>
+            <a:off x="419100" y="4464704"/>
+            <a:ext cx="8382000" cy="406400"/>
+            <a:chOff x="419100" y="4446638"/>
+            <a:chExt cx="8382000" cy="406400"/>
+          </a:xfrm>
+        </p:grpSpPr>
+        <p:sp>
+          <p:nvSpPr>
+            <p:cNvPr id="20" name="TextBox 19"/>
+            <p:cNvSpPr txBox="1"/>
+            <p:nvPr/>
+          </p:nvSpPr>
+          <p:spPr>
+            <a:xfrm>
+              <a:off x="939800" y="4446638"/>
+              <a:ext cx="3594100" cy="400110"/>
+            </a:xfrm>
+            <a:prstGeom prst="rect">
+              <a:avLst/>
+            </a:prstGeom>
+            <a:solidFill>
+              <a:srgbClr val="A42036"/>
+            </a:solidFill>
+          </p:spPr>
+          <p:txBody>
+            <a:bodyPr wrap="square" rtlCol="0">
+              <a:spAutoFit/>
+            </a:bodyPr>
+            <a:lstStyle/>
+            <a:p>
+              <a:r>
+                <a:rPr lang="de-DE" sz="2000" dirty="0" smtClean="0">
+                  <a:solidFill>
+                    <a:srgbClr val="FFFFFF"/>
+                  </a:solidFill>
+                  <a:latin typeface="Arial" charset="0"/>
+                </a:rPr>
+                <a:t>Glidepaths (Static)</a:t>
+              </a:r>
+              <a:endParaRPr lang="en-US" sz="2000" dirty="0">
+                <a:solidFill>
+                  <a:srgbClr val="FFFFFF"/>
+                </a:solidFill>
+                <a:latin typeface="Arial" charset="0"/>
+              </a:endParaRPr>
+            </a:p>
+          </p:txBody>
+        </p:sp>
+        <p:sp>
+          <p:nvSpPr>
+            <p:cNvPr id="21" name="Oval 20"/>
+            <p:cNvSpPr/>
+            <p:nvPr/>
+          </p:nvSpPr>
+          <p:spPr>
+            <a:xfrm>
+              <a:off x="419100" y="4446638"/>
+              <a:ext cx="406400" cy="406400"/>
+            </a:xfrm>
+            <a:prstGeom prst="ellipse">
+              <a:avLst/>
+            </a:prstGeom>
+            <a:solidFill>
+              <a:srgbClr val="A42036"/>
+            </a:solidFill>
+            <a:ln>
+              <a:solidFill>
+                <a:srgbClr val="A42036"/>
+              </a:solidFill>
+            </a:ln>
+          </p:spPr>
+          <p:style>
+            <a:lnRef idx="1">
+              <a:schemeClr val="accent1"/>
+            </a:lnRef>
+            <a:fillRef idx="3">
+              <a:schemeClr val="accent1"/>
+            </a:fillRef>
+            <a:effectRef idx="2">
+              <a:schemeClr val="accent1"/>
+            </a:effectRef>
+            <a:fontRef idx="minor">
+              <a:schemeClr val="lt1"/>
+            </a:fontRef>
+          </p:style>
+          <p:txBody>
+            <a:bodyPr rtlCol="0" anchor="ctr"/>
+            <a:lstStyle/>
+            <a:p>
+              <a:pPr algn="ctr"/>
+              <a:r>
+                <a:rPr lang="de-DE" b="1" dirty="0" smtClean="0">
+                  <a:solidFill>
+                    <a:srgbClr val="FFFFFF"/>
+                  </a:solidFill>
+                </a:rPr>
+                <a:t>3</a:t>
+              </a:r>
+              <a:endParaRPr lang="en-US" b="1" dirty="0">
+                <a:solidFill>
+                  <a:srgbClr val="FFFFFF"/>
+                </a:solidFill>
+              </a:endParaRPr>
+            </a:p>
+          </p:txBody>
+        </p:sp>
+        <p:sp>
+          <p:nvSpPr>
+            <p:cNvPr id="22" name="TextBox 21"/>
+            <p:cNvSpPr txBox="1"/>
+            <p:nvPr/>
+          </p:nvSpPr>
+          <p:spPr>
+            <a:xfrm>
+              <a:off x="4648200" y="4446638"/>
+              <a:ext cx="4152900" cy="400110"/>
+            </a:xfrm>
+            <a:prstGeom prst="rect">
+              <a:avLst/>
+            </a:prstGeom>
+            <a:solidFill>
+              <a:srgbClr val="A42036"/>
+            </a:solidFill>
+          </p:spPr>
+          <p:txBody>
+            <a:bodyPr wrap="square" rtlCol="0">
+              <a:spAutoFit/>
+            </a:bodyPr>
+            <a:lstStyle/>
+            <a:p>
+              <a:r>
+                <a:rPr lang="de-DE" sz="2000" dirty="0" smtClean="0">
+                  <a:solidFill>
+                    <a:srgbClr val="FFFFFF"/>
+                  </a:solidFill>
+                  <a:latin typeface="Arial" charset="0"/>
+                </a:rPr>
+                <a:t>Glidepaths (Dynamic)</a:t>
+              </a:r>
+              <a:endParaRPr lang="en-US" sz="2000" dirty="0">
+                <a:solidFill>
+                  <a:srgbClr val="FFFFFF"/>
+                </a:solidFill>
+                <a:latin typeface="Arial" charset="0"/>
+              </a:endParaRPr>
+            </a:p>
+          </p:txBody>
+        </p:sp>
+      </p:grpSp>
+      <p:sp>
+        <p:nvSpPr>
+          <p:cNvPr id="23" name="Down Arrow 22"/>
+          <p:cNvSpPr/>
+          <p:nvPr/>
+        </p:nvSpPr>
+        <p:spPr>
+          <a:xfrm>
+            <a:off x="6410579" y="3745520"/>
+            <a:ext cx="628142" cy="673100"/>
+          </a:xfrm>
+          <a:prstGeom prst="downArrow">
+            <a:avLst/>
+          </a:prstGeom>
+          <a:solidFill>
+            <a:srgbClr val="A42036"/>
+          </a:solidFill>
+          <a:ln>
+            <a:solidFill>
+              <a:srgbClr val="A42036"/>
+            </a:solidFill>
+          </a:ln>
+        </p:spPr>
+        <p:style>
+          <a:lnRef idx="1">
+            <a:schemeClr val="accent1"/>
+          </a:lnRef>
+          <a:fillRef idx="3">
+            <a:schemeClr val="accent1"/>
+          </a:fillRef>
+          <a:effectRef idx="2">
+            <a:schemeClr val="accent1"/>
+          </a:effectRef>
+          <a:fontRef idx="minor">
+            <a:schemeClr val="lt1"/>
+          </a:fontRef>
+        </p:style>
+        <p:txBody>
+          <a:bodyPr rtlCol="0" anchor="ctr"/>
+          <a:lstStyle/>
+          <a:p>
+            <a:pPr algn="ctr"/>
+            <a:endParaRPr lang="en-US"/>
+          </a:p>
+        </p:txBody>
+      </p:sp>
+      <p:grpSp>
+        <p:nvGrpSpPr>
+          <p:cNvPr id="30" name="Group 29"/>
+          <p:cNvGrpSpPr/>
+          <p:nvPr/>
+        </p:nvGrpSpPr>
+        <p:grpSpPr>
+          <a:xfrm>
+            <a:off x="419100" y="5636372"/>
+            <a:ext cx="8382000" cy="406400"/>
+            <a:chOff x="419100" y="5636372"/>
+            <a:chExt cx="8382000" cy="406400"/>
+          </a:xfrm>
+        </p:grpSpPr>
+        <p:sp>
+          <p:nvSpPr>
+            <p:cNvPr id="25" name="TextBox 24"/>
+            <p:cNvSpPr txBox="1"/>
+            <p:nvPr/>
+          </p:nvSpPr>
+          <p:spPr>
+            <a:xfrm>
+              <a:off x="939800" y="5636372"/>
+              <a:ext cx="7861300" cy="400110"/>
+            </a:xfrm>
+            <a:prstGeom prst="rect">
+              <a:avLst/>
+            </a:prstGeom>
+            <a:solidFill>
+              <a:srgbClr val="A42036"/>
+            </a:solidFill>
+          </p:spPr>
+          <p:txBody>
+            <a:bodyPr wrap="square" rtlCol="0">
+              <a:spAutoFit/>
+            </a:bodyPr>
+            <a:lstStyle/>
+            <a:p>
+              <a:r>
+                <a:rPr lang="de-DE" sz="2000" dirty="0" err="1" smtClean="0">
+                  <a:solidFill>
+                    <a:srgbClr val="FFFFFF"/>
+                  </a:solidFill>
+                  <a:latin typeface="Arial" charset="0"/>
+                </a:rPr>
+                <a:t>Maximize</a:t>
+              </a:r>
+              <a:r>
+                <a:rPr lang="de-DE" sz="2000" dirty="0" smtClean="0">
+                  <a:solidFill>
+                    <a:srgbClr val="FFFFFF"/>
+                  </a:solidFill>
+                  <a:latin typeface="Arial" charset="0"/>
+                </a:rPr>
+                <a:t> </a:t>
+              </a:r>
+              <a:r>
+                <a:rPr lang="de-DE" sz="2000" dirty="0" smtClean="0">
+                  <a:solidFill>
+                    <a:srgbClr val="FFFFFF"/>
+                  </a:solidFill>
+                  <a:latin typeface="Arial" charset="0"/>
+                </a:rPr>
+                <a:t>Utility </a:t>
+              </a:r>
+              <a:r>
+                <a:rPr lang="de-DE" sz="2000" dirty="0" err="1" smtClean="0">
+                  <a:solidFill>
+                    <a:srgbClr val="FFFFFF"/>
+                  </a:solidFill>
+                  <a:latin typeface="Arial" charset="0"/>
+                </a:rPr>
+                <a:t>Coverate</a:t>
+              </a:r>
+              <a:r>
+                <a:rPr lang="de-DE" sz="2000" dirty="0" smtClean="0">
+                  <a:solidFill>
+                    <a:srgbClr val="FFFFFF"/>
+                  </a:solidFill>
+                  <a:latin typeface="Arial" charset="0"/>
+                </a:rPr>
+                <a:t> </a:t>
+              </a:r>
+              <a:r>
+                <a:rPr lang="de-DE" sz="2000" dirty="0" smtClean="0">
+                  <a:solidFill>
+                    <a:srgbClr val="FFFFFF"/>
+                  </a:solidFill>
+                  <a:latin typeface="Arial" charset="0"/>
+                </a:rPr>
+                <a:t>Ratio (vs. Wealth)</a:t>
+              </a:r>
+              <a:endParaRPr lang="en-US" sz="2000" dirty="0">
+                <a:solidFill>
+                  <a:srgbClr val="FFFFFF"/>
+                </a:solidFill>
+                <a:latin typeface="Arial" charset="0"/>
+              </a:endParaRPr>
+            </a:p>
+          </p:txBody>
+        </p:sp>
+        <p:sp>
+          <p:nvSpPr>
+            <p:cNvPr id="26" name="Oval 25"/>
+            <p:cNvSpPr/>
+            <p:nvPr/>
+          </p:nvSpPr>
+          <p:spPr>
+            <a:xfrm>
+              <a:off x="419100" y="5636372"/>
+              <a:ext cx="406400" cy="406400"/>
+            </a:xfrm>
+            <a:prstGeom prst="ellipse">
+              <a:avLst/>
+            </a:prstGeom>
+            <a:solidFill>
+              <a:srgbClr val="A42036"/>
+            </a:solidFill>
+            <a:ln>
+              <a:solidFill>
+                <a:srgbClr val="A42036"/>
+              </a:solidFill>
+            </a:ln>
+          </p:spPr>
+          <p:style>
+            <a:lnRef idx="1">
+              <a:schemeClr val="accent1"/>
+            </a:lnRef>
+            <a:fillRef idx="3">
+              <a:schemeClr val="accent1"/>
+            </a:fillRef>
+            <a:effectRef idx="2">
+              <a:schemeClr val="accent1"/>
+            </a:effectRef>
+            <a:fontRef idx="minor">
+              <a:schemeClr val="lt1"/>
+            </a:fontRef>
+          </p:style>
+          <p:txBody>
+            <a:bodyPr rtlCol="0" anchor="ctr"/>
+            <a:lstStyle/>
+            <a:p>
+              <a:pPr algn="ctr"/>
+              <a:r>
+                <a:rPr lang="de-DE" b="1" dirty="0">
+                  <a:solidFill>
+                    <a:srgbClr val="FFFFFF"/>
+                  </a:solidFill>
+                </a:rPr>
+                <a:t>4</a:t>
+              </a:r>
+              <a:endParaRPr lang="en-US" b="1" dirty="0">
+                <a:solidFill>
+                  <a:srgbClr val="FFFFFF"/>
+                </a:solidFill>
+              </a:endParaRPr>
+            </a:p>
+          </p:txBody>
+        </p:sp>
+      </p:grpSp>
+      <p:sp>
+        <p:nvSpPr>
+          <p:cNvPr id="29" name="Down Arrow 28"/>
+          <p:cNvSpPr/>
+          <p:nvPr/>
+        </p:nvSpPr>
+        <p:spPr>
+          <a:xfrm>
+            <a:off x="4265059" y="4917188"/>
+            <a:ext cx="628142" cy="673100"/>
+          </a:xfrm>
+          <a:prstGeom prst="downArrow">
+            <a:avLst/>
+          </a:prstGeom>
+          <a:solidFill>
+            <a:srgbClr val="A42036"/>
+          </a:solidFill>
+          <a:ln>
+            <a:solidFill>
+              <a:srgbClr val="A42036"/>
+            </a:solidFill>
+          </a:ln>
+        </p:spPr>
+        <p:style>
+          <a:lnRef idx="1">
+            <a:schemeClr val="accent1"/>
+          </a:lnRef>
+          <a:fillRef idx="3">
+            <a:schemeClr val="accent1"/>
+          </a:fillRef>
+          <a:effectRef idx="2">
+            <a:schemeClr val="accent1"/>
+          </a:effectRef>
+          <a:fontRef idx="minor">
+            <a:schemeClr val="lt1"/>
+          </a:fontRef>
+        </p:style>
+        <p:txBody>
+          <a:bodyPr rtlCol="0" anchor="ctr"/>
+          <a:lstStyle/>
+          <a:p>
+            <a:pPr algn="ctr"/>
+            <a:endParaRPr lang="en-US"/>
           </a:p>
         </p:txBody>
       </p:sp>
     </p:spTree>
     <p:extLst>
       <p:ext uri="{BB962C8B-B14F-4D97-AF65-F5344CB8AC3E}">
-        <p14:creationId xmlns:p14="http://schemas.microsoft.com/office/powerpoint/2010/main" val="1971217218"/>
+        <p14:creationId xmlns:p14="http://schemas.microsoft.com/office/powerpoint/2010/main" val="93711777"/>
       </p:ext>
     </p:extLst>
   </p:cSld>
@@ -5739,120 +7399,640 @@
       </p:sp>
       <p:sp>
         <p:nvSpPr>
-          <p:cNvPr id="6" name="Rectangle 5"/>
-          <p:cNvSpPr/>
+          <p:cNvPr id="5" name="Title 1"/>
+          <p:cNvSpPr txBox="1">
+            <a:spLocks/>
+          </p:cNvSpPr>
           <p:nvPr/>
         </p:nvSpPr>
         <p:spPr>
           <a:xfrm>
-            <a:off x="381000" y="1852863"/>
-            <a:ext cx="8420100" cy="4150895"/>
+            <a:off x="342900" y="0"/>
+            <a:ext cx="8444484" cy="1584960"/>
+          </a:xfrm>
+          <a:prstGeom prst="rect">
+            <a:avLst/>
+          </a:prstGeom>
+        </p:spPr>
+        <p:txBody>
+          <a:bodyPr vert="horz" lIns="91440" tIns="45720" rIns="91440" bIns="45720" rtlCol="0" anchor="ctr" anchorCtr="0">
+            <a:noAutofit/>
+          </a:bodyPr>
+          <a:lstStyle>
+            <a:lvl1pPr algn="l" defTabSz="457200" rtl="0" eaLnBrk="1" latinLnBrk="0" hangingPunct="1">
+              <a:spcBef>
+                <a:spcPct val="0"/>
+              </a:spcBef>
+              <a:buNone/>
+              <a:defRPr sz="3800" b="1" i="0" kern="1200" cap="all" spc="100" baseline="0">
+                <a:solidFill>
+                  <a:srgbClr val="FFFFFF"/>
+                </a:solidFill>
+                <a:latin typeface="Arial"/>
+                <a:ea typeface="+mj-ea"/>
+                <a:cs typeface="Arial"/>
+              </a:defRPr>
+            </a:lvl1pPr>
+          </a:lstStyle>
+          <a:p>
+            <a:r>
+              <a:rPr lang="en-US" dirty="0" smtClean="0"/>
+              <a:t/>
+            </a:r>
+            <a:br>
+              <a:rPr lang="en-US" dirty="0" smtClean="0"/>
+            </a:br>
+            <a:r>
+              <a:rPr lang="en-US" dirty="0" smtClean="0"/>
+              <a:t>Definition of SORR</a:t>
+            </a:r>
+            <a:br>
+              <a:rPr lang="en-US" dirty="0" smtClean="0"/>
+            </a:br>
+            <a:endParaRPr lang="en-US" b="0" i="1" cap="none" dirty="0">
+              <a:solidFill>
+                <a:schemeClr val="tx1"/>
+              </a:solidFill>
+            </a:endParaRPr>
+          </a:p>
+        </p:txBody>
+      </p:sp>
+      <p:grpSp>
+        <p:nvGrpSpPr>
+          <p:cNvPr id="6" name="Group 5"/>
+          <p:cNvGrpSpPr/>
+          <p:nvPr/>
+        </p:nvGrpSpPr>
+        <p:grpSpPr>
+          <a:xfrm>
+            <a:off x="342900" y="1613535"/>
+            <a:ext cx="8458200" cy="584775"/>
+            <a:chOff x="342900" y="1613535"/>
+            <a:chExt cx="8458200" cy="584775"/>
+          </a:xfrm>
+        </p:grpSpPr>
+        <p:sp>
+          <p:nvSpPr>
+            <p:cNvPr id="7" name="TextBox 6"/>
+            <p:cNvSpPr txBox="1"/>
+            <p:nvPr/>
+          </p:nvSpPr>
+          <p:spPr>
+            <a:xfrm>
+              <a:off x="342900" y="1613535"/>
+              <a:ext cx="8458200" cy="584775"/>
+            </a:xfrm>
+            <a:prstGeom prst="rect">
+              <a:avLst/>
+            </a:prstGeom>
+            <a:noFill/>
+          </p:spPr>
+          <p:txBody>
+            <a:bodyPr wrap="square" rtlCol="0">
+              <a:spAutoFit/>
+            </a:bodyPr>
+            <a:lstStyle/>
+            <a:p>
+              <a:r>
+                <a:rPr lang="de-DE" sz="1600" dirty="0" smtClean="0">
+                  <a:solidFill>
+                    <a:srgbClr val="323C47"/>
+                  </a:solidFill>
+                  <a:latin typeface="Arial" charset="0"/>
+                </a:rPr>
+                <a:t>To maximize our object function, we first need to define our SORR measure. SORR has no defined metric in the literature.</a:t>
+              </a:r>
+              <a:endParaRPr lang="en-US" sz="1600" dirty="0" smtClean="0">
+                <a:solidFill>
+                  <a:srgbClr val="323C47"/>
+                </a:solidFill>
+                <a:latin typeface="Arial" charset="0"/>
+              </a:endParaRPr>
+            </a:p>
+          </p:txBody>
+        </p:sp>
+        <p:cxnSp>
+          <p:nvCxnSpPr>
+            <p:cNvPr id="8" name="Straight Connector 7"/>
+            <p:cNvCxnSpPr/>
+            <p:nvPr/>
+          </p:nvCxnSpPr>
+          <p:spPr>
+            <a:xfrm>
+              <a:off x="342900" y="2150685"/>
+              <a:ext cx="8444484" cy="0"/>
+            </a:xfrm>
+            <a:prstGeom prst="line">
+              <a:avLst/>
+            </a:prstGeom>
+            <a:ln w="3175">
+              <a:solidFill>
+                <a:srgbClr val="323C47"/>
+              </a:solidFill>
+            </a:ln>
+          </p:spPr>
+          <p:style>
+            <a:lnRef idx="2">
+              <a:schemeClr val="accent1"/>
+            </a:lnRef>
+            <a:fillRef idx="0">
+              <a:schemeClr val="accent1"/>
+            </a:fillRef>
+            <a:effectRef idx="1">
+              <a:schemeClr val="accent1"/>
+            </a:effectRef>
+            <a:fontRef idx="minor">
+              <a:schemeClr val="tx1"/>
+            </a:fontRef>
+          </p:style>
+        </p:cxnSp>
+      </p:grpSp>
+      <mc:AlternateContent xmlns:mc="http://schemas.openxmlformats.org/markup-compatibility/2006" xmlns:a14="http://schemas.microsoft.com/office/drawing/2010/main">
+        <mc:Choice Requires="a14">
+          <p:sp>
+            <p:nvSpPr>
+              <p:cNvPr id="10" name="TextBox 9"/>
+              <p:cNvSpPr txBox="1"/>
+              <p:nvPr/>
+            </p:nvSpPr>
+            <p:spPr>
+              <a:xfrm>
+                <a:off x="342900" y="2392524"/>
+                <a:ext cx="8458200" cy="667490"/>
+              </a:xfrm>
+              <a:prstGeom prst="rect">
+                <a:avLst/>
+              </a:prstGeom>
+              <a:noFill/>
+            </p:spPr>
+            <p:txBody>
+              <a:bodyPr wrap="square" rtlCol="0">
+                <a:spAutoFit/>
+              </a:bodyPr>
+              <a:lstStyle/>
+              <a:p>
+                <a:pPr/>
+                <a14:m>
+                  <m:oMathPara xmlns:m="http://schemas.openxmlformats.org/officeDocument/2006/math">
+                    <m:oMathParaPr>
+                      <m:jc m:val="centerGroup"/>
+                    </m:oMathParaPr>
+                    <m:oMath xmlns:m="http://schemas.openxmlformats.org/officeDocument/2006/math">
+                      <m:r>
+                        <a:rPr lang="de-DE" b="0" i="1" smtClean="0">
+                          <a:solidFill>
+                            <a:srgbClr val="323C47"/>
+                          </a:solidFill>
+                          <a:latin typeface="Cambria Math" panose="02040503050406030204" pitchFamily="18" charset="0"/>
+                        </a:rPr>
+                        <m:t>𝑆𝑂𝑅𝑅</m:t>
+                      </m:r>
+                      <m:r>
+                        <a:rPr lang="de-DE" b="0" i="1" smtClean="0">
+                          <a:solidFill>
+                            <a:srgbClr val="323C47"/>
+                          </a:solidFill>
+                          <a:latin typeface="Cambria Math" panose="02040503050406030204" pitchFamily="18" charset="0"/>
+                        </a:rPr>
+                        <m:t>= </m:t>
+                      </m:r>
+                      <m:f>
+                        <m:fPr>
+                          <m:ctrlPr>
+                            <a:rPr lang="de-DE" b="0" i="1" smtClean="0">
+                              <a:solidFill>
+                                <a:srgbClr val="323C47"/>
+                              </a:solidFill>
+                              <a:latin typeface="Cambria Math" charset="0"/>
+                            </a:rPr>
+                          </m:ctrlPr>
+                        </m:fPr>
+                        <m:num>
+                          <m:r>
+                            <a:rPr lang="de-DE" b="0" i="1" smtClean="0">
+                              <a:solidFill>
+                                <a:srgbClr val="323C47"/>
+                              </a:solidFill>
+                              <a:latin typeface="Cambria Math" panose="02040503050406030204" pitchFamily="18" charset="0"/>
+                            </a:rPr>
+                            <m:t># </m:t>
+                          </m:r>
+                          <m:r>
+                            <a:rPr lang="de-DE" b="0" i="1" smtClean="0">
+                              <a:solidFill>
+                                <a:srgbClr val="323C47"/>
+                              </a:solidFill>
+                              <a:latin typeface="Cambria Math" panose="02040503050406030204" pitchFamily="18" charset="0"/>
+                            </a:rPr>
+                            <m:t>𝑊𝑜𝑟𝑠𝑡</m:t>
+                          </m:r>
+                          <m:r>
+                            <a:rPr lang="de-DE" b="0" i="1" smtClean="0">
+                              <a:solidFill>
+                                <a:srgbClr val="323C47"/>
+                              </a:solidFill>
+                              <a:latin typeface="Cambria Math" panose="02040503050406030204" pitchFamily="18" charset="0"/>
+                            </a:rPr>
+                            <m:t> </m:t>
+                          </m:r>
+                          <m:r>
+                            <a:rPr lang="de-DE" b="0" i="1" smtClean="0">
+                              <a:solidFill>
+                                <a:srgbClr val="323C47"/>
+                              </a:solidFill>
+                              <a:latin typeface="Cambria Math" panose="02040503050406030204" pitchFamily="18" charset="0"/>
+                            </a:rPr>
+                            <m:t>𝑟𝑒𝑡𝑢𝑟𝑛𝑠</m:t>
+                          </m:r>
+                          <m:r>
+                            <a:rPr lang="de-DE" b="0" i="1" smtClean="0">
+                              <a:solidFill>
+                                <a:srgbClr val="323C47"/>
+                              </a:solidFill>
+                              <a:latin typeface="Cambria Math" panose="02040503050406030204" pitchFamily="18" charset="0"/>
+                            </a:rPr>
+                            <m:t> </m:t>
+                          </m:r>
+                          <m:r>
+                            <a:rPr lang="de-DE" b="0" i="1" smtClean="0">
+                              <a:solidFill>
+                                <a:srgbClr val="323C47"/>
+                              </a:solidFill>
+                              <a:latin typeface="Cambria Math" panose="02040503050406030204" pitchFamily="18" charset="0"/>
+                            </a:rPr>
+                            <m:t>𝑖𝑛</m:t>
+                          </m:r>
+                          <m:r>
+                            <a:rPr lang="de-DE" b="0" i="1" smtClean="0">
+                              <a:solidFill>
+                                <a:srgbClr val="323C47"/>
+                              </a:solidFill>
+                              <a:latin typeface="Cambria Math" panose="02040503050406030204" pitchFamily="18" charset="0"/>
+                            </a:rPr>
+                            <m:t> </m:t>
+                          </m:r>
+                          <m:r>
+                            <a:rPr lang="de-DE" b="0" i="1" smtClean="0">
+                              <a:solidFill>
+                                <a:srgbClr val="323C47"/>
+                              </a:solidFill>
+                              <a:latin typeface="Cambria Math" panose="02040503050406030204" pitchFamily="18" charset="0"/>
+                            </a:rPr>
+                            <m:t>𝑓𝑖𝑟𝑠𝑡</m:t>
+                          </m:r>
+                          <m:r>
+                            <a:rPr lang="de-DE" b="0" i="1" smtClean="0">
+                              <a:solidFill>
+                                <a:srgbClr val="323C47"/>
+                              </a:solidFill>
+                              <a:latin typeface="Cambria Math" panose="02040503050406030204" pitchFamily="18" charset="0"/>
+                            </a:rPr>
+                            <m:t> 10 </m:t>
+                          </m:r>
+                          <m:r>
+                            <a:rPr lang="de-DE" b="0" i="1" smtClean="0">
+                              <a:solidFill>
+                                <a:srgbClr val="323C47"/>
+                              </a:solidFill>
+                              <a:latin typeface="Cambria Math" panose="02040503050406030204" pitchFamily="18" charset="0"/>
+                            </a:rPr>
+                            <m:t>𝑦𝑒𝑎𝑟𝑠</m:t>
+                          </m:r>
+                        </m:num>
+                        <m:den>
+                          <m:r>
+                            <a:rPr lang="de-DE" b="0" i="1" smtClean="0">
+                              <a:solidFill>
+                                <a:srgbClr val="323C47"/>
+                              </a:solidFill>
+                              <a:latin typeface="Cambria Math" panose="02040503050406030204" pitchFamily="18" charset="0"/>
+                            </a:rPr>
+                            <m:t># </m:t>
+                          </m:r>
+                          <m:r>
+                            <a:rPr lang="de-DE" b="0" i="1" smtClean="0">
+                              <a:solidFill>
+                                <a:srgbClr val="323C47"/>
+                              </a:solidFill>
+                              <a:latin typeface="Cambria Math" panose="02040503050406030204" pitchFamily="18" charset="0"/>
+                            </a:rPr>
+                            <m:t>𝑇𝑜𝑡𝑎𝑙</m:t>
+                          </m:r>
+                          <m:r>
+                            <a:rPr lang="de-DE" b="0" i="1" smtClean="0">
+                              <a:solidFill>
+                                <a:srgbClr val="323C47"/>
+                              </a:solidFill>
+                              <a:latin typeface="Cambria Math" panose="02040503050406030204" pitchFamily="18" charset="0"/>
+                            </a:rPr>
+                            <m:t> </m:t>
+                          </m:r>
+                          <m:r>
+                            <a:rPr lang="de-DE" b="0" i="1" smtClean="0">
+                              <a:solidFill>
+                                <a:srgbClr val="323C47"/>
+                              </a:solidFill>
+                              <a:latin typeface="Cambria Math" panose="02040503050406030204" pitchFamily="18" charset="0"/>
+                            </a:rPr>
+                            <m:t>𝑟𝑒𝑡𝑢𝑟𝑛𝑠</m:t>
+                          </m:r>
+                          <m:r>
+                            <a:rPr lang="de-DE" b="0" i="1" smtClean="0">
+                              <a:solidFill>
+                                <a:srgbClr val="323C47"/>
+                              </a:solidFill>
+                              <a:latin typeface="Cambria Math" panose="02040503050406030204" pitchFamily="18" charset="0"/>
+                            </a:rPr>
+                            <m:t> </m:t>
+                          </m:r>
+                          <m:r>
+                            <a:rPr lang="de-DE" b="0" i="1" smtClean="0">
+                              <a:solidFill>
+                                <a:srgbClr val="323C47"/>
+                              </a:solidFill>
+                              <a:latin typeface="Cambria Math" panose="02040503050406030204" pitchFamily="18" charset="0"/>
+                            </a:rPr>
+                            <m:t>𝑜𝑓</m:t>
+                          </m:r>
+                          <m:r>
+                            <a:rPr lang="de-DE" b="0" i="1" smtClean="0">
+                              <a:solidFill>
+                                <a:srgbClr val="323C47"/>
+                              </a:solidFill>
+                              <a:latin typeface="Cambria Math" panose="02040503050406030204" pitchFamily="18" charset="0"/>
+                            </a:rPr>
+                            <m:t> </m:t>
+                          </m:r>
+                          <m:r>
+                            <a:rPr lang="de-DE" b="0" i="1" smtClean="0">
+                              <a:solidFill>
+                                <a:srgbClr val="323C47"/>
+                              </a:solidFill>
+                              <a:latin typeface="Cambria Math" panose="02040503050406030204" pitchFamily="18" charset="0"/>
+                            </a:rPr>
+                            <m:t>𝑓𝑖𝑟𝑠𝑡</m:t>
+                          </m:r>
+                          <m:r>
+                            <a:rPr lang="de-DE" b="0" i="1" smtClean="0">
+                              <a:solidFill>
+                                <a:srgbClr val="323C47"/>
+                              </a:solidFill>
+                              <a:latin typeface="Cambria Math" panose="02040503050406030204" pitchFamily="18" charset="0"/>
+                            </a:rPr>
+                            <m:t> 10 </m:t>
+                          </m:r>
+                          <m:r>
+                            <a:rPr lang="de-DE" b="0" i="1" smtClean="0">
+                              <a:solidFill>
+                                <a:srgbClr val="323C47"/>
+                              </a:solidFill>
+                              <a:latin typeface="Cambria Math" panose="02040503050406030204" pitchFamily="18" charset="0"/>
+                            </a:rPr>
+                            <m:t>𝑦𝑒𝑎𝑟𝑠</m:t>
+                          </m:r>
+                        </m:den>
+                      </m:f>
+                    </m:oMath>
+                  </m:oMathPara>
+                </a14:m>
+                <a:endParaRPr lang="en-US" dirty="0" smtClean="0">
+                  <a:solidFill>
+                    <a:srgbClr val="323C47"/>
+                  </a:solidFill>
+                  <a:latin typeface="Arial" charset="0"/>
+                </a:endParaRPr>
+              </a:p>
+            </p:txBody>
+          </p:sp>
+        </mc:Choice>
+        <mc:Fallback xmlns="">
+          <p:sp>
+            <p:nvSpPr>
+              <p:cNvPr id="10" name="TextBox 9"/>
+              <p:cNvSpPr txBox="1">
+                <a:spLocks noRot="1" noChangeAspect="1" noMove="1" noResize="1" noEditPoints="1" noAdjustHandles="1" noChangeArrowheads="1" noChangeShapeType="1" noTextEdit="1"/>
+              </p:cNvSpPr>
+              <p:nvPr/>
+            </p:nvSpPr>
+            <p:spPr>
+              <a:xfrm>
+                <a:off x="342900" y="2392524"/>
+                <a:ext cx="8458200" cy="667490"/>
+              </a:xfrm>
+              <a:prstGeom prst="rect">
+                <a:avLst/>
+              </a:prstGeom>
+              <a:blipFill rotWithShape="0">
+                <a:blip r:embed="rId2"/>
+                <a:stretch>
+                  <a:fillRect/>
+                </a:stretch>
+              </a:blipFill>
+            </p:spPr>
+            <p:txBody>
+              <a:bodyPr/>
+              <a:lstStyle/>
+              <a:p>
+                <a:r>
+                  <a:rPr lang="en-US">
+                    <a:noFill/>
+                  </a:rPr>
+                  <a:t> </a:t>
+                </a:r>
+              </a:p>
+            </p:txBody>
+          </p:sp>
+        </mc:Fallback>
+      </mc:AlternateContent>
+      <p:sp>
+        <p:nvSpPr>
+          <p:cNvPr id="12" name="TextBox 11"/>
+          <p:cNvSpPr txBox="1"/>
+          <p:nvPr/>
+        </p:nvSpPr>
+        <p:spPr>
+          <a:xfrm>
+            <a:off x="342900" y="3192624"/>
+            <a:ext cx="8458200" cy="1231106"/>
           </a:xfrm>
           <a:prstGeom prst="rect">
             <a:avLst/>
           </a:prstGeom>
           <a:noFill/>
-          <a:ln>
-            <a:noFill/>
-          </a:ln>
         </p:spPr>
-        <p:style>
-          <a:lnRef idx="2">
-            <a:schemeClr val="accent1">
-              <a:shade val="50000"/>
-            </a:schemeClr>
-          </a:lnRef>
-          <a:fillRef idx="1">
-            <a:schemeClr val="accent1"/>
-          </a:fillRef>
-          <a:effectRef idx="0">
-            <a:schemeClr val="accent1"/>
-          </a:effectRef>
-          <a:fontRef idx="minor">
-            <a:schemeClr val="lt1"/>
-          </a:fontRef>
-        </p:style>
         <p:txBody>
-          <a:bodyPr rtlCol="0" anchor="ctr"/>
+          <a:bodyPr wrap="square" rtlCol="0">
+            <a:spAutoFit/>
+          </a:bodyPr>
+          <a:lstStyle/>
+          <a:p>
+            <a:r>
+              <a:rPr lang="de-DE" sz="1600" dirty="0" smtClean="0">
+                <a:solidFill>
+                  <a:srgbClr val="323C47"/>
+                </a:solidFill>
+                <a:latin typeface="Arial" charset="0"/>
+              </a:rPr>
+              <a:t>Key Observations:</a:t>
+            </a:r>
+          </a:p>
+          <a:p>
+            <a:pPr marL="463550" indent="-344488">
+              <a:spcBef>
+                <a:spcPts val="400"/>
+              </a:spcBef>
+              <a:buFont typeface="Arial" panose="020B0604020202020204" pitchFamily="34" charset="0"/>
+              <a:buChar char="•"/>
+            </a:pPr>
+            <a:r>
+              <a:rPr lang="de-DE" sz="1600" dirty="0" smtClean="0">
+                <a:solidFill>
+                  <a:srgbClr val="323C47"/>
+                </a:solidFill>
+                <a:latin typeface="Arial" charset="0"/>
+              </a:rPr>
+              <a:t>SORR ranges from 0 to 1</a:t>
+            </a:r>
+          </a:p>
+          <a:p>
+            <a:pPr marL="463550" indent="-344488">
+              <a:spcBef>
+                <a:spcPts val="400"/>
+              </a:spcBef>
+              <a:buFont typeface="Arial" panose="020B0604020202020204" pitchFamily="34" charset="0"/>
+              <a:buChar char="•"/>
+            </a:pPr>
+            <a:r>
+              <a:rPr lang="de-DE" sz="1600" dirty="0" smtClean="0">
+                <a:solidFill>
+                  <a:srgbClr val="323C47"/>
+                </a:solidFill>
+                <a:latin typeface="Arial" charset="0"/>
+              </a:rPr>
+              <a:t>The higher SORR, the more bad returns accumulate in the beginning</a:t>
+            </a:r>
+          </a:p>
+          <a:p>
+            <a:pPr marL="463550" indent="-344488">
+              <a:spcBef>
+                <a:spcPts val="400"/>
+              </a:spcBef>
+              <a:buFont typeface="Arial" panose="020B0604020202020204" pitchFamily="34" charset="0"/>
+              <a:buChar char="•"/>
+            </a:pPr>
+            <a:r>
+              <a:rPr lang="de-DE" sz="1600" dirty="0" smtClean="0">
+                <a:solidFill>
+                  <a:srgbClr val="323C47"/>
+                </a:solidFill>
+                <a:latin typeface="Arial" charset="0"/>
+              </a:rPr>
+              <a:t>Compounded return in first 10 years explains 77% of final </a:t>
+            </a:r>
+            <a:r>
+              <a:rPr lang="de-DE" sz="1600" dirty="0" err="1" smtClean="0">
+                <a:solidFill>
+                  <a:srgbClr val="323C47"/>
+                </a:solidFill>
+                <a:latin typeface="Arial" charset="0"/>
+              </a:rPr>
+              <a:t>retirement</a:t>
+            </a:r>
+            <a:r>
+              <a:rPr lang="de-DE" sz="1600" dirty="0" smtClean="0">
+                <a:solidFill>
+                  <a:srgbClr val="323C47"/>
+                </a:solidFill>
+                <a:latin typeface="Arial" charset="0"/>
+              </a:rPr>
+              <a:t> </a:t>
+            </a:r>
+            <a:r>
+              <a:rPr lang="de-DE" sz="1600" dirty="0" err="1" smtClean="0">
+                <a:solidFill>
+                  <a:srgbClr val="323C47"/>
+                </a:solidFill>
+                <a:latin typeface="Arial" charset="0"/>
+              </a:rPr>
+              <a:t>outcome</a:t>
+            </a:r>
+            <a:r>
+              <a:rPr lang="de-DE" sz="1600" baseline="30000" dirty="0" smtClean="0">
+                <a:solidFill>
+                  <a:srgbClr val="323C47"/>
+                </a:solidFill>
+                <a:latin typeface="Arial" charset="0"/>
+              </a:rPr>
+              <a:t>(1)</a:t>
+            </a:r>
+            <a:endParaRPr lang="en-US" sz="1600" dirty="0" smtClean="0">
+              <a:solidFill>
+                <a:srgbClr val="323C47"/>
+              </a:solidFill>
+              <a:latin typeface="Arial" charset="0"/>
+            </a:endParaRPr>
+          </a:p>
+        </p:txBody>
+      </p:sp>
+      <p:sp>
+        <p:nvSpPr>
+          <p:cNvPr id="3" name="TextBox 2"/>
+          <p:cNvSpPr txBox="1"/>
+          <p:nvPr/>
+        </p:nvSpPr>
+        <p:spPr>
+          <a:xfrm>
+            <a:off x="967409" y="6226175"/>
+            <a:ext cx="7606748" cy="260008"/>
+          </a:xfrm>
+          <a:prstGeom prst="rect">
+            <a:avLst/>
+          </a:prstGeom>
+          <a:noFill/>
+        </p:spPr>
+        <p:txBody>
+          <a:bodyPr wrap="square" rtlCol="0">
+            <a:spAutoFit/>
+          </a:bodyPr>
           <a:lstStyle/>
           <a:p>
             <a:pPr>
               <a:lnSpc>
-                <a:spcPct val="200000"/>
+                <a:spcPct val="120000"/>
               </a:lnSpc>
             </a:pPr>
             <a:r>
-              <a:rPr lang="de-DE" sz="2400" b="1" dirty="0" smtClean="0">
-                <a:solidFill>
-                  <a:srgbClr val="CAC8C8"/>
-                </a:solidFill>
-              </a:rPr>
-              <a:t>SORR – A Short Introduction</a:t>
-            </a:r>
-          </a:p>
-          <a:p>
-            <a:pPr>
-              <a:lnSpc>
-                <a:spcPct val="200000"/>
-              </a:lnSpc>
-            </a:pPr>
-            <a:r>
-              <a:rPr lang="de-DE" sz="2400" b="1" dirty="0" smtClean="0">
-                <a:solidFill>
-                  <a:srgbClr val="CAC8C8"/>
-                </a:solidFill>
-              </a:rPr>
-              <a:t>Methodology</a:t>
-            </a:r>
-          </a:p>
-          <a:p>
-            <a:pPr>
-              <a:lnSpc>
-                <a:spcPct val="200000"/>
-              </a:lnSpc>
-            </a:pPr>
-            <a:r>
-              <a:rPr lang="de-DE" sz="2400" b="1" dirty="0" smtClean="0">
-                <a:solidFill>
-                  <a:srgbClr val="CAC8C8"/>
-                </a:solidFill>
-              </a:rPr>
-              <a:t>Chapter 3</a:t>
-            </a:r>
-          </a:p>
-          <a:p>
-            <a:pPr>
-              <a:lnSpc>
-                <a:spcPct val="200000"/>
-              </a:lnSpc>
-            </a:pPr>
-            <a:r>
-              <a:rPr lang="de-DE" sz="2400" b="1" dirty="0" smtClean="0">
-                <a:solidFill>
-                  <a:srgbClr val="A42036"/>
-                </a:solidFill>
-              </a:rPr>
-              <a:t>Chapter 4</a:t>
-            </a:r>
-          </a:p>
-          <a:p>
-            <a:pPr>
-              <a:lnSpc>
-                <a:spcPct val="200000"/>
-              </a:lnSpc>
-            </a:pPr>
-            <a:r>
-              <a:rPr lang="de-DE" sz="2400" b="1" dirty="0" smtClean="0">
-                <a:solidFill>
-                  <a:srgbClr val="CAC8C8"/>
-                </a:solidFill>
-              </a:rPr>
-              <a:t>Conclusion</a:t>
-            </a:r>
-            <a:endParaRPr lang="en-US" sz="2400" b="1" dirty="0">
+              <a:rPr lang="de-DE" sz="1000" dirty="0" smtClean="0">
+                <a:solidFill>
+                  <a:srgbClr val="1B202F"/>
+                </a:solidFill>
+                <a:latin typeface="Arial" charset="0"/>
+              </a:rPr>
+              <a:t>Notes: (1) Pfau, W. D. (2013), </a:t>
+            </a:r>
+            <a:r>
+              <a:rPr lang="de-DE" sz="1000" i="1" dirty="0" smtClean="0">
+                <a:solidFill>
+                  <a:srgbClr val="1B202F"/>
+                </a:solidFill>
+                <a:latin typeface="Arial" charset="0"/>
+              </a:rPr>
+              <a:t> The Lifetime Sequence of Returns: A Retirement Planning Conundrum, </a:t>
+            </a:r>
+            <a:r>
+              <a:rPr lang="de-DE" sz="1000" dirty="0" smtClean="0">
+                <a:solidFill>
+                  <a:srgbClr val="1B202F"/>
+                </a:solidFill>
+                <a:latin typeface="Arial" charset="0"/>
+              </a:rPr>
+              <a:t>p. 6. </a:t>
+            </a:r>
+            <a:endParaRPr lang="en-US" sz="1000" dirty="0" smtClean="0">
               <a:solidFill>
-                <a:srgbClr val="CAC8C8"/>
+                <a:srgbClr val="1B202F"/>
               </a:solidFill>
+              <a:latin typeface="Arial" charset="0"/>
             </a:endParaRPr>
           </a:p>
         </p:txBody>
@@ -5860,7 +8040,7 @@
     </p:spTree>
     <p:extLst>
       <p:ext uri="{BB962C8B-B14F-4D97-AF65-F5344CB8AC3E}">
-        <p14:creationId xmlns:p14="http://schemas.microsoft.com/office/powerpoint/2010/main" val="3564373228"/>
+        <p14:creationId xmlns:p14="http://schemas.microsoft.com/office/powerpoint/2010/main" val="488771616"/>
       </p:ext>
     </p:extLst>
   </p:cSld>
@@ -5966,128 +8146,2252 @@
       </p:sp>
       <p:sp>
         <p:nvSpPr>
-          <p:cNvPr id="6" name="Rectangle 5"/>
-          <p:cNvSpPr/>
+          <p:cNvPr id="5" name="Title 1"/>
+          <p:cNvSpPr txBox="1">
+            <a:spLocks/>
+          </p:cNvSpPr>
           <p:nvPr/>
         </p:nvSpPr>
         <p:spPr>
           <a:xfrm>
-            <a:off x="381000" y="1852863"/>
-            <a:ext cx="8420100" cy="4150895"/>
+            <a:off x="342900" y="0"/>
+            <a:ext cx="8444484" cy="1584960"/>
+          </a:xfrm>
+          <a:prstGeom prst="rect">
+            <a:avLst/>
+          </a:prstGeom>
+        </p:spPr>
+        <p:txBody>
+          <a:bodyPr vert="horz" lIns="91440" tIns="45720" rIns="91440" bIns="45720" rtlCol="0" anchor="ctr" anchorCtr="0">
+            <a:noAutofit/>
+          </a:bodyPr>
+          <a:lstStyle>
+            <a:lvl1pPr algn="l" defTabSz="457200" rtl="0" eaLnBrk="1" latinLnBrk="0" hangingPunct="1">
+              <a:spcBef>
+                <a:spcPct val="0"/>
+              </a:spcBef>
+              <a:buNone/>
+              <a:defRPr sz="3800" b="1" i="0" kern="1200" cap="all" spc="100" baseline="0">
+                <a:solidFill>
+                  <a:srgbClr val="FFFFFF"/>
+                </a:solidFill>
+                <a:latin typeface="Arial"/>
+                <a:ea typeface="+mj-ea"/>
+                <a:cs typeface="Arial"/>
+              </a:defRPr>
+            </a:lvl1pPr>
+          </a:lstStyle>
+          <a:p>
+            <a:r>
+              <a:rPr lang="en-US" dirty="0" smtClean="0"/>
+              <a:t/>
+            </a:r>
+            <a:br>
+              <a:rPr lang="en-US" dirty="0" smtClean="0"/>
+            </a:br>
+            <a:r>
+              <a:rPr lang="en-US" dirty="0" smtClean="0"/>
+              <a:t>utility Coverage Ratio</a:t>
+            </a:r>
+            <a:br>
+              <a:rPr lang="en-US" dirty="0" smtClean="0"/>
+            </a:br>
+            <a:endParaRPr lang="en-US" b="0" i="1" cap="none" dirty="0">
+              <a:solidFill>
+                <a:schemeClr val="tx1"/>
+              </a:solidFill>
+            </a:endParaRPr>
+          </a:p>
+        </p:txBody>
+      </p:sp>
+      <p:grpSp>
+        <p:nvGrpSpPr>
+          <p:cNvPr id="6" name="Group 5"/>
+          <p:cNvGrpSpPr/>
+          <p:nvPr/>
+        </p:nvGrpSpPr>
+        <p:grpSpPr>
+          <a:xfrm>
+            <a:off x="342900" y="1613535"/>
+            <a:ext cx="8458200" cy="584775"/>
+            <a:chOff x="342900" y="1613535"/>
+            <a:chExt cx="8458200" cy="584775"/>
+          </a:xfrm>
+        </p:grpSpPr>
+        <p:sp>
+          <p:nvSpPr>
+            <p:cNvPr id="7" name="TextBox 6"/>
+            <p:cNvSpPr txBox="1"/>
+            <p:nvPr/>
+          </p:nvSpPr>
+          <p:spPr>
+            <a:xfrm>
+              <a:off x="342900" y="1613535"/>
+              <a:ext cx="8458200" cy="584775"/>
+            </a:xfrm>
+            <a:prstGeom prst="rect">
+              <a:avLst/>
+            </a:prstGeom>
+            <a:noFill/>
+          </p:spPr>
+          <p:txBody>
+            <a:bodyPr wrap="square" rtlCol="0">
+              <a:spAutoFit/>
+            </a:bodyPr>
+            <a:lstStyle/>
+            <a:p>
+              <a:r>
+                <a:rPr lang="de-DE" sz="1600" dirty="0" err="1" smtClean="0">
+                  <a:solidFill>
+                    <a:srgbClr val="323C47"/>
+                  </a:solidFill>
+                  <a:latin typeface="Arial" charset="0"/>
+                </a:rPr>
+                <a:t>Our</a:t>
+              </a:r>
+              <a:r>
+                <a:rPr lang="de-DE" sz="1600" dirty="0" smtClean="0">
+                  <a:solidFill>
+                    <a:srgbClr val="323C47"/>
+                  </a:solidFill>
+                  <a:latin typeface="Arial" charset="0"/>
+                </a:rPr>
+                <a:t> </a:t>
+              </a:r>
+              <a:r>
+                <a:rPr lang="de-DE" sz="1600" dirty="0" err="1" smtClean="0">
+                  <a:solidFill>
+                    <a:srgbClr val="323C47"/>
+                  </a:solidFill>
+                  <a:latin typeface="Arial" charset="0"/>
+                </a:rPr>
+                <a:t>maximization</a:t>
+              </a:r>
+              <a:r>
+                <a:rPr lang="de-DE" sz="1600" dirty="0" smtClean="0">
+                  <a:solidFill>
+                    <a:srgbClr val="323C47"/>
+                  </a:solidFill>
+                  <a:latin typeface="Arial" charset="0"/>
+                </a:rPr>
+                <a:t> </a:t>
+              </a:r>
+              <a:r>
+                <a:rPr lang="de-DE" sz="1600" dirty="0" err="1" smtClean="0">
+                  <a:solidFill>
+                    <a:srgbClr val="323C47"/>
+                  </a:solidFill>
+                  <a:latin typeface="Arial" charset="0"/>
+                </a:rPr>
+                <a:t>function</a:t>
+              </a:r>
+              <a:r>
+                <a:rPr lang="de-DE" sz="1600" dirty="0" smtClean="0">
+                  <a:solidFill>
+                    <a:srgbClr val="323C47"/>
+                  </a:solidFill>
+                  <a:latin typeface="Arial" charset="0"/>
+                </a:rPr>
+                <a:t> </a:t>
+              </a:r>
+              <a:r>
+                <a:rPr lang="de-DE" sz="1600" dirty="0" err="1" smtClean="0">
+                  <a:solidFill>
+                    <a:srgbClr val="323C47"/>
+                  </a:solidFill>
+                  <a:latin typeface="Arial" charset="0"/>
+                </a:rPr>
+                <a:t>is</a:t>
+              </a:r>
+              <a:r>
+                <a:rPr lang="de-DE" sz="1600" dirty="0" smtClean="0">
+                  <a:solidFill>
+                    <a:srgbClr val="323C47"/>
+                  </a:solidFill>
+                  <a:latin typeface="Arial" charset="0"/>
+                </a:rPr>
+                <a:t> a </a:t>
+              </a:r>
+              <a:r>
+                <a:rPr lang="de-DE" sz="1600" dirty="0" err="1" smtClean="0">
+                  <a:solidFill>
+                    <a:srgbClr val="323C47"/>
+                  </a:solidFill>
+                  <a:latin typeface="Arial" charset="0"/>
+                </a:rPr>
+                <a:t>kinked</a:t>
+              </a:r>
+              <a:r>
+                <a:rPr lang="de-DE" sz="1600" dirty="0" smtClean="0">
+                  <a:solidFill>
+                    <a:srgbClr val="323C47"/>
+                  </a:solidFill>
+                  <a:latin typeface="Arial" charset="0"/>
+                </a:rPr>
+                <a:t> </a:t>
+              </a:r>
+              <a:r>
+                <a:rPr lang="de-DE" sz="1600" dirty="0" err="1" smtClean="0">
+                  <a:solidFill>
+                    <a:srgbClr val="323C47"/>
+                  </a:solidFill>
+                  <a:latin typeface="Arial" charset="0"/>
+                </a:rPr>
+                <a:t>utility</a:t>
+              </a:r>
+              <a:r>
+                <a:rPr lang="de-DE" sz="1600" dirty="0" smtClean="0">
+                  <a:solidFill>
+                    <a:srgbClr val="323C47"/>
+                  </a:solidFill>
+                  <a:latin typeface="Arial" charset="0"/>
+                </a:rPr>
+                <a:t> </a:t>
+              </a:r>
+              <a:r>
+                <a:rPr lang="de-DE" sz="1600" dirty="0" err="1" smtClean="0">
+                  <a:solidFill>
+                    <a:srgbClr val="323C47"/>
+                  </a:solidFill>
+                  <a:latin typeface="Arial" charset="0"/>
+                </a:rPr>
+                <a:t>function</a:t>
+              </a:r>
+              <a:r>
+                <a:rPr lang="de-DE" sz="1600" dirty="0" smtClean="0">
+                  <a:solidFill>
+                    <a:srgbClr val="323C47"/>
+                  </a:solidFill>
+                  <a:latin typeface="Arial" charset="0"/>
+                </a:rPr>
+                <a:t>. </a:t>
+              </a:r>
+              <a:r>
+                <a:rPr lang="de-DE" sz="1600" dirty="0" err="1" smtClean="0">
+                  <a:solidFill>
+                    <a:srgbClr val="323C47"/>
+                  </a:solidFill>
+                  <a:latin typeface="Arial" charset="0"/>
+                </a:rPr>
+                <a:t>Our</a:t>
+              </a:r>
+              <a:r>
+                <a:rPr lang="de-DE" sz="1600" dirty="0" smtClean="0">
+                  <a:solidFill>
+                    <a:srgbClr val="323C47"/>
+                  </a:solidFill>
+                  <a:latin typeface="Arial" charset="0"/>
+                </a:rPr>
+                <a:t> additional marginal </a:t>
+              </a:r>
+              <a:r>
+                <a:rPr lang="de-DE" sz="1600" dirty="0" err="1" smtClean="0">
+                  <a:solidFill>
+                    <a:srgbClr val="323C47"/>
+                  </a:solidFill>
+                  <a:latin typeface="Arial" charset="0"/>
+                </a:rPr>
+                <a:t>utilitity</a:t>
+              </a:r>
+              <a:r>
+                <a:rPr lang="de-DE" sz="1600" dirty="0" smtClean="0">
+                  <a:solidFill>
+                    <a:srgbClr val="323C47"/>
+                  </a:solidFill>
+                  <a:latin typeface="Arial" charset="0"/>
+                </a:rPr>
+                <a:t> </a:t>
+              </a:r>
+              <a:r>
+                <a:rPr lang="de-DE" sz="1600" dirty="0" err="1" smtClean="0">
+                  <a:solidFill>
+                    <a:srgbClr val="323C47"/>
+                  </a:solidFill>
+                  <a:latin typeface="Arial" charset="0"/>
+                </a:rPr>
+                <a:t>is</a:t>
+              </a:r>
+              <a:r>
+                <a:rPr lang="de-DE" sz="1600" dirty="0" smtClean="0">
+                  <a:solidFill>
+                    <a:srgbClr val="323C47"/>
+                  </a:solidFill>
+                  <a:latin typeface="Arial" charset="0"/>
+                </a:rPr>
+                <a:t> </a:t>
+              </a:r>
+              <a:r>
+                <a:rPr lang="de-DE" sz="1600" dirty="0" err="1" smtClean="0">
+                  <a:solidFill>
+                    <a:srgbClr val="323C47"/>
+                  </a:solidFill>
+                  <a:latin typeface="Arial" charset="0"/>
+                </a:rPr>
+                <a:t>much</a:t>
+              </a:r>
+              <a:r>
+                <a:rPr lang="de-DE" sz="1600" dirty="0" smtClean="0">
+                  <a:solidFill>
+                    <a:srgbClr val="323C47"/>
+                  </a:solidFill>
+                  <a:latin typeface="Arial" charset="0"/>
+                </a:rPr>
+                <a:t> </a:t>
+              </a:r>
+              <a:r>
+                <a:rPr lang="de-DE" sz="1600" dirty="0" err="1" smtClean="0">
+                  <a:solidFill>
+                    <a:srgbClr val="323C47"/>
+                  </a:solidFill>
+                  <a:latin typeface="Arial" charset="0"/>
+                </a:rPr>
+                <a:t>higher</a:t>
+              </a:r>
+              <a:r>
+                <a:rPr lang="de-DE" sz="1600" dirty="0" smtClean="0">
+                  <a:solidFill>
+                    <a:srgbClr val="323C47"/>
+                  </a:solidFill>
+                  <a:latin typeface="Arial" charset="0"/>
+                </a:rPr>
+                <a:t> </a:t>
+              </a:r>
+              <a:r>
+                <a:rPr lang="de-DE" sz="1600" dirty="0" err="1" smtClean="0">
+                  <a:solidFill>
+                    <a:srgbClr val="323C47"/>
+                  </a:solidFill>
+                  <a:latin typeface="Arial" charset="0"/>
+                </a:rPr>
+                <a:t>if</a:t>
+              </a:r>
+              <a:r>
+                <a:rPr lang="de-DE" sz="1600" dirty="0" smtClean="0">
+                  <a:solidFill>
+                    <a:srgbClr val="323C47"/>
+                  </a:solidFill>
+                  <a:latin typeface="Arial" charset="0"/>
+                </a:rPr>
+                <a:t> </a:t>
+              </a:r>
+              <a:r>
+                <a:rPr lang="de-DE" sz="1600" dirty="0" err="1" smtClean="0">
+                  <a:solidFill>
+                    <a:srgbClr val="323C47"/>
+                  </a:solidFill>
+                  <a:latin typeface="Arial" charset="0"/>
+                </a:rPr>
+                <a:t>we</a:t>
+              </a:r>
+              <a:r>
+                <a:rPr lang="de-DE" sz="1600" dirty="0" smtClean="0">
+                  <a:solidFill>
+                    <a:srgbClr val="323C47"/>
+                  </a:solidFill>
+                  <a:latin typeface="Arial" charset="0"/>
+                </a:rPr>
+                <a:t> do not </a:t>
+              </a:r>
+              <a:r>
+                <a:rPr lang="de-DE" sz="1600" dirty="0" err="1" smtClean="0">
+                  <a:solidFill>
+                    <a:srgbClr val="323C47"/>
+                  </a:solidFill>
+                  <a:latin typeface="Arial" charset="0"/>
+                </a:rPr>
+                <a:t>fully</a:t>
+              </a:r>
+              <a:r>
+                <a:rPr lang="de-DE" sz="1600" dirty="0" smtClean="0">
+                  <a:solidFill>
+                    <a:srgbClr val="323C47"/>
+                  </a:solidFill>
+                  <a:latin typeface="Arial" charset="0"/>
+                </a:rPr>
+                <a:t> </a:t>
+              </a:r>
+              <a:r>
+                <a:rPr lang="de-DE" sz="1600" dirty="0" err="1" smtClean="0">
+                  <a:solidFill>
+                    <a:srgbClr val="323C47"/>
+                  </a:solidFill>
+                  <a:latin typeface="Arial" charset="0"/>
+                </a:rPr>
+                <a:t>cover</a:t>
+              </a:r>
+              <a:r>
+                <a:rPr lang="de-DE" sz="1600" dirty="0" smtClean="0">
+                  <a:solidFill>
+                    <a:srgbClr val="323C47"/>
+                  </a:solidFill>
+                  <a:latin typeface="Arial" charset="0"/>
+                </a:rPr>
+                <a:t> </a:t>
+              </a:r>
+              <a:r>
+                <a:rPr lang="de-DE" sz="1600" dirty="0" err="1" smtClean="0">
+                  <a:solidFill>
+                    <a:srgbClr val="323C47"/>
+                  </a:solidFill>
+                  <a:latin typeface="Arial" charset="0"/>
+                </a:rPr>
+                <a:t>our</a:t>
+              </a:r>
+              <a:r>
+                <a:rPr lang="de-DE" sz="1600" dirty="0" smtClean="0">
+                  <a:solidFill>
+                    <a:srgbClr val="323C47"/>
+                  </a:solidFill>
+                  <a:latin typeface="Arial" charset="0"/>
+                </a:rPr>
+                <a:t> </a:t>
+              </a:r>
+              <a:r>
+                <a:rPr lang="de-DE" sz="1600" dirty="0" err="1" smtClean="0">
+                  <a:solidFill>
+                    <a:srgbClr val="323C47"/>
+                  </a:solidFill>
+                  <a:latin typeface="Arial" charset="0"/>
+                </a:rPr>
+                <a:t>estimated</a:t>
+              </a:r>
+              <a:r>
+                <a:rPr lang="de-DE" sz="1600" dirty="0" smtClean="0">
+                  <a:solidFill>
+                    <a:srgbClr val="323C47"/>
+                  </a:solidFill>
+                  <a:latin typeface="Arial" charset="0"/>
+                </a:rPr>
+                <a:t> </a:t>
+              </a:r>
+              <a:r>
+                <a:rPr lang="de-DE" sz="1600" dirty="0" err="1" smtClean="0">
+                  <a:solidFill>
+                    <a:srgbClr val="323C47"/>
+                  </a:solidFill>
+                  <a:latin typeface="Arial" charset="0"/>
+                </a:rPr>
+                <a:t>lifetime</a:t>
+              </a:r>
+              <a:r>
+                <a:rPr lang="de-DE" sz="1600" dirty="0">
+                  <a:solidFill>
+                    <a:srgbClr val="323C47"/>
+                  </a:solidFill>
+                  <a:latin typeface="Arial" charset="0"/>
+                </a:rPr>
+                <a:t>.</a:t>
+              </a:r>
+              <a:endParaRPr lang="en-US" sz="1600" dirty="0" smtClean="0">
+                <a:solidFill>
+                  <a:srgbClr val="323C47"/>
+                </a:solidFill>
+                <a:latin typeface="Arial" charset="0"/>
+              </a:endParaRPr>
+            </a:p>
+          </p:txBody>
+        </p:sp>
+        <p:cxnSp>
+          <p:nvCxnSpPr>
+            <p:cNvPr id="8" name="Straight Connector 7"/>
+            <p:cNvCxnSpPr/>
+            <p:nvPr/>
+          </p:nvCxnSpPr>
+          <p:spPr>
+            <a:xfrm>
+              <a:off x="342900" y="2150685"/>
+              <a:ext cx="8444484" cy="0"/>
+            </a:xfrm>
+            <a:prstGeom prst="line">
+              <a:avLst/>
+            </a:prstGeom>
+            <a:ln w="3175">
+              <a:solidFill>
+                <a:srgbClr val="323C47"/>
+              </a:solidFill>
+            </a:ln>
+          </p:spPr>
+          <p:style>
+            <a:lnRef idx="2">
+              <a:schemeClr val="accent1"/>
+            </a:lnRef>
+            <a:fillRef idx="0">
+              <a:schemeClr val="accent1"/>
+            </a:fillRef>
+            <a:effectRef idx="1">
+              <a:schemeClr val="accent1"/>
+            </a:effectRef>
+            <a:fontRef idx="minor">
+              <a:schemeClr val="tx1"/>
+            </a:fontRef>
+          </p:style>
+        </p:cxnSp>
+      </p:grpSp>
+      <mc:AlternateContent xmlns:mc="http://schemas.openxmlformats.org/markup-compatibility/2006">
+        <mc:Choice xmlns:a14="http://schemas.microsoft.com/office/drawing/2010/main" Requires="a14">
+          <p:sp>
+            <p:nvSpPr>
+              <p:cNvPr id="10" name="TextBox 9"/>
+              <p:cNvSpPr txBox="1"/>
+              <p:nvPr/>
+            </p:nvSpPr>
+            <p:spPr>
+              <a:xfrm>
+                <a:off x="342900" y="2392524"/>
+                <a:ext cx="4562731" cy="1425070"/>
+              </a:xfrm>
+              <a:prstGeom prst="rect">
+                <a:avLst/>
+              </a:prstGeom>
+              <a:noFill/>
+            </p:spPr>
+            <p:txBody>
+              <a:bodyPr wrap="square" rtlCol="0">
+                <a:spAutoFit/>
+              </a:bodyPr>
+              <a:lstStyle/>
+              <a:p>
+                <a:pPr/>
+                <a14:m>
+                  <m:oMathPara xmlns:m="http://schemas.openxmlformats.org/officeDocument/2006/math">
+                    <m:oMathParaPr>
+                      <m:jc m:val="left"/>
+                    </m:oMathParaPr>
+                    <m:oMath xmlns:m="http://schemas.openxmlformats.org/officeDocument/2006/math">
+                      <m:r>
+                        <a:rPr lang="de-DE" b="0" i="1" smtClean="0">
+                          <a:solidFill>
+                            <a:srgbClr val="323C47"/>
+                          </a:solidFill>
+                          <a:latin typeface="Cambria Math" charset="0"/>
+                        </a:rPr>
+                        <m:t>𝑈</m:t>
+                      </m:r>
+                      <m:r>
+                        <a:rPr lang="de-DE" b="0" i="1" smtClean="0">
+                          <a:solidFill>
+                            <a:srgbClr val="323C47"/>
+                          </a:solidFill>
+                          <a:latin typeface="Cambria Math" charset="0"/>
+                        </a:rPr>
+                        <m:t>(</m:t>
+                      </m:r>
+                      <m:r>
+                        <a:rPr lang="de-DE" b="0" i="1" smtClean="0">
+                          <a:solidFill>
+                            <a:srgbClr val="323C47"/>
+                          </a:solidFill>
+                          <a:latin typeface="Cambria Math" charset="0"/>
+                        </a:rPr>
+                        <m:t>𝐶</m:t>
+                      </m:r>
+                      <m:r>
+                        <a:rPr lang="de-DE" b="0" i="1" smtClean="0">
+                          <a:solidFill>
+                            <a:srgbClr val="323C47"/>
+                          </a:solidFill>
+                          <a:latin typeface="Cambria Math" charset="0"/>
+                        </a:rPr>
+                        <m:t>)=</m:t>
+                      </m:r>
+                      <m:d>
+                        <m:dPr>
+                          <m:begChr m:val="{"/>
+                          <m:endChr m:val=""/>
+                          <m:ctrlPr>
+                            <a:rPr lang="cs-CZ" b="0" i="1" smtClean="0">
+                              <a:solidFill>
+                                <a:srgbClr val="323C47"/>
+                              </a:solidFill>
+                              <a:latin typeface="Cambria Math" charset="0"/>
+                            </a:rPr>
+                          </m:ctrlPr>
+                        </m:dPr>
+                        <m:e>
+                          <m:eqArr>
+                            <m:eqArrPr>
+                              <m:ctrlPr>
+                                <a:rPr lang="cs-CZ" b="0" i="1" smtClean="0">
+                                  <a:solidFill>
+                                    <a:srgbClr val="323C47"/>
+                                  </a:solidFill>
+                                  <a:latin typeface="Cambria Math" charset="0"/>
+                                </a:rPr>
+                              </m:ctrlPr>
+                            </m:eqArrPr>
+                            <m:e>
+                              <m:f>
+                                <m:fPr>
+                                  <m:ctrlPr>
+                                    <a:rPr lang="bg-BG" b="0" i="1" smtClean="0">
+                                      <a:solidFill>
+                                        <a:srgbClr val="323C47"/>
+                                      </a:solidFill>
+                                      <a:latin typeface="Cambria Math" charset="0"/>
+                                    </a:rPr>
+                                  </m:ctrlPr>
+                                </m:fPr>
+                                <m:num>
+                                  <m:sSup>
+                                    <m:sSupPr>
+                                      <m:ctrlPr>
+                                        <a:rPr lang="bg-BG" b="0" i="1" smtClean="0">
+                                          <a:solidFill>
+                                            <a:srgbClr val="323C47"/>
+                                          </a:solidFill>
+                                          <a:latin typeface="Cambria Math" charset="0"/>
+                                        </a:rPr>
+                                      </m:ctrlPr>
+                                    </m:sSupPr>
+                                    <m:e>
+                                      <m:r>
+                                        <a:rPr lang="de-DE" b="0" i="1" smtClean="0">
+                                          <a:solidFill>
+                                            <a:srgbClr val="323C47"/>
+                                          </a:solidFill>
+                                          <a:latin typeface="Cambria Math" charset="0"/>
+                                        </a:rPr>
+                                        <m:t>𝐶</m:t>
+                                      </m:r>
+                                    </m:e>
+                                    <m:sup>
+                                      <m:r>
+                                        <a:rPr lang="de-DE" b="0" i="1" smtClean="0">
+                                          <a:solidFill>
+                                            <a:srgbClr val="323C47"/>
+                                          </a:solidFill>
+                                          <a:latin typeface="Cambria Math" charset="0"/>
+                                        </a:rPr>
+                                        <m:t>1 −</m:t>
+                                      </m:r>
+                                      <m:r>
+                                        <a:rPr lang="de-DE" b="0" i="1" smtClean="0">
+                                          <a:solidFill>
+                                            <a:srgbClr val="323C47"/>
+                                          </a:solidFill>
+                                          <a:latin typeface="Cambria Math" charset="0"/>
+                                        </a:rPr>
+                                        <m:t>𝛾</m:t>
+                                      </m:r>
+                                    </m:sup>
+                                  </m:sSup>
+                                  <m:r>
+                                    <a:rPr lang="de-DE" b="0" i="1" smtClean="0">
+                                      <a:solidFill>
+                                        <a:srgbClr val="323C47"/>
+                                      </a:solidFill>
+                                      <a:latin typeface="Cambria Math" charset="0"/>
+                                    </a:rPr>
+                                    <m:t>−1</m:t>
+                                  </m:r>
+                                </m:num>
+                                <m:den>
+                                  <m:r>
+                                    <a:rPr lang="de-DE" b="0" i="1" smtClean="0">
+                                      <a:solidFill>
+                                        <a:srgbClr val="323C47"/>
+                                      </a:solidFill>
+                                      <a:latin typeface="Cambria Math" charset="0"/>
+                                    </a:rPr>
+                                    <m:t>1−</m:t>
+                                  </m:r>
+                                  <m:r>
+                                    <a:rPr lang="de-DE" b="0" i="1" smtClean="0">
+                                      <a:solidFill>
+                                        <a:srgbClr val="323C47"/>
+                                      </a:solidFill>
+                                      <a:latin typeface="Cambria Math" charset="0"/>
+                                    </a:rPr>
+                                    <m:t>𝛾</m:t>
+                                  </m:r>
+                                </m:den>
+                              </m:f>
+                              <m:r>
+                                <a:rPr lang="de-DE" b="0" i="1" smtClean="0">
+                                  <a:solidFill>
+                                    <a:srgbClr val="323C47"/>
+                                  </a:solidFill>
+                                  <a:latin typeface="Cambria Math" charset="0"/>
+                                </a:rPr>
+                                <m:t>                        </m:t>
+                              </m:r>
+                              <m:r>
+                                <a:rPr lang="de-DE" b="0" i="1" smtClean="0">
+                                  <a:solidFill>
+                                    <a:srgbClr val="323C47"/>
+                                  </a:solidFill>
+                                  <a:latin typeface="Cambria Math" charset="0"/>
+                                </a:rPr>
+                                <m:t>𝑓𝑜𝑟</m:t>
+                              </m:r>
+                              <m:r>
+                                <a:rPr lang="de-DE" b="0" i="1" smtClean="0">
+                                  <a:solidFill>
+                                    <a:srgbClr val="323C47"/>
+                                  </a:solidFill>
+                                  <a:latin typeface="Cambria Math" charset="0"/>
+                                </a:rPr>
+                                <m:t> </m:t>
+                              </m:r>
+                              <m:r>
+                                <a:rPr lang="de-DE" b="0" i="1" smtClean="0">
+                                  <a:solidFill>
+                                    <a:srgbClr val="323C47"/>
+                                  </a:solidFill>
+                                  <a:latin typeface="Cambria Math" charset="0"/>
+                                </a:rPr>
+                                <m:t>𝐶</m:t>
+                              </m:r>
+                              <m:r>
+                                <a:rPr lang="de-DE" b="0" i="1" smtClean="0">
+                                  <a:solidFill>
+                                    <a:srgbClr val="323C47"/>
+                                  </a:solidFill>
+                                  <a:latin typeface="Cambria Math" charset="0"/>
+                                  <a:ea typeface="Cambria Math" charset="0"/>
+                                  <a:cs typeface="Cambria Math" charset="0"/>
+                                </a:rPr>
+                                <m:t>≥1</m:t>
+                              </m:r>
+                            </m:e>
+                            <m:e>
+                              <m:f>
+                                <m:fPr>
+                                  <m:ctrlPr>
+                                    <a:rPr lang="bg-BG" b="0" i="1" smtClean="0">
+                                      <a:solidFill>
+                                        <a:srgbClr val="323C47"/>
+                                      </a:solidFill>
+                                      <a:latin typeface="Cambria Math" charset="0"/>
+                                    </a:rPr>
+                                  </m:ctrlPr>
+                                </m:fPr>
+                                <m:num>
+                                  <m:sSup>
+                                    <m:sSupPr>
+                                      <m:ctrlPr>
+                                        <a:rPr lang="bg-BG" b="0" i="1" smtClean="0">
+                                          <a:solidFill>
+                                            <a:srgbClr val="323C47"/>
+                                          </a:solidFill>
+                                          <a:latin typeface="Cambria Math" charset="0"/>
+                                        </a:rPr>
+                                      </m:ctrlPr>
+                                    </m:sSupPr>
+                                    <m:e>
+                                      <m:r>
+                                        <a:rPr lang="de-DE" b="0" i="1" smtClean="0">
+                                          <a:solidFill>
+                                            <a:srgbClr val="323C47"/>
+                                          </a:solidFill>
+                                          <a:latin typeface="Cambria Math" charset="0"/>
+                                        </a:rPr>
+                                        <m:t>1</m:t>
+                                      </m:r>
+                                    </m:e>
+                                    <m:sup>
+                                      <m:r>
+                                        <a:rPr lang="de-DE" b="0" i="1" smtClean="0">
+                                          <a:solidFill>
+                                            <a:srgbClr val="323C47"/>
+                                          </a:solidFill>
+                                          <a:latin typeface="Cambria Math" charset="0"/>
+                                        </a:rPr>
+                                        <m:t>1−</m:t>
+                                      </m:r>
+                                      <m:r>
+                                        <a:rPr lang="de-DE" b="0" i="1" smtClean="0">
+                                          <a:solidFill>
+                                            <a:srgbClr val="323C47"/>
+                                          </a:solidFill>
+                                          <a:latin typeface="Cambria Math" charset="0"/>
+                                        </a:rPr>
+                                        <m:t>𝛾</m:t>
+                                      </m:r>
+                                    </m:sup>
+                                  </m:sSup>
+                                  <m:r>
+                                    <a:rPr lang="de-DE" b="0" i="1" smtClean="0">
+                                      <a:solidFill>
+                                        <a:srgbClr val="323C47"/>
+                                      </a:solidFill>
+                                      <a:latin typeface="Cambria Math" charset="0"/>
+                                    </a:rPr>
+                                    <m:t>−1</m:t>
+                                  </m:r>
+                                </m:num>
+                                <m:den>
+                                  <m:r>
+                                    <a:rPr lang="de-DE" b="0" i="1" smtClean="0">
+                                      <a:solidFill>
+                                        <a:srgbClr val="323C47"/>
+                                      </a:solidFill>
+                                      <a:latin typeface="Cambria Math" charset="0"/>
+                                    </a:rPr>
+                                    <m:t>1−</m:t>
+                                  </m:r>
+                                  <m:r>
+                                    <a:rPr lang="de-DE" b="0" i="1" smtClean="0">
+                                      <a:solidFill>
+                                        <a:srgbClr val="323C47"/>
+                                      </a:solidFill>
+                                      <a:latin typeface="Cambria Math" charset="0"/>
+                                    </a:rPr>
+                                    <m:t>𝛾</m:t>
+                                  </m:r>
+                                </m:den>
+                              </m:f>
+                              <m:r>
+                                <a:rPr lang="de-DE" b="0" i="1" smtClean="0">
+                                  <a:solidFill>
+                                    <a:srgbClr val="323C47"/>
+                                  </a:solidFill>
+                                  <a:latin typeface="Cambria Math" charset="0"/>
+                                </a:rPr>
+                                <m:t>−</m:t>
+                              </m:r>
+                              <m:r>
+                                <a:rPr lang="de-DE" b="0" i="1" smtClean="0">
+                                  <a:solidFill>
+                                    <a:srgbClr val="323C47"/>
+                                  </a:solidFill>
+                                  <a:latin typeface="Cambria Math" charset="0"/>
+                                </a:rPr>
+                                <m:t>𝜆</m:t>
+                              </m:r>
+                              <m:d>
+                                <m:dPr>
+                                  <m:ctrlPr>
+                                    <a:rPr lang="de-DE" b="0" i="1" smtClean="0">
+                                      <a:solidFill>
+                                        <a:srgbClr val="323C47"/>
+                                      </a:solidFill>
+                                      <a:latin typeface="Cambria Math" charset="0"/>
+                                    </a:rPr>
+                                  </m:ctrlPr>
+                                </m:dPr>
+                                <m:e>
+                                  <m:r>
+                                    <a:rPr lang="de-DE" b="0" i="1" smtClean="0">
+                                      <a:solidFill>
+                                        <a:srgbClr val="323C47"/>
+                                      </a:solidFill>
+                                      <a:latin typeface="Cambria Math" charset="0"/>
+                                    </a:rPr>
+                                    <m:t>1−</m:t>
+                                  </m:r>
+                                  <m:r>
+                                    <a:rPr lang="de-DE" b="0" i="1" smtClean="0">
+                                      <a:solidFill>
+                                        <a:srgbClr val="323C47"/>
+                                      </a:solidFill>
+                                      <a:latin typeface="Cambria Math" charset="0"/>
+                                    </a:rPr>
+                                    <m:t>𝐶</m:t>
+                                  </m:r>
+                                </m:e>
+                              </m:d>
+                              <m:r>
+                                <a:rPr lang="de-DE" b="0" i="1" smtClean="0">
+                                  <a:solidFill>
+                                    <a:srgbClr val="323C47"/>
+                                  </a:solidFill>
+                                  <a:latin typeface="Cambria Math" charset="0"/>
+                                </a:rPr>
+                                <m:t>    </m:t>
+                              </m:r>
+                              <m:r>
+                                <a:rPr lang="de-DE" b="0" i="1" smtClean="0">
+                                  <a:solidFill>
+                                    <a:srgbClr val="323C47"/>
+                                  </a:solidFill>
+                                  <a:latin typeface="Cambria Math" charset="0"/>
+                                </a:rPr>
+                                <m:t>𝑓𝑜𝑟</m:t>
+                              </m:r>
+                              <m:r>
+                                <a:rPr lang="de-DE" b="0" i="1" smtClean="0">
+                                  <a:solidFill>
+                                    <a:srgbClr val="323C47"/>
+                                  </a:solidFill>
+                                  <a:latin typeface="Cambria Math" charset="0"/>
+                                </a:rPr>
+                                <m:t> </m:t>
+                              </m:r>
+                              <m:r>
+                                <a:rPr lang="de-DE" b="0" i="1" smtClean="0">
+                                  <a:solidFill>
+                                    <a:srgbClr val="323C47"/>
+                                  </a:solidFill>
+                                  <a:latin typeface="Cambria Math" charset="0"/>
+                                </a:rPr>
+                                <m:t>𝐶</m:t>
+                              </m:r>
+                              <m:r>
+                                <a:rPr lang="hr-HR" b="0" i="1" smtClean="0">
+                                  <a:solidFill>
+                                    <a:srgbClr val="323C47"/>
+                                  </a:solidFill>
+                                  <a:latin typeface="Cambria Math" charset="0"/>
+                                  <a:ea typeface="Cambria Math" charset="0"/>
+                                  <a:cs typeface="Cambria Math" charset="0"/>
+                                </a:rPr>
+                                <m:t>&lt;</m:t>
+                              </m:r>
+                              <m:r>
+                                <a:rPr lang="de-DE" b="0" i="1" smtClean="0">
+                                  <a:solidFill>
+                                    <a:srgbClr val="323C47"/>
+                                  </a:solidFill>
+                                  <a:latin typeface="Cambria Math" charset="0"/>
+                                  <a:ea typeface="Cambria Math" charset="0"/>
+                                  <a:cs typeface="Cambria Math" charset="0"/>
+                                </a:rPr>
+                                <m:t>1</m:t>
+                              </m:r>
+                            </m:e>
+                          </m:eqArr>
+                        </m:e>
+                      </m:d>
+                    </m:oMath>
+                  </m:oMathPara>
+                </a14:m>
+                <a:endParaRPr lang="en-US" dirty="0" smtClean="0">
+                  <a:solidFill>
+                    <a:srgbClr val="323C47"/>
+                  </a:solidFill>
+                  <a:latin typeface="Arial" charset="0"/>
+                </a:endParaRPr>
+              </a:p>
+            </p:txBody>
+          </p:sp>
+        </mc:Choice>
+        <mc:Fallback>
+          <p:sp>
+            <p:nvSpPr>
+              <p:cNvPr id="10" name="TextBox 9"/>
+              <p:cNvSpPr txBox="1">
+                <a:spLocks noRot="1" noChangeAspect="1" noMove="1" noResize="1" noEditPoints="1" noAdjustHandles="1" noChangeArrowheads="1" noChangeShapeType="1" noTextEdit="1"/>
+              </p:cNvSpPr>
+              <p:nvPr/>
+            </p:nvSpPr>
+            <p:spPr>
+              <a:xfrm>
+                <a:off x="342900" y="2392524"/>
+                <a:ext cx="4562731" cy="1425070"/>
+              </a:xfrm>
+              <a:prstGeom prst="rect">
+                <a:avLst/>
+              </a:prstGeom>
+              <a:blipFill rotWithShape="0">
+                <a:blip r:embed="rId2"/>
+                <a:stretch>
+                  <a:fillRect/>
+                </a:stretch>
+              </a:blipFill>
+            </p:spPr>
+            <p:txBody>
+              <a:bodyPr/>
+              <a:lstStyle/>
+              <a:p>
+                <a:r>
+                  <a:rPr lang="en-US">
+                    <a:noFill/>
+                  </a:rPr>
+                  <a:t> </a:t>
+                </a:r>
+              </a:p>
+            </p:txBody>
+          </p:sp>
+        </mc:Fallback>
+      </mc:AlternateContent>
+      <mc:AlternateContent xmlns:mc="http://schemas.openxmlformats.org/markup-compatibility/2006">
+        <mc:Choice xmlns:a14="http://schemas.microsoft.com/office/drawing/2010/main" Requires="a14">
+          <p:sp>
+            <p:nvSpPr>
+              <p:cNvPr id="9" name="TextBox 8"/>
+              <p:cNvSpPr txBox="1"/>
+              <p:nvPr/>
+            </p:nvSpPr>
+            <p:spPr>
+              <a:xfrm>
+                <a:off x="342900" y="3803934"/>
+                <a:ext cx="4562731" cy="830997"/>
+              </a:xfrm>
+              <a:prstGeom prst="rect">
+                <a:avLst/>
+              </a:prstGeom>
+              <a:noFill/>
+            </p:spPr>
+            <p:txBody>
+              <a:bodyPr wrap="square" rtlCol="0">
+                <a:spAutoFit/>
+              </a:bodyPr>
+              <a:lstStyle/>
+              <a:p>
+                <a:r>
+                  <a:rPr lang="de-DE" sz="1600" dirty="0" err="1" smtClean="0">
+                    <a:solidFill>
+                      <a:srgbClr val="323C47"/>
+                    </a:solidFill>
+                    <a:latin typeface="Arial" charset="0"/>
+                  </a:rPr>
+                  <a:t>w</a:t>
+                </a:r>
+                <a:r>
+                  <a:rPr lang="de-DE" sz="1600" dirty="0" err="1" smtClean="0">
+                    <a:solidFill>
+                      <a:srgbClr val="323C47"/>
+                    </a:solidFill>
+                    <a:latin typeface="Arial" charset="0"/>
+                  </a:rPr>
+                  <a:t>here</a:t>
+                </a:r>
+                <a:r>
+                  <a:rPr lang="de-DE" sz="1600" dirty="0" smtClean="0">
+                    <a:solidFill>
+                      <a:srgbClr val="323C47"/>
+                    </a:solidFill>
+                    <a:latin typeface="Arial" charset="0"/>
+                  </a:rPr>
+                  <a:t> </a:t>
+                </a:r>
+                <a:r>
+                  <a:rPr lang="de-DE" sz="1600" i="1" dirty="0" smtClean="0">
+                    <a:solidFill>
+                      <a:srgbClr val="323C47"/>
+                    </a:solidFill>
+                    <a:latin typeface="Arial" charset="0"/>
+                  </a:rPr>
+                  <a:t>C </a:t>
+                </a:r>
+                <a:r>
+                  <a:rPr lang="de-DE" sz="1600" dirty="0" err="1" smtClean="0">
+                    <a:solidFill>
+                      <a:srgbClr val="323C47"/>
+                    </a:solidFill>
+                    <a:latin typeface="Arial" charset="0"/>
+                  </a:rPr>
+                  <a:t>denotes</a:t>
+                </a:r>
+                <a:r>
+                  <a:rPr lang="de-DE" sz="1600" dirty="0" smtClean="0">
+                    <a:solidFill>
+                      <a:srgbClr val="323C47"/>
+                    </a:solidFill>
+                    <a:latin typeface="Arial" charset="0"/>
+                  </a:rPr>
+                  <a:t> </a:t>
+                </a:r>
+                <a:r>
+                  <a:rPr lang="de-DE" sz="1600" dirty="0" err="1" smtClean="0">
+                    <a:solidFill>
+                      <a:srgbClr val="323C47"/>
+                    </a:solidFill>
+                    <a:latin typeface="Arial" charset="0"/>
+                  </a:rPr>
+                  <a:t>the</a:t>
+                </a:r>
+                <a:r>
+                  <a:rPr lang="de-DE" sz="1600" dirty="0" smtClean="0">
+                    <a:solidFill>
+                      <a:srgbClr val="323C47"/>
+                    </a:solidFill>
+                    <a:latin typeface="Arial" charset="0"/>
+                  </a:rPr>
+                  <a:t> </a:t>
+                </a:r>
+                <a:r>
+                  <a:rPr lang="de-DE" sz="1600" dirty="0" err="1" smtClean="0">
+                    <a:solidFill>
+                      <a:srgbClr val="323C47"/>
+                    </a:solidFill>
+                    <a:latin typeface="Arial" charset="0"/>
+                  </a:rPr>
+                  <a:t>coverage</a:t>
+                </a:r>
+                <a:r>
+                  <a:rPr lang="de-DE" sz="1600" dirty="0" smtClean="0">
+                    <a:solidFill>
+                      <a:srgbClr val="323C47"/>
+                    </a:solidFill>
+                    <a:latin typeface="Arial" charset="0"/>
+                  </a:rPr>
+                  <a:t> </a:t>
+                </a:r>
+                <a:r>
+                  <a:rPr lang="de-DE" sz="1600" dirty="0" err="1" smtClean="0">
+                    <a:solidFill>
+                      <a:srgbClr val="323C47"/>
+                    </a:solidFill>
+                    <a:latin typeface="Arial" charset="0"/>
+                  </a:rPr>
+                  <a:t>ratio</a:t>
+                </a:r>
+                <a:r>
+                  <a:rPr lang="de-DE" sz="1600" dirty="0" smtClean="0">
+                    <a:solidFill>
+                      <a:srgbClr val="323C47"/>
+                    </a:solidFill>
+                    <a:latin typeface="Arial" charset="0"/>
+                  </a:rPr>
+                  <a:t>, </a:t>
+                </a:r>
+                <a14:m>
+                  <m:oMath xmlns:m="http://schemas.openxmlformats.org/officeDocument/2006/math">
+                    <m:r>
+                      <a:rPr lang="de-DE" sz="1600" i="1">
+                        <a:solidFill>
+                          <a:srgbClr val="323C47"/>
+                        </a:solidFill>
+                        <a:latin typeface="Cambria Math" charset="0"/>
+                      </a:rPr>
+                      <m:t>𝛾</m:t>
+                    </m:r>
+                  </m:oMath>
+                </a14:m>
+                <a:r>
+                  <a:rPr lang="de-DE" sz="1600" dirty="0" smtClean="0">
+                    <a:solidFill>
+                      <a:srgbClr val="323C47"/>
+                    </a:solidFill>
+                    <a:latin typeface="Arial" charset="0"/>
+                  </a:rPr>
+                  <a:t> </a:t>
+                </a:r>
+                <a:r>
+                  <a:rPr lang="de-DE" sz="1600" dirty="0" err="1" smtClean="0">
+                    <a:solidFill>
+                      <a:srgbClr val="323C47"/>
+                    </a:solidFill>
+                    <a:latin typeface="Arial" charset="0"/>
+                  </a:rPr>
+                  <a:t>denotes</a:t>
+                </a:r>
+                <a:r>
+                  <a:rPr lang="de-DE" sz="1600" dirty="0" smtClean="0">
+                    <a:solidFill>
+                      <a:srgbClr val="323C47"/>
+                    </a:solidFill>
+                    <a:latin typeface="Arial" charset="0"/>
+                  </a:rPr>
+                  <a:t> </a:t>
+                </a:r>
+                <a:r>
+                  <a:rPr lang="de-DE" sz="1600" dirty="0" err="1" smtClean="0">
+                    <a:solidFill>
+                      <a:srgbClr val="323C47"/>
+                    </a:solidFill>
+                    <a:latin typeface="Arial" charset="0"/>
+                  </a:rPr>
+                  <a:t>the</a:t>
+                </a:r>
+                <a:r>
+                  <a:rPr lang="de-DE" sz="1600" dirty="0" smtClean="0">
+                    <a:solidFill>
+                      <a:srgbClr val="323C47"/>
+                    </a:solidFill>
+                    <a:latin typeface="Arial" charset="0"/>
+                  </a:rPr>
+                  <a:t> </a:t>
+                </a:r>
+                <a:r>
+                  <a:rPr lang="de-DE" sz="1600" dirty="0" err="1" smtClean="0">
+                    <a:solidFill>
+                      <a:srgbClr val="323C47"/>
+                    </a:solidFill>
+                    <a:latin typeface="Arial" charset="0"/>
+                  </a:rPr>
+                  <a:t>risk</a:t>
+                </a:r>
+                <a:r>
+                  <a:rPr lang="de-DE" sz="1600" dirty="0" smtClean="0">
+                    <a:solidFill>
+                      <a:srgbClr val="323C47"/>
+                    </a:solidFill>
+                    <a:latin typeface="Arial" charset="0"/>
+                  </a:rPr>
+                  <a:t>-aversion </a:t>
+                </a:r>
+                <a:r>
+                  <a:rPr lang="de-DE" sz="1600" dirty="0" err="1" smtClean="0">
+                    <a:solidFill>
+                      <a:srgbClr val="323C47"/>
+                    </a:solidFill>
+                    <a:latin typeface="Arial" charset="0"/>
+                  </a:rPr>
+                  <a:t>and</a:t>
+                </a:r>
+                <a:r>
+                  <a:rPr lang="de-DE" sz="1600" dirty="0" smtClean="0">
+                    <a:solidFill>
+                      <a:srgbClr val="323C47"/>
+                    </a:solidFill>
+                    <a:latin typeface="Arial" charset="0"/>
+                  </a:rPr>
+                  <a:t> </a:t>
+                </a:r>
+                <a14:m>
+                  <m:oMath xmlns:m="http://schemas.openxmlformats.org/officeDocument/2006/math">
+                    <m:r>
+                      <a:rPr lang="de-DE" sz="1600" i="1">
+                        <a:solidFill>
+                          <a:srgbClr val="323C47"/>
+                        </a:solidFill>
+                        <a:latin typeface="Cambria Math" charset="0"/>
+                      </a:rPr>
+                      <m:t>𝜆</m:t>
+                    </m:r>
+                  </m:oMath>
+                </a14:m>
+                <a:r>
+                  <a:rPr lang="de-DE" sz="1600" dirty="0" smtClean="0">
+                    <a:solidFill>
+                      <a:srgbClr val="323C47"/>
+                    </a:solidFill>
+                    <a:latin typeface="Arial" charset="0"/>
+                  </a:rPr>
+                  <a:t> </a:t>
+                </a:r>
+                <a:r>
+                  <a:rPr lang="de-DE" sz="1600" dirty="0" err="1" smtClean="0">
+                    <a:solidFill>
+                      <a:srgbClr val="323C47"/>
+                    </a:solidFill>
+                    <a:latin typeface="Arial" charset="0"/>
+                  </a:rPr>
+                  <a:t>denotes</a:t>
+                </a:r>
+                <a:r>
+                  <a:rPr lang="de-DE" sz="1600" dirty="0" smtClean="0">
+                    <a:solidFill>
+                      <a:srgbClr val="323C47"/>
+                    </a:solidFill>
+                    <a:latin typeface="Arial" charset="0"/>
+                  </a:rPr>
+                  <a:t> </a:t>
+                </a:r>
+                <a:r>
+                  <a:rPr lang="de-DE" sz="1600" dirty="0" err="1" smtClean="0">
+                    <a:solidFill>
+                      <a:srgbClr val="323C47"/>
+                    </a:solidFill>
+                    <a:latin typeface="Arial" charset="0"/>
+                  </a:rPr>
+                  <a:t>the</a:t>
+                </a:r>
+                <a:r>
+                  <a:rPr lang="de-DE" sz="1600" dirty="0" smtClean="0">
+                    <a:solidFill>
+                      <a:srgbClr val="323C47"/>
+                    </a:solidFill>
+                    <a:latin typeface="Arial" charset="0"/>
+                  </a:rPr>
+                  <a:t> additional </a:t>
+                </a:r>
+                <a:r>
+                  <a:rPr lang="de-DE" sz="1600" dirty="0" err="1" smtClean="0">
+                    <a:solidFill>
+                      <a:srgbClr val="323C47"/>
+                    </a:solidFill>
+                    <a:latin typeface="Arial" charset="0"/>
+                  </a:rPr>
+                  <a:t>utility</a:t>
+                </a:r>
+                <a:r>
+                  <a:rPr lang="de-DE" sz="1600" dirty="0" smtClean="0">
+                    <a:solidFill>
+                      <a:srgbClr val="323C47"/>
+                    </a:solidFill>
+                    <a:latin typeface="Arial" charset="0"/>
+                  </a:rPr>
+                  <a:t> </a:t>
+                </a:r>
+                <a:r>
+                  <a:rPr lang="de-DE" sz="1600" dirty="0" err="1" smtClean="0">
+                    <a:solidFill>
+                      <a:srgbClr val="323C47"/>
+                    </a:solidFill>
+                    <a:latin typeface="Arial" charset="0"/>
+                  </a:rPr>
+                  <a:t>we</a:t>
+                </a:r>
+                <a:r>
+                  <a:rPr lang="de-DE" sz="1600" dirty="0" smtClean="0">
+                    <a:solidFill>
+                      <a:srgbClr val="323C47"/>
+                    </a:solidFill>
+                    <a:latin typeface="Arial" charset="0"/>
+                  </a:rPr>
+                  <a:t> </a:t>
+                </a:r>
+                <a:r>
+                  <a:rPr lang="de-DE" sz="1600" dirty="0" err="1" smtClean="0">
+                    <a:solidFill>
+                      <a:srgbClr val="323C47"/>
+                    </a:solidFill>
+                    <a:latin typeface="Arial" charset="0"/>
+                  </a:rPr>
+                  <a:t>have</a:t>
+                </a:r>
+                <a:r>
+                  <a:rPr lang="de-DE" sz="1600" dirty="0" smtClean="0">
+                    <a:solidFill>
+                      <a:srgbClr val="323C47"/>
+                    </a:solidFill>
+                    <a:latin typeface="Arial" charset="0"/>
+                  </a:rPr>
+                  <a:t> </a:t>
+                </a:r>
+                <a:r>
+                  <a:rPr lang="de-DE" sz="1600" dirty="0" err="1" smtClean="0">
+                    <a:solidFill>
+                      <a:srgbClr val="323C47"/>
+                    </a:solidFill>
+                    <a:latin typeface="Arial" charset="0"/>
+                  </a:rPr>
+                  <a:t>from</a:t>
+                </a:r>
+                <a:r>
+                  <a:rPr lang="de-DE" sz="1600" dirty="0" smtClean="0">
+                    <a:solidFill>
+                      <a:srgbClr val="323C47"/>
+                    </a:solidFill>
+                    <a:latin typeface="Arial" charset="0"/>
+                  </a:rPr>
+                  <a:t> 0.1 </a:t>
+                </a:r>
+                <a:r>
+                  <a:rPr lang="de-DE" sz="1600" dirty="0" err="1" smtClean="0">
+                    <a:solidFill>
+                      <a:srgbClr val="323C47"/>
+                    </a:solidFill>
+                    <a:latin typeface="Arial" charset="0"/>
+                  </a:rPr>
+                  <a:t>more</a:t>
+                </a:r>
+                <a:r>
+                  <a:rPr lang="de-DE" sz="1600" dirty="0" smtClean="0">
+                    <a:solidFill>
+                      <a:srgbClr val="323C47"/>
+                    </a:solidFill>
+                    <a:latin typeface="Arial" charset="0"/>
+                  </a:rPr>
+                  <a:t> </a:t>
+                </a:r>
+                <a:r>
+                  <a:rPr lang="de-DE" sz="1600" dirty="0" err="1" smtClean="0">
+                    <a:solidFill>
+                      <a:srgbClr val="323C47"/>
+                    </a:solidFill>
+                    <a:latin typeface="Arial" charset="0"/>
+                  </a:rPr>
+                  <a:t>coverage</a:t>
+                </a:r>
+                <a:r>
+                  <a:rPr lang="de-DE" sz="1600" dirty="0" smtClean="0">
+                    <a:solidFill>
+                      <a:srgbClr val="323C47"/>
+                    </a:solidFill>
+                    <a:latin typeface="Arial" charset="0"/>
+                  </a:rPr>
+                  <a:t> </a:t>
+                </a:r>
+                <a:r>
+                  <a:rPr lang="de-DE" sz="1600" dirty="0" err="1" smtClean="0">
+                    <a:solidFill>
+                      <a:srgbClr val="323C47"/>
+                    </a:solidFill>
+                    <a:latin typeface="Arial" charset="0"/>
+                  </a:rPr>
+                  <a:t>ratio</a:t>
+                </a:r>
+                <a:r>
+                  <a:rPr lang="de-DE" sz="1600" dirty="0" smtClean="0">
+                    <a:solidFill>
+                      <a:srgbClr val="323C47"/>
+                    </a:solidFill>
+                    <a:latin typeface="Arial" charset="0"/>
+                  </a:rPr>
+                  <a:t> . </a:t>
+                </a:r>
+                <a:endParaRPr lang="en-US" sz="1600" dirty="0" smtClean="0">
+                  <a:solidFill>
+                    <a:srgbClr val="323C47"/>
+                  </a:solidFill>
+                  <a:latin typeface="Arial" charset="0"/>
+                </a:endParaRPr>
+              </a:p>
+            </p:txBody>
+          </p:sp>
+        </mc:Choice>
+        <mc:Fallback>
+          <p:sp>
+            <p:nvSpPr>
+              <p:cNvPr id="9" name="TextBox 8"/>
+              <p:cNvSpPr txBox="1">
+                <a:spLocks noRot="1" noChangeAspect="1" noMove="1" noResize="1" noEditPoints="1" noAdjustHandles="1" noChangeArrowheads="1" noChangeShapeType="1" noTextEdit="1"/>
+              </p:cNvSpPr>
+              <p:nvPr/>
+            </p:nvSpPr>
+            <p:spPr>
+              <a:xfrm>
+                <a:off x="342900" y="3803934"/>
+                <a:ext cx="4562731" cy="830997"/>
+              </a:xfrm>
+              <a:prstGeom prst="rect">
+                <a:avLst/>
+              </a:prstGeom>
+              <a:blipFill rotWithShape="0">
+                <a:blip r:embed="rId3"/>
+                <a:stretch>
+                  <a:fillRect l="-668" t="-2206" b="-8824"/>
+                </a:stretch>
+              </a:blipFill>
+            </p:spPr>
+            <p:txBody>
+              <a:bodyPr/>
+              <a:lstStyle/>
+              <a:p>
+                <a:r>
+                  <a:rPr lang="en-US">
+                    <a:noFill/>
+                  </a:rPr>
+                  <a:t> </a:t>
+                </a:r>
+              </a:p>
+            </p:txBody>
+          </p:sp>
+        </mc:Fallback>
+      </mc:AlternateContent>
+      <p:sp>
+        <p:nvSpPr>
+          <p:cNvPr id="11" name="TextBox 10"/>
+          <p:cNvSpPr txBox="1"/>
+          <p:nvPr/>
+        </p:nvSpPr>
+        <p:spPr>
+          <a:xfrm>
+            <a:off x="967409" y="6226175"/>
+            <a:ext cx="7606748" cy="276999"/>
           </a:xfrm>
           <a:prstGeom prst="rect">
             <a:avLst/>
           </a:prstGeom>
           <a:noFill/>
-          <a:ln>
-            <a:noFill/>
-          </a:ln>
         </p:spPr>
-        <p:style>
-          <a:lnRef idx="2">
-            <a:schemeClr val="accent1">
-              <a:shade val="50000"/>
-            </a:schemeClr>
-          </a:lnRef>
-          <a:fillRef idx="1">
-            <a:schemeClr val="accent1"/>
-          </a:fillRef>
-          <a:effectRef idx="0">
-            <a:schemeClr val="accent1"/>
-          </a:effectRef>
-          <a:fontRef idx="minor">
-            <a:schemeClr val="lt1"/>
-          </a:fontRef>
-        </p:style>
         <p:txBody>
-          <a:bodyPr rtlCol="0" anchor="ctr"/>
+          <a:bodyPr wrap="square" rtlCol="0">
+            <a:spAutoFit/>
+          </a:bodyPr>
           <a:lstStyle/>
           <a:p>
             <a:pPr>
               <a:lnSpc>
-                <a:spcPct val="200000"/>
+                <a:spcPct val="120000"/>
               </a:lnSpc>
             </a:pPr>
             <a:r>
-              <a:rPr lang="de-DE" sz="2400" b="1" dirty="0" smtClean="0">
-                <a:solidFill>
-                  <a:srgbClr val="CAC8C8"/>
-                </a:solidFill>
-              </a:rPr>
-              <a:t>SORR – A Short Introduction</a:t>
-            </a:r>
-          </a:p>
+              <a:rPr lang="de-DE" sz="1000" dirty="0" smtClean="0">
+                <a:solidFill>
+                  <a:srgbClr val="1B202F"/>
+                </a:solidFill>
+                <a:latin typeface="Arial" charset="0"/>
+              </a:rPr>
+              <a:t>Notes: (1) </a:t>
+            </a:r>
+            <a:r>
+              <a:rPr lang="de-DE" sz="1000" dirty="0" err="1" smtClean="0">
+                <a:solidFill>
+                  <a:srgbClr val="1B202F"/>
+                </a:solidFill>
+                <a:latin typeface="Arial" charset="0"/>
+              </a:rPr>
+              <a:t>Based</a:t>
+            </a:r>
+            <a:r>
+              <a:rPr lang="de-DE" sz="1000" dirty="0" smtClean="0">
+                <a:solidFill>
+                  <a:srgbClr val="1B202F"/>
+                </a:solidFill>
+                <a:latin typeface="Arial" charset="0"/>
+              </a:rPr>
+              <a:t> on Estrada, J. &amp; </a:t>
+            </a:r>
+            <a:r>
+              <a:rPr lang="de-DE" sz="1000" dirty="0" err="1" smtClean="0">
+                <a:solidFill>
+                  <a:srgbClr val="1B202F"/>
+                </a:solidFill>
+                <a:latin typeface="Arial" charset="0"/>
+              </a:rPr>
+              <a:t>Kritzman</a:t>
+            </a:r>
+            <a:r>
+              <a:rPr lang="de-DE" sz="1000" dirty="0" smtClean="0">
+                <a:solidFill>
+                  <a:srgbClr val="1B202F"/>
+                </a:solidFill>
+                <a:latin typeface="Arial" charset="0"/>
+              </a:rPr>
+              <a:t>, M. </a:t>
+            </a:r>
+            <a:r>
+              <a:rPr lang="de-DE" sz="1000" dirty="0">
+                <a:solidFill>
+                  <a:srgbClr val="1B202F"/>
+                </a:solidFill>
+                <a:latin typeface="Arial" charset="0"/>
+              </a:rPr>
+              <a:t>(2018), </a:t>
+            </a:r>
+            <a:r>
+              <a:rPr lang="de-DE" sz="1000" i="1" dirty="0" err="1">
+                <a:solidFill>
+                  <a:srgbClr val="1B202F"/>
+                </a:solidFill>
+                <a:latin typeface="Arial" charset="0"/>
+              </a:rPr>
+              <a:t>Evaluating</a:t>
+            </a:r>
+            <a:r>
+              <a:rPr lang="de-DE" sz="1000" i="1" dirty="0">
+                <a:solidFill>
+                  <a:srgbClr val="1B202F"/>
+                </a:solidFill>
+                <a:latin typeface="Arial" charset="0"/>
+              </a:rPr>
+              <a:t> </a:t>
+            </a:r>
+            <a:r>
+              <a:rPr lang="de-DE" sz="1000" i="1" dirty="0" err="1">
+                <a:solidFill>
+                  <a:srgbClr val="1B202F"/>
+                </a:solidFill>
+                <a:latin typeface="Arial" charset="0"/>
+              </a:rPr>
+              <a:t>Retirement</a:t>
+            </a:r>
+            <a:r>
+              <a:rPr lang="de-DE" sz="1000" i="1" dirty="0">
+                <a:solidFill>
+                  <a:srgbClr val="1B202F"/>
+                </a:solidFill>
+                <a:latin typeface="Arial" charset="0"/>
+              </a:rPr>
+              <a:t> </a:t>
+            </a:r>
+            <a:r>
+              <a:rPr lang="de-DE" sz="1000" i="1" dirty="0" err="1" smtClean="0">
+                <a:solidFill>
+                  <a:srgbClr val="1B202F"/>
+                </a:solidFill>
+                <a:latin typeface="Arial" charset="0"/>
+              </a:rPr>
+              <a:t>Strategies</a:t>
+            </a:r>
+            <a:r>
+              <a:rPr lang="de-DE" sz="1000" i="1" dirty="0" smtClean="0">
+                <a:solidFill>
+                  <a:srgbClr val="1B202F"/>
+                </a:solidFill>
+                <a:latin typeface="Arial" charset="0"/>
+              </a:rPr>
+              <a:t>: A </a:t>
+            </a:r>
+            <a:r>
+              <a:rPr lang="de-DE" sz="1000" i="1" dirty="0">
+                <a:solidFill>
+                  <a:srgbClr val="1B202F"/>
+                </a:solidFill>
+                <a:latin typeface="Arial" charset="0"/>
+              </a:rPr>
+              <a:t>Utility-</a:t>
+            </a:r>
+            <a:r>
+              <a:rPr lang="de-DE" sz="1000" i="1" dirty="0" err="1">
+                <a:solidFill>
+                  <a:srgbClr val="1B202F"/>
+                </a:solidFill>
+                <a:latin typeface="Arial" charset="0"/>
+              </a:rPr>
+              <a:t>Based</a:t>
+            </a:r>
+            <a:r>
+              <a:rPr lang="de-DE" sz="1000" i="1" dirty="0">
+                <a:solidFill>
+                  <a:srgbClr val="1B202F"/>
+                </a:solidFill>
+                <a:latin typeface="Arial" charset="0"/>
+              </a:rPr>
+              <a:t> </a:t>
+            </a:r>
+            <a:r>
+              <a:rPr lang="de-DE" sz="1000" i="1" dirty="0" smtClean="0">
+                <a:solidFill>
+                  <a:srgbClr val="1B202F"/>
+                </a:solidFill>
+                <a:latin typeface="Arial" charset="0"/>
+              </a:rPr>
+              <a:t>Approach</a:t>
+            </a:r>
+            <a:r>
+              <a:rPr lang="de-DE" sz="1000" dirty="0" smtClean="0">
+                <a:solidFill>
+                  <a:srgbClr val="1B202F"/>
+                </a:solidFill>
+                <a:latin typeface="Arial" charset="0"/>
+              </a:rPr>
+              <a:t>. pp. 5-6.</a:t>
+            </a:r>
+            <a:endParaRPr lang="de-DE" sz="1000" dirty="0">
+              <a:solidFill>
+                <a:srgbClr val="1B202F"/>
+              </a:solidFill>
+              <a:latin typeface="Arial" charset="0"/>
+            </a:endParaRPr>
+          </a:p>
+        </p:txBody>
+      </p:sp>
+      <p:sp>
+        <p:nvSpPr>
+          <p:cNvPr id="3" name="TextBox 2"/>
+          <p:cNvSpPr txBox="1"/>
+          <p:nvPr/>
+        </p:nvSpPr>
+        <p:spPr>
+          <a:xfrm>
+            <a:off x="4488925" y="2362531"/>
+            <a:ext cx="481914" cy="276999"/>
+          </a:xfrm>
+          <a:prstGeom prst="rect">
+            <a:avLst/>
+          </a:prstGeom>
+          <a:noFill/>
+        </p:spPr>
+        <p:txBody>
+          <a:bodyPr wrap="square" rtlCol="0">
+            <a:spAutoFit/>
+          </a:bodyPr>
+          <a:lstStyle/>
           <a:p>
             <a:pPr>
               <a:lnSpc>
-                <a:spcPct val="200000"/>
+                <a:spcPct val="120000"/>
               </a:lnSpc>
             </a:pPr>
             <a:r>
-              <a:rPr lang="de-DE" sz="2400" b="1" dirty="0" smtClean="0">
-                <a:solidFill>
-                  <a:srgbClr val="CAC8C8"/>
-                </a:solidFill>
-              </a:rPr>
-              <a:t>Methodology</a:t>
-            </a:r>
-          </a:p>
+              <a:rPr lang="en-US" sz="1000" dirty="0" smtClean="0">
+                <a:solidFill>
+                  <a:srgbClr val="1B202F"/>
+                </a:solidFill>
+                <a:latin typeface="Arial" charset="0"/>
+              </a:rPr>
+              <a:t>(1)</a:t>
+            </a:r>
+            <a:endParaRPr lang="en-US" sz="1000" dirty="0" smtClean="0">
+              <a:solidFill>
+                <a:srgbClr val="1B202F"/>
+              </a:solidFill>
+              <a:latin typeface="Arial" charset="0"/>
+            </a:endParaRPr>
+          </a:p>
+        </p:txBody>
+      </p:sp>
+      <mc:AlternateContent xmlns:mc="http://schemas.openxmlformats.org/markup-compatibility/2006">
+        <mc:Choice xmlns:a14="http://schemas.microsoft.com/office/drawing/2010/main" Requires="a14">
+          <p:sp>
+            <p:nvSpPr>
+              <p:cNvPr id="12" name="TextBox 11"/>
+              <p:cNvSpPr txBox="1"/>
+              <p:nvPr/>
+            </p:nvSpPr>
+            <p:spPr>
+              <a:xfrm>
+                <a:off x="342900" y="4706154"/>
+                <a:ext cx="4562731" cy="610936"/>
+              </a:xfrm>
+              <a:prstGeom prst="rect">
+                <a:avLst/>
+              </a:prstGeom>
+              <a:noFill/>
+            </p:spPr>
+            <p:txBody>
+              <a:bodyPr wrap="square" rtlCol="0">
+                <a:spAutoFit/>
+              </a:bodyPr>
+              <a:lstStyle/>
+              <a:p>
+                <a:pPr/>
+                <a14:m>
+                  <m:oMathPara xmlns:m="http://schemas.openxmlformats.org/officeDocument/2006/math">
+                    <m:oMathParaPr>
+                      <m:jc m:val="left"/>
+                    </m:oMathParaPr>
+                    <m:oMath xmlns:m="http://schemas.openxmlformats.org/officeDocument/2006/math">
+                      <m:r>
+                        <a:rPr lang="de-DE" b="0" i="1" smtClean="0">
+                          <a:solidFill>
+                            <a:srgbClr val="323C47"/>
+                          </a:solidFill>
+                          <a:latin typeface="Cambria Math" charset="0"/>
+                        </a:rPr>
+                        <m:t>𝐶</m:t>
+                      </m:r>
+                      <m:r>
+                        <a:rPr lang="de-DE" b="0" i="1" smtClean="0">
+                          <a:solidFill>
+                            <a:srgbClr val="323C47"/>
+                          </a:solidFill>
+                          <a:latin typeface="Cambria Math" charset="0"/>
+                        </a:rPr>
+                        <m:t>= </m:t>
+                      </m:r>
+                      <m:f>
+                        <m:fPr>
+                          <m:ctrlPr>
+                            <a:rPr lang="bg-BG" i="1" smtClean="0">
+                              <a:solidFill>
+                                <a:srgbClr val="323C47"/>
+                              </a:solidFill>
+                              <a:latin typeface="Cambria Math" charset="0"/>
+                            </a:rPr>
+                          </m:ctrlPr>
+                        </m:fPr>
+                        <m:num>
+                          <m:sSub>
+                            <m:sSubPr>
+                              <m:ctrlPr>
+                                <a:rPr lang="en-US" i="1" smtClean="0">
+                                  <a:solidFill>
+                                    <a:srgbClr val="323C47"/>
+                                  </a:solidFill>
+                                  <a:latin typeface="Cambria Math" charset="0"/>
+                                </a:rPr>
+                              </m:ctrlPr>
+                            </m:sSubPr>
+                            <m:e>
+                              <m:r>
+                                <a:rPr lang="de-DE" b="0" i="1" smtClean="0">
+                                  <a:solidFill>
+                                    <a:srgbClr val="323C47"/>
+                                  </a:solidFill>
+                                  <a:latin typeface="Cambria Math" charset="0"/>
+                                </a:rPr>
+                                <m:t>𝑌</m:t>
+                              </m:r>
+                            </m:e>
+                            <m:sub>
+                              <m:r>
+                                <a:rPr lang="de-DE" b="0" i="1" smtClean="0">
+                                  <a:solidFill>
+                                    <a:srgbClr val="323C47"/>
+                                  </a:solidFill>
+                                  <a:latin typeface="Cambria Math" charset="0"/>
+                                </a:rPr>
+                                <m:t>𝑖</m:t>
+                              </m:r>
+                            </m:sub>
+                          </m:sSub>
+                        </m:num>
+                        <m:den>
+                          <m:r>
+                            <a:rPr lang="de-DE" b="0" i="1" smtClean="0">
+                              <a:solidFill>
+                                <a:srgbClr val="323C47"/>
+                              </a:solidFill>
+                              <a:latin typeface="Cambria Math" charset="0"/>
+                            </a:rPr>
+                            <m:t>𝐿</m:t>
+                          </m:r>
+                        </m:den>
+                      </m:f>
+                    </m:oMath>
+                  </m:oMathPara>
+                </a14:m>
+                <a:endParaRPr lang="en-US" dirty="0" smtClean="0">
+                  <a:solidFill>
+                    <a:srgbClr val="323C47"/>
+                  </a:solidFill>
+                  <a:latin typeface="Arial" charset="0"/>
+                </a:endParaRPr>
+              </a:p>
+            </p:txBody>
+          </p:sp>
+        </mc:Choice>
+        <mc:Fallback>
+          <p:sp>
+            <p:nvSpPr>
+              <p:cNvPr id="12" name="TextBox 11"/>
+              <p:cNvSpPr txBox="1">
+                <a:spLocks noRot="1" noChangeAspect="1" noMove="1" noResize="1" noEditPoints="1" noAdjustHandles="1" noChangeArrowheads="1" noChangeShapeType="1" noTextEdit="1"/>
+              </p:cNvSpPr>
+              <p:nvPr/>
+            </p:nvSpPr>
+            <p:spPr>
+              <a:xfrm>
+                <a:off x="342900" y="4706154"/>
+                <a:ext cx="4562731" cy="610936"/>
+              </a:xfrm>
+              <a:prstGeom prst="rect">
+                <a:avLst/>
+              </a:prstGeom>
+              <a:blipFill rotWithShape="0">
+                <a:blip r:embed="rId4"/>
+                <a:stretch>
+                  <a:fillRect/>
+                </a:stretch>
+              </a:blipFill>
+            </p:spPr>
+            <p:txBody>
+              <a:bodyPr/>
+              <a:lstStyle/>
+              <a:p>
+                <a:r>
+                  <a:rPr lang="en-US">
+                    <a:noFill/>
+                  </a:rPr>
+                  <a:t> </a:t>
+                </a:r>
+              </a:p>
+            </p:txBody>
+          </p:sp>
+        </mc:Fallback>
+      </mc:AlternateContent>
+      <p:sp>
+        <p:nvSpPr>
+          <p:cNvPr id="13" name="TextBox 12"/>
+          <p:cNvSpPr txBox="1"/>
+          <p:nvPr/>
+        </p:nvSpPr>
+        <p:spPr>
+          <a:xfrm>
+            <a:off x="342900" y="5365830"/>
+            <a:ext cx="4562731" cy="830997"/>
+          </a:xfrm>
+          <a:prstGeom prst="rect">
+            <a:avLst/>
+          </a:prstGeom>
+          <a:noFill/>
+        </p:spPr>
+        <p:txBody>
+          <a:bodyPr wrap="square" rtlCol="0">
+            <a:spAutoFit/>
+          </a:bodyPr>
+          <a:lstStyle/>
+          <a:p>
+            <a:r>
+              <a:rPr lang="de-DE" sz="1600" dirty="0" err="1">
+                <a:solidFill>
+                  <a:srgbClr val="323C47"/>
+                </a:solidFill>
+                <a:latin typeface="Arial" charset="0"/>
+              </a:rPr>
+              <a:t>w</a:t>
+            </a:r>
+            <a:r>
+              <a:rPr lang="de-DE" sz="1600" dirty="0" err="1" smtClean="0">
+                <a:solidFill>
+                  <a:srgbClr val="323C47"/>
+                </a:solidFill>
+                <a:latin typeface="Arial" charset="0"/>
+              </a:rPr>
+              <a:t>here</a:t>
+            </a:r>
+            <a:r>
+              <a:rPr lang="de-DE" sz="1600" dirty="0" smtClean="0">
+                <a:solidFill>
+                  <a:srgbClr val="323C47"/>
+                </a:solidFill>
+                <a:latin typeface="Arial" charset="0"/>
+              </a:rPr>
+              <a:t> </a:t>
+            </a:r>
+            <a:r>
+              <a:rPr lang="de-DE" sz="1600" i="1" dirty="0" smtClean="0">
+                <a:solidFill>
+                  <a:srgbClr val="323C47"/>
+                </a:solidFill>
+                <a:latin typeface="Arial" charset="0"/>
+              </a:rPr>
+              <a:t>Y</a:t>
+            </a:r>
+            <a:r>
+              <a:rPr lang="de-DE" sz="1600" i="1" baseline="-25000" dirty="0" smtClean="0">
+                <a:solidFill>
+                  <a:srgbClr val="323C47"/>
+                </a:solidFill>
+                <a:latin typeface="Arial" charset="0"/>
+              </a:rPr>
+              <a:t>i</a:t>
+            </a:r>
+            <a:r>
+              <a:rPr lang="de-DE" sz="1600" dirty="0" smtClean="0">
+                <a:solidFill>
+                  <a:srgbClr val="323C47"/>
+                </a:solidFill>
+                <a:latin typeface="Arial" charset="0"/>
+              </a:rPr>
+              <a:t> </a:t>
+            </a:r>
+            <a:r>
+              <a:rPr lang="de-DE" sz="1600" dirty="0" err="1" smtClean="0">
+                <a:solidFill>
+                  <a:srgbClr val="323C47"/>
+                </a:solidFill>
+                <a:latin typeface="Arial" charset="0"/>
+              </a:rPr>
+              <a:t>denotes</a:t>
+            </a:r>
+            <a:r>
+              <a:rPr lang="de-DE" sz="1600" dirty="0" smtClean="0">
+                <a:solidFill>
+                  <a:srgbClr val="323C47"/>
+                </a:solidFill>
+                <a:latin typeface="Arial" charset="0"/>
+              </a:rPr>
+              <a:t> </a:t>
+            </a:r>
+            <a:r>
+              <a:rPr lang="de-DE" sz="1600" dirty="0" err="1" smtClean="0">
+                <a:solidFill>
+                  <a:srgbClr val="323C47"/>
+                </a:solidFill>
+                <a:latin typeface="Arial" charset="0"/>
+              </a:rPr>
+              <a:t>the</a:t>
+            </a:r>
+            <a:r>
+              <a:rPr lang="de-DE" sz="1600" dirty="0" smtClean="0">
+                <a:solidFill>
+                  <a:srgbClr val="323C47"/>
+                </a:solidFill>
+                <a:latin typeface="Arial" charset="0"/>
+              </a:rPr>
+              <a:t> </a:t>
+            </a:r>
+            <a:r>
+              <a:rPr lang="de-DE" sz="1600" dirty="0" err="1" smtClean="0">
+                <a:solidFill>
+                  <a:srgbClr val="323C47"/>
+                </a:solidFill>
+                <a:latin typeface="Arial" charset="0"/>
+              </a:rPr>
+              <a:t>number</a:t>
+            </a:r>
+            <a:r>
+              <a:rPr lang="de-DE" sz="1600" dirty="0" smtClean="0">
+                <a:solidFill>
+                  <a:srgbClr val="323C47"/>
+                </a:solidFill>
+                <a:latin typeface="Arial" charset="0"/>
+              </a:rPr>
+              <a:t> </a:t>
+            </a:r>
+            <a:r>
+              <a:rPr lang="de-DE" sz="1600" dirty="0" err="1" smtClean="0">
+                <a:solidFill>
+                  <a:srgbClr val="323C47"/>
+                </a:solidFill>
+                <a:latin typeface="Arial" charset="0"/>
+              </a:rPr>
+              <a:t>of</a:t>
+            </a:r>
+            <a:r>
+              <a:rPr lang="de-DE" sz="1600" dirty="0" smtClean="0">
+                <a:solidFill>
+                  <a:srgbClr val="323C47"/>
+                </a:solidFill>
+                <a:latin typeface="Arial" charset="0"/>
+              </a:rPr>
+              <a:t> </a:t>
+            </a:r>
+            <a:r>
+              <a:rPr lang="de-DE" sz="1600" dirty="0" err="1" smtClean="0">
+                <a:solidFill>
+                  <a:srgbClr val="323C47"/>
+                </a:solidFill>
+                <a:latin typeface="Arial" charset="0"/>
+              </a:rPr>
+              <a:t>years</a:t>
+            </a:r>
+            <a:r>
+              <a:rPr lang="de-DE" sz="1600" dirty="0" smtClean="0">
+                <a:solidFill>
+                  <a:srgbClr val="323C47"/>
+                </a:solidFill>
+                <a:latin typeface="Arial" charset="0"/>
+              </a:rPr>
+              <a:t> </a:t>
+            </a:r>
+            <a:r>
+              <a:rPr lang="de-DE" sz="1600" dirty="0" err="1" smtClean="0">
+                <a:solidFill>
+                  <a:srgbClr val="323C47"/>
+                </a:solidFill>
+                <a:latin typeface="Arial" charset="0"/>
+              </a:rPr>
+              <a:t>covered</a:t>
+            </a:r>
+            <a:r>
+              <a:rPr lang="de-DE" sz="1600" dirty="0" smtClean="0">
+                <a:solidFill>
+                  <a:srgbClr val="323C47"/>
+                </a:solidFill>
+                <a:latin typeface="Arial" charset="0"/>
+              </a:rPr>
+              <a:t> </a:t>
+            </a:r>
+            <a:r>
+              <a:rPr lang="de-DE" sz="1600" dirty="0" err="1" smtClean="0">
+                <a:solidFill>
+                  <a:srgbClr val="323C47"/>
+                </a:solidFill>
+                <a:latin typeface="Arial" charset="0"/>
+              </a:rPr>
+              <a:t>by</a:t>
+            </a:r>
+            <a:r>
+              <a:rPr lang="de-DE" sz="1600" dirty="0" smtClean="0">
+                <a:solidFill>
+                  <a:srgbClr val="323C47"/>
+                </a:solidFill>
+                <a:latin typeface="Arial" charset="0"/>
+              </a:rPr>
+              <a:t> </a:t>
+            </a:r>
+            <a:r>
+              <a:rPr lang="de-DE" sz="1600" dirty="0" err="1" smtClean="0">
+                <a:solidFill>
+                  <a:srgbClr val="323C47"/>
+                </a:solidFill>
+                <a:latin typeface="Arial" charset="0"/>
+              </a:rPr>
+              <a:t>retirement</a:t>
+            </a:r>
+            <a:r>
+              <a:rPr lang="de-DE" sz="1600" dirty="0" smtClean="0">
+                <a:solidFill>
+                  <a:srgbClr val="323C47"/>
+                </a:solidFill>
+                <a:latin typeface="Arial" charset="0"/>
+              </a:rPr>
+              <a:t> plan </a:t>
+            </a:r>
+            <a:r>
+              <a:rPr lang="de-DE" sz="1600" dirty="0" err="1" smtClean="0">
+                <a:solidFill>
+                  <a:srgbClr val="323C47"/>
+                </a:solidFill>
+                <a:latin typeface="Arial" charset="0"/>
+              </a:rPr>
+              <a:t>and</a:t>
+            </a:r>
+            <a:r>
+              <a:rPr lang="de-DE" sz="1600" dirty="0" smtClean="0">
+                <a:solidFill>
+                  <a:srgbClr val="323C47"/>
+                </a:solidFill>
+                <a:latin typeface="Arial" charset="0"/>
+              </a:rPr>
+              <a:t> </a:t>
+            </a:r>
+            <a:r>
+              <a:rPr lang="de-DE" sz="1600" i="1" dirty="0" smtClean="0">
+                <a:solidFill>
+                  <a:srgbClr val="323C47"/>
+                </a:solidFill>
+                <a:latin typeface="Arial" charset="0"/>
+              </a:rPr>
+              <a:t>L </a:t>
+            </a:r>
+            <a:r>
+              <a:rPr lang="de-DE" sz="1600" dirty="0" err="1" smtClean="0">
+                <a:solidFill>
+                  <a:srgbClr val="323C47"/>
+                </a:solidFill>
+                <a:latin typeface="Arial" charset="0"/>
+              </a:rPr>
+              <a:t>denotes</a:t>
+            </a:r>
+            <a:r>
+              <a:rPr lang="de-DE" sz="1600" dirty="0" smtClean="0">
+                <a:solidFill>
+                  <a:srgbClr val="323C47"/>
+                </a:solidFill>
+                <a:latin typeface="Arial" charset="0"/>
+              </a:rPr>
+              <a:t> </a:t>
+            </a:r>
+            <a:r>
+              <a:rPr lang="de-DE" sz="1600" dirty="0" err="1" smtClean="0">
+                <a:solidFill>
+                  <a:srgbClr val="323C47"/>
+                </a:solidFill>
+                <a:latin typeface="Arial" charset="0"/>
+              </a:rPr>
+              <a:t>the</a:t>
+            </a:r>
+            <a:r>
+              <a:rPr lang="de-DE" sz="1600" dirty="0" smtClean="0">
+                <a:solidFill>
+                  <a:srgbClr val="323C47"/>
+                </a:solidFill>
+                <a:latin typeface="Arial" charset="0"/>
+              </a:rPr>
+              <a:t> </a:t>
+            </a:r>
+            <a:r>
+              <a:rPr lang="de-DE" sz="1600" dirty="0" err="1" smtClean="0">
+                <a:solidFill>
+                  <a:srgbClr val="323C47"/>
+                </a:solidFill>
+                <a:latin typeface="Arial" charset="0"/>
+              </a:rPr>
+              <a:t>number</a:t>
+            </a:r>
+            <a:r>
+              <a:rPr lang="de-DE" sz="1600" dirty="0" smtClean="0">
+                <a:solidFill>
+                  <a:srgbClr val="323C47"/>
+                </a:solidFill>
+                <a:latin typeface="Arial" charset="0"/>
+              </a:rPr>
+              <a:t> </a:t>
+            </a:r>
+            <a:r>
+              <a:rPr lang="de-DE" sz="1600" dirty="0" err="1" smtClean="0">
+                <a:solidFill>
+                  <a:srgbClr val="323C47"/>
+                </a:solidFill>
+                <a:latin typeface="Arial" charset="0"/>
+              </a:rPr>
+              <a:t>of</a:t>
+            </a:r>
+            <a:r>
+              <a:rPr lang="de-DE" sz="1600" dirty="0" smtClean="0">
+                <a:solidFill>
+                  <a:srgbClr val="323C47"/>
+                </a:solidFill>
+                <a:latin typeface="Arial" charset="0"/>
+              </a:rPr>
+              <a:t> </a:t>
+            </a:r>
+            <a:r>
+              <a:rPr lang="de-DE" sz="1600" dirty="0" err="1" smtClean="0">
+                <a:solidFill>
+                  <a:srgbClr val="323C47"/>
+                </a:solidFill>
+                <a:latin typeface="Arial" charset="0"/>
+              </a:rPr>
+              <a:t>years</a:t>
+            </a:r>
+            <a:r>
+              <a:rPr lang="de-DE" sz="1600" dirty="0" smtClean="0">
+                <a:solidFill>
+                  <a:srgbClr val="323C47"/>
+                </a:solidFill>
+                <a:latin typeface="Arial" charset="0"/>
+              </a:rPr>
+              <a:t> in </a:t>
+            </a:r>
+            <a:r>
+              <a:rPr lang="de-DE" sz="1600" dirty="0" err="1" smtClean="0">
+                <a:solidFill>
+                  <a:srgbClr val="323C47"/>
+                </a:solidFill>
+                <a:latin typeface="Arial" charset="0"/>
+              </a:rPr>
+              <a:t>retirement</a:t>
+            </a:r>
+            <a:endParaRPr lang="en-US" sz="1600" dirty="0" smtClean="0">
+              <a:solidFill>
+                <a:srgbClr val="323C47"/>
+              </a:solidFill>
+              <a:latin typeface="Arial" charset="0"/>
+            </a:endParaRPr>
+          </a:p>
+        </p:txBody>
+      </p:sp>
+      <p:sp>
+        <p:nvSpPr>
+          <p:cNvPr id="14" name="TextBox 13"/>
+          <p:cNvSpPr txBox="1"/>
+          <p:nvPr/>
+        </p:nvSpPr>
+        <p:spPr>
+          <a:xfrm>
+            <a:off x="1070223" y="4588179"/>
+            <a:ext cx="481914" cy="276999"/>
+          </a:xfrm>
+          <a:prstGeom prst="rect">
+            <a:avLst/>
+          </a:prstGeom>
+          <a:noFill/>
+        </p:spPr>
+        <p:txBody>
+          <a:bodyPr wrap="square" rtlCol="0">
+            <a:spAutoFit/>
+          </a:bodyPr>
+          <a:lstStyle/>
           <a:p>
             <a:pPr>
               <a:lnSpc>
-                <a:spcPct val="200000"/>
+                <a:spcPct val="120000"/>
               </a:lnSpc>
             </a:pPr>
             <a:r>
-              <a:rPr lang="de-DE" sz="2400" b="1" dirty="0" smtClean="0">
-                <a:solidFill>
-                  <a:srgbClr val="CAC8C8"/>
-                </a:solidFill>
-              </a:rPr>
-              <a:t>Chapter 3</a:t>
-            </a:r>
-          </a:p>
-          <a:p>
-            <a:pPr>
-              <a:lnSpc>
-                <a:spcPct val="200000"/>
-              </a:lnSpc>
-            </a:pPr>
-            <a:r>
-              <a:rPr lang="de-DE" sz="2400" b="1" dirty="0" smtClean="0">
-                <a:solidFill>
-                  <a:srgbClr val="CAC8C8"/>
-                </a:solidFill>
-              </a:rPr>
-              <a:t>Chapter 4</a:t>
-            </a:r>
-          </a:p>
-          <a:p>
-            <a:pPr>
-              <a:lnSpc>
-                <a:spcPct val="200000"/>
-              </a:lnSpc>
-            </a:pPr>
-            <a:r>
-              <a:rPr lang="de-DE" sz="2400" b="1" dirty="0" smtClean="0">
-                <a:solidFill>
-                  <a:srgbClr val="A42036"/>
-                </a:solidFill>
-              </a:rPr>
-              <a:t>Conclusion</a:t>
-            </a:r>
-            <a:endParaRPr lang="en-US" sz="2400" b="1" dirty="0">
+              <a:rPr lang="en-US" sz="1000" smtClean="0">
+                <a:solidFill>
+                  <a:srgbClr val="1B202F"/>
+                </a:solidFill>
+                <a:latin typeface="Arial" charset="0"/>
+              </a:rPr>
+              <a:t>(1)</a:t>
+            </a:r>
+            <a:endParaRPr lang="en-US" sz="1000" dirty="0" smtClean="0">
               <a:solidFill>
-                <a:srgbClr val="A42036"/>
+                <a:srgbClr val="1B202F"/>
               </a:solidFill>
+              <a:latin typeface="Arial" charset="0"/>
             </a:endParaRPr>
           </a:p>
         </p:txBody>
       </p:sp>
+      <p:pic>
+        <p:nvPicPr>
+          <p:cNvPr id="16" name="Picture 15"/>
+          <p:cNvPicPr>
+            <a:picLocks noChangeAspect="1"/>
+          </p:cNvPicPr>
+          <p:nvPr/>
+        </p:nvPicPr>
+        <p:blipFill>
+          <a:blip r:embed="rId5">
+            <a:extLst>
+              <a:ext uri="{28A0092B-C50C-407E-A947-70E740481C1C}">
+                <a14:useLocalDpi xmlns:a14="http://schemas.microsoft.com/office/drawing/2010/main" val="0"/>
+              </a:ext>
+            </a:extLst>
+          </a:blip>
+          <a:stretch>
+            <a:fillRect/>
+          </a:stretch>
+        </p:blipFill>
+        <p:spPr>
+          <a:xfrm>
+            <a:off x="4770783" y="2392524"/>
+            <a:ext cx="4005935" cy="2636935"/>
+          </a:xfrm>
+          <a:prstGeom prst="rect">
+            <a:avLst/>
+          </a:prstGeom>
+        </p:spPr>
+      </p:pic>
     </p:spTree>
     <p:extLst>
       <p:ext uri="{BB962C8B-B14F-4D97-AF65-F5344CB8AC3E}">
-        <p14:creationId xmlns:p14="http://schemas.microsoft.com/office/powerpoint/2010/main" val="3524795404"/>
+        <p14:creationId xmlns:p14="http://schemas.microsoft.com/office/powerpoint/2010/main" val="3916209300"/>
       </p:ext>
     </p:extLst>
   </p:cSld>
